--- a/ppt/Corso_Excel_Base_Avanzato_Parte6.pptx
+++ b/ppt/Corso_Excel_Base_Avanzato_Parte6.pptx
@@ -5,26 +5,30 @@
     <p:sldMasterId id="2147483648" r:id="rId4"/>
   </p:sldMasterIdLst>
   <p:notesMasterIdLst>
-    <p:notesMasterId r:id="rId22"/>
+    <p:notesMasterId r:id="rId26"/>
   </p:notesMasterIdLst>
   <p:sldIdLst>
     <p:sldId id="444" r:id="rId5"/>
     <p:sldId id="457" r:id="rId6"/>
-    <p:sldId id="454" r:id="rId7"/>
-    <p:sldId id="458" r:id="rId8"/>
-    <p:sldId id="459" r:id="rId9"/>
-    <p:sldId id="450" r:id="rId10"/>
-    <p:sldId id="455" r:id="rId11"/>
-    <p:sldId id="456" r:id="rId12"/>
-    <p:sldId id="461" r:id="rId13"/>
-    <p:sldId id="462" r:id="rId14"/>
-    <p:sldId id="463" r:id="rId15"/>
-    <p:sldId id="465" r:id="rId16"/>
-    <p:sldId id="466" r:id="rId17"/>
-    <p:sldId id="467" r:id="rId18"/>
-    <p:sldId id="468" r:id="rId19"/>
-    <p:sldId id="469" r:id="rId20"/>
-    <p:sldId id="470" r:id="rId21"/>
+    <p:sldId id="357" r:id="rId7"/>
+    <p:sldId id="454" r:id="rId8"/>
+    <p:sldId id="458" r:id="rId9"/>
+    <p:sldId id="459" r:id="rId10"/>
+    <p:sldId id="471" r:id="rId11"/>
+    <p:sldId id="450" r:id="rId12"/>
+    <p:sldId id="455" r:id="rId13"/>
+    <p:sldId id="456" r:id="rId14"/>
+    <p:sldId id="461" r:id="rId15"/>
+    <p:sldId id="472" r:id="rId16"/>
+    <p:sldId id="462" r:id="rId17"/>
+    <p:sldId id="463" r:id="rId18"/>
+    <p:sldId id="465" r:id="rId19"/>
+    <p:sldId id="466" r:id="rId20"/>
+    <p:sldId id="473" r:id="rId21"/>
+    <p:sldId id="467" r:id="rId22"/>
+    <p:sldId id="468" r:id="rId23"/>
+    <p:sldId id="469" r:id="rId24"/>
+    <p:sldId id="470" r:id="rId25"/>
   </p:sldIdLst>
   <p:sldSz cx="12192000" cy="6858000"/>
   <p:notesSz cx="6797675" cy="9926638"/>
@@ -289,7 +293,7 @@
               <a:pPr>
                 <a:defRPr/>
               </a:pPr>
-              <a:t>05-Jul-23</a:t>
+              <a:t>11-Jul-23</a:t>
             </a:fld>
             <a:endParaRPr lang="en-US" dirty="0"/>
           </a:p>
@@ -903,7 +907,7 @@
                   <a:spcPct val="0"/>
                 </a:spcAft>
               </a:pPr>
-              <a:t>8</a:t>
+              <a:t>10</a:t>
             </a:fld>
             <a:endParaRPr lang="en-US" altLang="en-US">
               <a:latin typeface="Calibri" panose="020F0502020204030204" pitchFamily="34" charset="0"/>
@@ -984,7 +988,7 @@
           <a:p>
             <a:fld id="{F97DC217-DF71-1A49-B3EA-559F1F43B0FF}" type="slidenum">
               <a:rPr lang="en-US" smtClean="0"/>
-              <a:t>9</a:t>
+              <a:t>11</a:t>
             </a:fld>
             <a:endParaRPr lang="en-US" dirty="0"/>
           </a:p>
@@ -1068,7 +1072,7 @@
           <a:p>
             <a:fld id="{F97DC217-DF71-1A49-B3EA-559F1F43B0FF}" type="slidenum">
               <a:rPr lang="en-US" smtClean="0"/>
-              <a:t>13</a:t>
+              <a:t>16</a:t>
             </a:fld>
             <a:endParaRPr lang="en-US" dirty="0"/>
           </a:p>
@@ -1152,7 +1156,7 @@
           <a:p>
             <a:fld id="{F97DC217-DF71-1A49-B3EA-559F1F43B0FF}" type="slidenum">
               <a:rPr lang="en-US" smtClean="0"/>
-              <a:t>17</a:t>
+              <a:t>21</a:t>
             </a:fld>
             <a:endParaRPr lang="en-US" dirty="0"/>
           </a:p>
@@ -2603,7 +2607,7 @@
               <a:pPr>
                 <a:defRPr/>
               </a:pPr>
-              <a:t>05-Jul-23</a:t>
+              <a:t>11-Jul-23</a:t>
             </a:fld>
             <a:endParaRPr lang="en-US" dirty="0"/>
           </a:p>
@@ -3762,7 +3766,7 @@
               <a:pPr>
                 <a:defRPr/>
               </a:pPr>
-              <a:t>05-Jul-23</a:t>
+              <a:t>11-Jul-23</a:t>
             </a:fld>
             <a:endParaRPr lang="en-US" dirty="0"/>
           </a:p>
@@ -5106,7 +5110,7 @@
               <a:pPr>
                 <a:defRPr/>
               </a:pPr>
-              <a:t>05-Jul-23</a:t>
+              <a:t>11-Jul-23</a:t>
             </a:fld>
             <a:endParaRPr lang="en-US" dirty="0"/>
           </a:p>
@@ -6730,7 +6734,7 @@
               <a:pPr>
                 <a:defRPr/>
               </a:pPr>
-              <a:t>05-Jul-23</a:t>
+              <a:t>11-Jul-23</a:t>
             </a:fld>
             <a:endParaRPr lang="en-US" dirty="0"/>
           </a:p>
@@ -7458,7 +7462,7 @@
               <a:pPr>
                 <a:defRPr/>
               </a:pPr>
-              <a:t>05-Jul-23</a:t>
+              <a:t>11-Jul-23</a:t>
             </a:fld>
             <a:endParaRPr lang="en-US" dirty="0"/>
           </a:p>
@@ -8710,7 +8714,7 @@
               <a:pPr>
                 <a:defRPr/>
               </a:pPr>
-              <a:t>05-Jul-23</a:t>
+              <a:t>11-Jul-23</a:t>
             </a:fld>
             <a:endParaRPr lang="en-US" dirty="0"/>
           </a:p>
@@ -9297,7 +9301,7 @@
               <a:pPr>
                 <a:defRPr/>
               </a:pPr>
-              <a:t>05-Jul-23</a:t>
+              <a:t>11-Jul-23</a:t>
             </a:fld>
             <a:endParaRPr lang="en-US" dirty="0"/>
           </a:p>
@@ -9742,7 +9746,7 @@
               <a:pPr>
                 <a:defRPr/>
               </a:pPr>
-              <a:t>05-Jul-23</a:t>
+              <a:t>11-Jul-23</a:t>
             </a:fld>
             <a:endParaRPr lang="en-US" dirty="0"/>
           </a:p>
@@ -11397,7 +11401,7 @@
               <a:pPr>
                 <a:defRPr/>
               </a:pPr>
-              <a:t>05-Jul-23</a:t>
+              <a:t>11-Jul-23</a:t>
             </a:fld>
             <a:endParaRPr lang="en-US" dirty="0"/>
           </a:p>
@@ -12665,7 +12669,7 @@
               <a:pPr>
                 <a:defRPr/>
               </a:pPr>
-              <a:t>05-Jul-23</a:t>
+              <a:t>11-Jul-23</a:t>
             </a:fld>
             <a:endParaRPr lang="en-US" dirty="0"/>
           </a:p>
@@ -13003,7 +13007,7 @@
               <a:pPr>
                 <a:defRPr/>
               </a:pPr>
-              <a:t>05-Jul-23</a:t>
+              <a:t>11-Jul-23</a:t>
             </a:fld>
             <a:endParaRPr lang="en-US" dirty="0"/>
           </a:p>
@@ -14328,6 +14332,835 @@
       </p:grpSpPr>
       <p:sp>
         <p:nvSpPr>
+          <p:cNvPr id="207874" name="Title 1">
+            <a:extLst>
+              <a:ext uri="{FF2B5EF4-FFF2-40B4-BE49-F238E27FC236}">
+                <a16:creationId xmlns:a16="http://schemas.microsoft.com/office/drawing/2014/main" id="{A87B1DE6-45E0-96DA-A7D9-839B94D93867}"/>
+              </a:ext>
+            </a:extLst>
+          </p:cNvPr>
+          <p:cNvSpPr>
+            <a:spLocks noGrp="1" noChangeArrowheads="1"/>
+          </p:cNvSpPr>
+          <p:nvPr>
+            <p:ph type="title"/>
+          </p:nvPr>
+        </p:nvSpPr>
+        <p:spPr>
+          <a:xfrm>
+            <a:off x="1166813" y="381000"/>
+            <a:ext cx="9780587" cy="1325563"/>
+          </a:xfrm>
+        </p:spPr>
+        <p:txBody>
+          <a:bodyPr/>
+          <a:lstStyle/>
+          <a:p>
+            <a:r>
+              <a:rPr lang="en-US" altLang="en-US"/>
+              <a:t>Esercizio 6-1</a:t>
+            </a:r>
+          </a:p>
+        </p:txBody>
+      </p:sp>
+      <p:sp>
+        <p:nvSpPr>
+          <p:cNvPr id="207875" name="Content Placeholder 2">
+            <a:extLst>
+              <a:ext uri="{FF2B5EF4-FFF2-40B4-BE49-F238E27FC236}">
+                <a16:creationId xmlns:a16="http://schemas.microsoft.com/office/drawing/2014/main" id="{C9961190-019E-41A7-1718-8A8D67061AD6}"/>
+              </a:ext>
+            </a:extLst>
+          </p:cNvPr>
+          <p:cNvSpPr>
+            <a:spLocks noGrp="1" noChangeArrowheads="1"/>
+          </p:cNvSpPr>
+          <p:nvPr>
+            <p:ph type="body" idx="1"/>
+          </p:nvPr>
+        </p:nvSpPr>
+        <p:spPr>
+          <a:xfrm>
+            <a:off x="1166813" y="2652713"/>
+            <a:ext cx="9780587" cy="3703637"/>
+          </a:xfrm>
+        </p:spPr>
+        <p:txBody>
+          <a:bodyPr/>
+          <a:lstStyle/>
+          <a:p>
+            <a:r>
+              <a:rPr lang="en-US" altLang="en-US" b="1"/>
+              <a:t>Esercizio sulle Tabelle Dati</a:t>
+            </a:r>
+          </a:p>
+          <a:p>
+            <a:r>
+              <a:rPr lang="en-US" altLang="en-US" b="1"/>
+              <a:t>document28\AnalisiDati_1.xlsx</a:t>
+            </a:r>
+          </a:p>
+        </p:txBody>
+      </p:sp>
+      <p:sp>
+        <p:nvSpPr>
+          <p:cNvPr id="207876" name="Date Placeholder 3">
+            <a:extLst>
+              <a:ext uri="{FF2B5EF4-FFF2-40B4-BE49-F238E27FC236}">
+                <a16:creationId xmlns:a16="http://schemas.microsoft.com/office/drawing/2014/main" id="{34CCC29F-BC8A-3AC5-8F63-71777129F22A}"/>
+              </a:ext>
+            </a:extLst>
+          </p:cNvPr>
+          <p:cNvSpPr>
+            <a:spLocks noGrp="1" noChangeArrowheads="1"/>
+          </p:cNvSpPr>
+          <p:nvPr>
+            <p:ph type="dt" sz="quarter" idx="10"/>
+          </p:nvPr>
+        </p:nvSpPr>
+        <p:spPr bwMode="auto">
+          <a:xfrm>
+            <a:off x="166688" y="6356350"/>
+            <a:ext cx="2743200" cy="365125"/>
+          </a:xfrm>
+          <a:noFill/>
+          <a:extLst>
+            <a:ext uri="{909E8E84-426E-40DD-AFC4-6F175D3DCCD1}">
+              <a14:hiddenFill xmlns:a14="http://schemas.microsoft.com/office/drawing/2010/main">
+                <a:solidFill>
+                  <a:srgbClr val="FFFFFF"/>
+                </a:solidFill>
+              </a14:hiddenFill>
+            </a:ext>
+            <a:ext uri="{91240B29-F687-4F45-9708-019B960494DF}">
+              <a14:hiddenLine xmlns:a14="http://schemas.microsoft.com/office/drawing/2010/main" w="9525">
+                <a:solidFill>
+                  <a:srgbClr val="000000"/>
+                </a:solidFill>
+                <a:miter lim="800000"/>
+                <a:headEnd/>
+                <a:tailEnd/>
+              </a14:hiddenLine>
+            </a:ext>
+          </a:extLst>
+        </p:spPr>
+        <p:txBody>
+          <a:bodyPr wrap="square" numCol="1" anchorCtr="0" compatLnSpc="1">
+            <a:prstTxWarp prst="textNoShape">
+              <a:avLst/>
+            </a:prstTxWarp>
+          </a:bodyPr>
+          <a:lstStyle>
+            <a:lvl1pPr>
+              <a:defRPr>
+                <a:solidFill>
+                  <a:schemeClr val="tx1"/>
+                </a:solidFill>
+                <a:latin typeface="Tenorite" panose="00000500000000000000" pitchFamily="2" charset="0"/>
+              </a:defRPr>
+            </a:lvl1pPr>
+            <a:lvl2pPr marL="742950" indent="-285750">
+              <a:defRPr>
+                <a:solidFill>
+                  <a:schemeClr val="tx1"/>
+                </a:solidFill>
+                <a:latin typeface="Tenorite" panose="00000500000000000000" pitchFamily="2" charset="0"/>
+              </a:defRPr>
+            </a:lvl2pPr>
+            <a:lvl3pPr marL="1143000" indent="-228600">
+              <a:defRPr>
+                <a:solidFill>
+                  <a:schemeClr val="tx1"/>
+                </a:solidFill>
+                <a:latin typeface="Tenorite" panose="00000500000000000000" pitchFamily="2" charset="0"/>
+              </a:defRPr>
+            </a:lvl3pPr>
+            <a:lvl4pPr marL="1600200" indent="-228600">
+              <a:defRPr>
+                <a:solidFill>
+                  <a:schemeClr val="tx1"/>
+                </a:solidFill>
+                <a:latin typeface="Tenorite" panose="00000500000000000000" pitchFamily="2" charset="0"/>
+              </a:defRPr>
+            </a:lvl4pPr>
+            <a:lvl5pPr marL="2057400" indent="-228600">
+              <a:defRPr>
+                <a:solidFill>
+                  <a:schemeClr val="tx1"/>
+                </a:solidFill>
+                <a:latin typeface="Tenorite" panose="00000500000000000000" pitchFamily="2" charset="0"/>
+              </a:defRPr>
+            </a:lvl5pPr>
+            <a:lvl6pPr marL="2514600" indent="-228600" fontAlgn="base">
+              <a:spcBef>
+                <a:spcPct val="0"/>
+              </a:spcBef>
+              <a:spcAft>
+                <a:spcPct val="0"/>
+              </a:spcAft>
+              <a:defRPr>
+                <a:solidFill>
+                  <a:schemeClr val="tx1"/>
+                </a:solidFill>
+                <a:latin typeface="Tenorite" panose="00000500000000000000" pitchFamily="2" charset="0"/>
+              </a:defRPr>
+            </a:lvl6pPr>
+            <a:lvl7pPr marL="2971800" indent="-228600" fontAlgn="base">
+              <a:spcBef>
+                <a:spcPct val="0"/>
+              </a:spcBef>
+              <a:spcAft>
+                <a:spcPct val="0"/>
+              </a:spcAft>
+              <a:defRPr>
+                <a:solidFill>
+                  <a:schemeClr val="tx1"/>
+                </a:solidFill>
+                <a:latin typeface="Tenorite" panose="00000500000000000000" pitchFamily="2" charset="0"/>
+              </a:defRPr>
+            </a:lvl7pPr>
+            <a:lvl8pPr marL="3429000" indent="-228600" fontAlgn="base">
+              <a:spcBef>
+                <a:spcPct val="0"/>
+              </a:spcBef>
+              <a:spcAft>
+                <a:spcPct val="0"/>
+              </a:spcAft>
+              <a:defRPr>
+                <a:solidFill>
+                  <a:schemeClr val="tx1"/>
+                </a:solidFill>
+                <a:latin typeface="Tenorite" panose="00000500000000000000" pitchFamily="2" charset="0"/>
+              </a:defRPr>
+            </a:lvl8pPr>
+            <a:lvl9pPr marL="3886200" indent="-228600" fontAlgn="base">
+              <a:spcBef>
+                <a:spcPct val="0"/>
+              </a:spcBef>
+              <a:spcAft>
+                <a:spcPct val="0"/>
+              </a:spcAft>
+              <a:defRPr>
+                <a:solidFill>
+                  <a:schemeClr val="tx1"/>
+                </a:solidFill>
+                <a:latin typeface="Tenorite" panose="00000500000000000000" pitchFamily="2" charset="0"/>
+              </a:defRPr>
+            </a:lvl9pPr>
+          </a:lstStyle>
+          <a:p>
+            <a:pPr fontAlgn="base">
+              <a:spcBef>
+                <a:spcPct val="0"/>
+              </a:spcBef>
+              <a:spcAft>
+                <a:spcPct val="0"/>
+              </a:spcAft>
+            </a:pPr>
+            <a:r>
+              <a:rPr lang="en-US" altLang="en-US">
+                <a:solidFill>
+                  <a:schemeClr val="accent2"/>
+                </a:solidFill>
+              </a:rPr>
+              <a:t>GIUGNO-LUGLIO 2023</a:t>
+            </a:r>
+          </a:p>
+        </p:txBody>
+      </p:sp>
+      <p:sp>
+        <p:nvSpPr>
+          <p:cNvPr id="207877" name="Footer Placeholder 4">
+            <a:extLst>
+              <a:ext uri="{FF2B5EF4-FFF2-40B4-BE49-F238E27FC236}">
+                <a16:creationId xmlns:a16="http://schemas.microsoft.com/office/drawing/2014/main" id="{8DEF1ADB-E84E-BE41-EA14-E8D9483C0A54}"/>
+              </a:ext>
+            </a:extLst>
+          </p:cNvPr>
+          <p:cNvSpPr>
+            <a:spLocks noGrp="1" noChangeArrowheads="1"/>
+          </p:cNvSpPr>
+          <p:nvPr>
+            <p:ph type="ftr" sz="quarter" idx="11"/>
+          </p:nvPr>
+        </p:nvSpPr>
+        <p:spPr bwMode="auto">
+          <a:noFill/>
+          <a:extLst>
+            <a:ext uri="{909E8E84-426E-40DD-AFC4-6F175D3DCCD1}">
+              <a14:hiddenFill xmlns:a14="http://schemas.microsoft.com/office/drawing/2010/main">
+                <a:solidFill>
+                  <a:srgbClr val="FFFFFF"/>
+                </a:solidFill>
+              </a14:hiddenFill>
+            </a:ext>
+            <a:ext uri="{91240B29-F687-4F45-9708-019B960494DF}">
+              <a14:hiddenLine xmlns:a14="http://schemas.microsoft.com/office/drawing/2010/main" w="9525">
+                <a:solidFill>
+                  <a:srgbClr val="000000"/>
+                </a:solidFill>
+                <a:miter lim="800000"/>
+                <a:headEnd/>
+                <a:tailEnd/>
+              </a14:hiddenLine>
+            </a:ext>
+          </a:extLst>
+        </p:spPr>
+        <p:txBody>
+          <a:bodyPr wrap="square" numCol="1" anchorCtr="0" compatLnSpc="1">
+            <a:prstTxWarp prst="textNoShape">
+              <a:avLst/>
+            </a:prstTxWarp>
+          </a:bodyPr>
+          <a:lstStyle>
+            <a:lvl1pPr>
+              <a:defRPr>
+                <a:solidFill>
+                  <a:schemeClr val="tx1"/>
+                </a:solidFill>
+                <a:latin typeface="Tenorite" panose="00000500000000000000" pitchFamily="2" charset="0"/>
+              </a:defRPr>
+            </a:lvl1pPr>
+            <a:lvl2pPr marL="742950" indent="-285750">
+              <a:defRPr>
+                <a:solidFill>
+                  <a:schemeClr val="tx1"/>
+                </a:solidFill>
+                <a:latin typeface="Tenorite" panose="00000500000000000000" pitchFamily="2" charset="0"/>
+              </a:defRPr>
+            </a:lvl2pPr>
+            <a:lvl3pPr marL="1143000" indent="-228600">
+              <a:defRPr>
+                <a:solidFill>
+                  <a:schemeClr val="tx1"/>
+                </a:solidFill>
+                <a:latin typeface="Tenorite" panose="00000500000000000000" pitchFamily="2" charset="0"/>
+              </a:defRPr>
+            </a:lvl3pPr>
+            <a:lvl4pPr marL="1600200" indent="-228600">
+              <a:defRPr>
+                <a:solidFill>
+                  <a:schemeClr val="tx1"/>
+                </a:solidFill>
+                <a:latin typeface="Tenorite" panose="00000500000000000000" pitchFamily="2" charset="0"/>
+              </a:defRPr>
+            </a:lvl4pPr>
+            <a:lvl5pPr marL="2057400" indent="-228600">
+              <a:defRPr>
+                <a:solidFill>
+                  <a:schemeClr val="tx1"/>
+                </a:solidFill>
+                <a:latin typeface="Tenorite" panose="00000500000000000000" pitchFamily="2" charset="0"/>
+              </a:defRPr>
+            </a:lvl5pPr>
+            <a:lvl6pPr marL="2514600" indent="-228600" fontAlgn="base">
+              <a:spcBef>
+                <a:spcPct val="0"/>
+              </a:spcBef>
+              <a:spcAft>
+                <a:spcPct val="0"/>
+              </a:spcAft>
+              <a:defRPr>
+                <a:solidFill>
+                  <a:schemeClr val="tx1"/>
+                </a:solidFill>
+                <a:latin typeface="Tenorite" panose="00000500000000000000" pitchFamily="2" charset="0"/>
+              </a:defRPr>
+            </a:lvl6pPr>
+            <a:lvl7pPr marL="2971800" indent="-228600" fontAlgn="base">
+              <a:spcBef>
+                <a:spcPct val="0"/>
+              </a:spcBef>
+              <a:spcAft>
+                <a:spcPct val="0"/>
+              </a:spcAft>
+              <a:defRPr>
+                <a:solidFill>
+                  <a:schemeClr val="tx1"/>
+                </a:solidFill>
+                <a:latin typeface="Tenorite" panose="00000500000000000000" pitchFamily="2" charset="0"/>
+              </a:defRPr>
+            </a:lvl7pPr>
+            <a:lvl8pPr marL="3429000" indent="-228600" fontAlgn="base">
+              <a:spcBef>
+                <a:spcPct val="0"/>
+              </a:spcBef>
+              <a:spcAft>
+                <a:spcPct val="0"/>
+              </a:spcAft>
+              <a:defRPr>
+                <a:solidFill>
+                  <a:schemeClr val="tx1"/>
+                </a:solidFill>
+                <a:latin typeface="Tenorite" panose="00000500000000000000" pitchFamily="2" charset="0"/>
+              </a:defRPr>
+            </a:lvl8pPr>
+            <a:lvl9pPr marL="3886200" indent="-228600" fontAlgn="base">
+              <a:spcBef>
+                <a:spcPct val="0"/>
+              </a:spcBef>
+              <a:spcAft>
+                <a:spcPct val="0"/>
+              </a:spcAft>
+              <a:defRPr>
+                <a:solidFill>
+                  <a:schemeClr val="tx1"/>
+                </a:solidFill>
+                <a:latin typeface="Tenorite" panose="00000500000000000000" pitchFamily="2" charset="0"/>
+              </a:defRPr>
+            </a:lvl9pPr>
+          </a:lstStyle>
+          <a:p>
+            <a:pPr fontAlgn="base">
+              <a:spcBef>
+                <a:spcPct val="0"/>
+              </a:spcBef>
+              <a:spcAft>
+                <a:spcPct val="0"/>
+              </a:spcAft>
+            </a:pPr>
+            <a:r>
+              <a:rPr lang="en-US" altLang="en-US">
+                <a:solidFill>
+                  <a:schemeClr val="accent2"/>
+                </a:solidFill>
+              </a:rPr>
+              <a:t>MICROSOFT EXCEL – BASE e AVANZATO</a:t>
+            </a:r>
+          </a:p>
+        </p:txBody>
+      </p:sp>
+      <p:sp>
+        <p:nvSpPr>
+          <p:cNvPr id="6" name="Slide Number Placeholder 5">
+            <a:extLst>
+              <a:ext uri="{FF2B5EF4-FFF2-40B4-BE49-F238E27FC236}">
+                <a16:creationId xmlns:a16="http://schemas.microsoft.com/office/drawing/2014/main" id="{D0A72242-62C2-E851-B53C-A5E3C3FFAB3D}"/>
+              </a:ext>
+            </a:extLst>
+          </p:cNvPr>
+          <p:cNvSpPr>
+            <a:spLocks noGrp="1"/>
+          </p:cNvSpPr>
+          <p:nvPr>
+            <p:ph type="sldNum" sz="quarter" idx="12"/>
+          </p:nvPr>
+        </p:nvSpPr>
+        <p:spPr/>
+        <p:txBody>
+          <a:bodyPr/>
+          <a:lstStyle/>
+          <a:p>
+            <a:pPr>
+              <a:defRPr/>
+            </a:pPr>
+            <a:fld id="{7A4E114E-DD44-45DC-818B-363C39D48A38}" type="slidenum">
+              <a:rPr lang="en-US"/>
+              <a:pPr>
+                <a:defRPr/>
+              </a:pPr>
+              <a:t>10</a:t>
+            </a:fld>
+            <a:endParaRPr lang="en-US" dirty="0"/>
+          </a:p>
+        </p:txBody>
+      </p:sp>
+    </p:spTree>
+  </p:cSld>
+  <p:clrMapOvr>
+    <a:masterClrMapping/>
+  </p:clrMapOvr>
+</p:sld>
+</file>
+
+<file path=ppt/slides/slide11.xml><?xml version="1.0" encoding="utf-8"?>
+<p:sld xmlns:a="http://schemas.openxmlformats.org/drawingml/2006/main" xmlns:r="http://schemas.openxmlformats.org/officeDocument/2006/relationships" xmlns:p="http://schemas.openxmlformats.org/presentationml/2006/main">
+  <p:cSld>
+    <p:spTree>
+      <p:nvGrpSpPr>
+        <p:cNvPr id="1" name=""/>
+        <p:cNvGrpSpPr/>
+        <p:nvPr/>
+      </p:nvGrpSpPr>
+      <p:grpSpPr>
+        <a:xfrm>
+          <a:off x="0" y="0"/>
+          <a:ext cx="0" cy="0"/>
+          <a:chOff x="0" y="0"/>
+          <a:chExt cx="0" cy="0"/>
+        </a:xfrm>
+      </p:grpSpPr>
+      <p:sp>
+        <p:nvSpPr>
+          <p:cNvPr id="2" name="Title 1">
+            <a:extLst>
+              <a:ext uri="{FF2B5EF4-FFF2-40B4-BE49-F238E27FC236}">
+                <a16:creationId xmlns:a16="http://schemas.microsoft.com/office/drawing/2014/main" id="{8C543F67-9C70-4748-8C0C-3A7863422F99}"/>
+              </a:ext>
+            </a:extLst>
+          </p:cNvPr>
+          <p:cNvSpPr>
+            <a:spLocks noGrp="1"/>
+          </p:cNvSpPr>
+          <p:nvPr>
+            <p:ph type="title"/>
+          </p:nvPr>
+        </p:nvSpPr>
+        <p:spPr>
+          <a:xfrm>
+            <a:off x="1167492" y="381000"/>
+            <a:ext cx="9779183" cy="1325563"/>
+          </a:xfrm>
+        </p:spPr>
+        <p:txBody>
+          <a:bodyPr/>
+          <a:lstStyle/>
+          <a:p>
+            <a:r>
+              <a:rPr lang="en-US" dirty="0" err="1"/>
+              <a:t>Esercizio</a:t>
+            </a:r>
+            <a:r>
+              <a:rPr lang="en-US" dirty="0"/>
+              <a:t> 6-2</a:t>
+            </a:r>
+          </a:p>
+        </p:txBody>
+      </p:sp>
+      <p:sp>
+        <p:nvSpPr>
+          <p:cNvPr id="3" name="Content Placeholder 2">
+            <a:extLst>
+              <a:ext uri="{FF2B5EF4-FFF2-40B4-BE49-F238E27FC236}">
+                <a16:creationId xmlns:a16="http://schemas.microsoft.com/office/drawing/2014/main" id="{95B371F2-DBA5-415A-82C8-651F587B857A}"/>
+              </a:ext>
+            </a:extLst>
+          </p:cNvPr>
+          <p:cNvSpPr>
+            <a:spLocks noGrp="1"/>
+          </p:cNvSpPr>
+          <p:nvPr>
+            <p:ph type="body" idx="1"/>
+          </p:nvPr>
+        </p:nvSpPr>
+        <p:spPr>
+          <a:xfrm>
+            <a:off x="1167492" y="2653167"/>
+            <a:ext cx="9779183" cy="3703183"/>
+          </a:xfrm>
+        </p:spPr>
+        <p:txBody>
+          <a:bodyPr vert="horz" lIns="91440" tIns="45720" rIns="91440" bIns="45720" rtlCol="0" anchor="t">
+            <a:normAutofit/>
+          </a:bodyPr>
+          <a:lstStyle/>
+          <a:p>
+            <a:r>
+              <a:rPr lang="en-US" b="1" dirty="0" err="1"/>
+              <a:t>Esercizio</a:t>
+            </a:r>
+            <a:r>
+              <a:rPr lang="en-US" b="1" dirty="0"/>
+              <a:t> </a:t>
+            </a:r>
+            <a:r>
+              <a:rPr lang="en-US" b="1" dirty="0" err="1"/>
+              <a:t>sulla</a:t>
+            </a:r>
+            <a:r>
+              <a:rPr lang="en-US" b="1" dirty="0"/>
+              <a:t> </a:t>
+            </a:r>
+            <a:r>
+              <a:rPr lang="en-US" b="1" dirty="0" err="1"/>
+              <a:t>Gestione</a:t>
+            </a:r>
+            <a:r>
+              <a:rPr lang="en-US" b="1" dirty="0"/>
+              <a:t> Scenario</a:t>
+            </a:r>
+            <a:endParaRPr lang="en-US" sz="2400" b="1" dirty="0"/>
+          </a:p>
+          <a:p>
+            <a:r>
+              <a:rPr lang="en-US" b="1" dirty="0"/>
+              <a:t>document28\GestioneScenari_1.xlsx</a:t>
+            </a:r>
+          </a:p>
+          <a:p>
+            <a:r>
+              <a:rPr lang="en-US" b="1" dirty="0"/>
+              <a:t>document28\GestioneScenari_Esterno.xlsx</a:t>
+            </a:r>
+          </a:p>
+        </p:txBody>
+      </p:sp>
+      <p:sp>
+        <p:nvSpPr>
+          <p:cNvPr id="4" name="Date Placeholder 3">
+            <a:extLst>
+              <a:ext uri="{FF2B5EF4-FFF2-40B4-BE49-F238E27FC236}">
+                <a16:creationId xmlns:a16="http://schemas.microsoft.com/office/drawing/2014/main" id="{DB056174-CBC5-7B48-9681-7DDAC423337E}"/>
+              </a:ext>
+            </a:extLst>
+          </p:cNvPr>
+          <p:cNvSpPr>
+            <a:spLocks noGrp="1"/>
+          </p:cNvSpPr>
+          <p:nvPr>
+            <p:ph type="dt" sz="half" idx="10"/>
+          </p:nvPr>
+        </p:nvSpPr>
+        <p:spPr>
+          <a:xfrm>
+            <a:off x="166396" y="6356350"/>
+            <a:ext cx="2743200" cy="365125"/>
+          </a:xfrm>
+        </p:spPr>
+        <p:txBody>
+          <a:bodyPr/>
+          <a:lstStyle/>
+          <a:p>
+            <a:r>
+              <a:rPr lang="en-US" dirty="0"/>
+              <a:t>GIUGNO-LUGLIO 2023</a:t>
+            </a:r>
+          </a:p>
+        </p:txBody>
+      </p:sp>
+      <p:sp>
+        <p:nvSpPr>
+          <p:cNvPr id="5" name="Footer Placeholder 4">
+            <a:extLst>
+              <a:ext uri="{FF2B5EF4-FFF2-40B4-BE49-F238E27FC236}">
+                <a16:creationId xmlns:a16="http://schemas.microsoft.com/office/drawing/2014/main" id="{D593FA18-50D6-0344-B477-1D7C91CF4029}"/>
+              </a:ext>
+            </a:extLst>
+          </p:cNvPr>
+          <p:cNvSpPr>
+            <a:spLocks noGrp="1"/>
+          </p:cNvSpPr>
+          <p:nvPr>
+            <p:ph type="ftr" sz="quarter" idx="11"/>
+          </p:nvPr>
+        </p:nvSpPr>
+        <p:spPr>
+          <a:xfrm>
+            <a:off x="4038600" y="6356350"/>
+            <a:ext cx="4114800" cy="365125"/>
+          </a:xfrm>
+        </p:spPr>
+        <p:txBody>
+          <a:bodyPr/>
+          <a:lstStyle/>
+          <a:p>
+            <a:r>
+              <a:rPr lang="en-US" dirty="0"/>
+              <a:t>MICROSOFT EXCEL – BASE e AVANZATO</a:t>
+            </a:r>
+          </a:p>
+        </p:txBody>
+      </p:sp>
+      <p:sp>
+        <p:nvSpPr>
+          <p:cNvPr id="6" name="Slide Number Placeholder 5">
+            <a:extLst>
+              <a:ext uri="{FF2B5EF4-FFF2-40B4-BE49-F238E27FC236}">
+                <a16:creationId xmlns:a16="http://schemas.microsoft.com/office/drawing/2014/main" id="{134C72D2-EFDF-844A-8472-CB49A59B127B}"/>
+              </a:ext>
+            </a:extLst>
+          </p:cNvPr>
+          <p:cNvSpPr>
+            <a:spLocks noGrp="1"/>
+          </p:cNvSpPr>
+          <p:nvPr>
+            <p:ph type="sldNum" sz="quarter" idx="12"/>
+          </p:nvPr>
+        </p:nvSpPr>
+        <p:spPr>
+          <a:xfrm>
+            <a:off x="10206318" y="6356350"/>
+            <a:ext cx="1604682" cy="365125"/>
+          </a:xfrm>
+        </p:spPr>
+        <p:txBody>
+          <a:bodyPr/>
+          <a:lstStyle/>
+          <a:p>
+            <a:fld id="{294A09A9-5501-47C1-A89A-A340965A2BE2}" type="slidenum">
+              <a:rPr lang="en-US" smtClean="0"/>
+              <a:pPr/>
+              <a:t>11</a:t>
+            </a:fld>
+            <a:endParaRPr lang="en-US" dirty="0"/>
+          </a:p>
+        </p:txBody>
+      </p:sp>
+    </p:spTree>
+    <p:extLst>
+      <p:ext uri="{BB962C8B-B14F-4D97-AF65-F5344CB8AC3E}">
+        <p14:creationId xmlns:p14="http://schemas.microsoft.com/office/powerpoint/2010/main" val="3618465120"/>
+      </p:ext>
+    </p:extLst>
+  </p:cSld>
+  <p:clrMapOvr>
+    <a:masterClrMapping/>
+  </p:clrMapOvr>
+</p:sld>
+</file>
+
+<file path=ppt/slides/slide12.xml><?xml version="1.0" encoding="utf-8"?>
+<p:sld xmlns:a="http://schemas.openxmlformats.org/drawingml/2006/main" xmlns:r="http://schemas.openxmlformats.org/officeDocument/2006/relationships" xmlns:p="http://schemas.openxmlformats.org/presentationml/2006/main">
+  <p:cSld>
+    <p:spTree>
+      <p:nvGrpSpPr>
+        <p:cNvPr id="1" name=""/>
+        <p:cNvGrpSpPr/>
+        <p:nvPr/>
+      </p:nvGrpSpPr>
+      <p:grpSpPr>
+        <a:xfrm>
+          <a:off x="0" y="0"/>
+          <a:ext cx="0" cy="0"/>
+          <a:chOff x="0" y="0"/>
+          <a:chExt cx="0" cy="0"/>
+        </a:xfrm>
+      </p:grpSpPr>
+      <p:sp>
+        <p:nvSpPr>
+          <p:cNvPr id="21506" name="Title 1">
+            <a:extLst>
+              <a:ext uri="{FF2B5EF4-FFF2-40B4-BE49-F238E27FC236}">
+                <a16:creationId xmlns:a16="http://schemas.microsoft.com/office/drawing/2014/main" id="{3CC3F597-36B4-280D-B451-3CC3CC21EF9D}"/>
+              </a:ext>
+            </a:extLst>
+          </p:cNvPr>
+          <p:cNvSpPr>
+            <a:spLocks noGrp="1" noChangeArrowheads="1"/>
+          </p:cNvSpPr>
+          <p:nvPr>
+            <p:ph type="ctrTitle"/>
+          </p:nvPr>
+        </p:nvSpPr>
+        <p:spPr>
+          <a:xfrm>
+            <a:off x="1158875" y="2235200"/>
+            <a:ext cx="6245225" cy="2387600"/>
+          </a:xfrm>
+        </p:spPr>
+        <p:txBody>
+          <a:bodyPr anchor="ctr"/>
+          <a:lstStyle/>
+          <a:p>
+            <a:r>
+              <a:rPr lang="en-US" altLang="en-US" dirty="0" err="1"/>
+              <a:t>Ricerca</a:t>
+            </a:r>
+            <a:r>
+              <a:rPr lang="en-US" altLang="en-US" dirty="0"/>
+              <a:t> </a:t>
+            </a:r>
+            <a:r>
+              <a:rPr lang="en-US" altLang="en-US" dirty="0" err="1"/>
+              <a:t>Obiettivo</a:t>
+            </a:r>
+            <a:endParaRPr lang="en-US" altLang="en-US" dirty="0"/>
+          </a:p>
+        </p:txBody>
+      </p:sp>
+      <p:sp>
+        <p:nvSpPr>
+          <p:cNvPr id="3" name="Title 1">
+            <a:extLst>
+              <a:ext uri="{FF2B5EF4-FFF2-40B4-BE49-F238E27FC236}">
+                <a16:creationId xmlns:a16="http://schemas.microsoft.com/office/drawing/2014/main" id="{F8854F0D-A554-2382-F5CC-7A3E5F6E5F52}"/>
+              </a:ext>
+            </a:extLst>
+          </p:cNvPr>
+          <p:cNvSpPr txBox="1">
+            <a:spLocks/>
+          </p:cNvSpPr>
+          <p:nvPr/>
+        </p:nvSpPr>
+        <p:spPr>
+          <a:xfrm>
+            <a:off x="10874375" y="0"/>
+            <a:ext cx="1317625" cy="1260475"/>
+          </a:xfrm>
+          <a:prstGeom prst="rect">
+            <a:avLst/>
+          </a:prstGeom>
+        </p:spPr>
+        <p:txBody>
+          <a:bodyPr anchor="ctr">
+            <a:normAutofit fontScale="92500" lnSpcReduction="20000"/>
+          </a:bodyPr>
+          <a:lstStyle>
+            <a:lvl1pPr algn="ctr" defTabSz="914400" rtl="0" eaLnBrk="1" latinLnBrk="0" hangingPunct="1">
+              <a:lnSpc>
+                <a:spcPct val="100000"/>
+              </a:lnSpc>
+              <a:spcBef>
+                <a:spcPct val="0"/>
+              </a:spcBef>
+              <a:buNone/>
+              <a:defRPr sz="4600" kern="1200">
+                <a:solidFill>
+                  <a:schemeClr val="bg1"/>
+                </a:solidFill>
+                <a:latin typeface="+mj-lt"/>
+                <a:ea typeface="+mj-ea"/>
+                <a:cs typeface="+mj-cs"/>
+              </a:defRPr>
+            </a:lvl1pPr>
+          </a:lstStyle>
+          <a:p>
+            <a:pPr fontAlgn="auto">
+              <a:spcAft>
+                <a:spcPts val="0"/>
+              </a:spcAft>
+              <a:defRPr/>
+            </a:pPr>
+            <a:r>
+              <a:rPr lang="en-US" sz="9600" b="1" dirty="0"/>
+              <a:t>6</a:t>
+            </a:r>
+            <a:endParaRPr lang="en-US" sz="5400" b="1" dirty="0"/>
+          </a:p>
+        </p:txBody>
+      </p:sp>
+    </p:spTree>
+    <p:extLst>
+      <p:ext uri="{BB962C8B-B14F-4D97-AF65-F5344CB8AC3E}">
+        <p14:creationId xmlns:p14="http://schemas.microsoft.com/office/powerpoint/2010/main" val="196774824"/>
+      </p:ext>
+    </p:extLst>
+  </p:cSld>
+  <p:clrMapOvr>
+    <a:masterClrMapping/>
+  </p:clrMapOvr>
+</p:sld>
+</file>
+
+<file path=ppt/slides/slide13.xml><?xml version="1.0" encoding="utf-8"?>
+<p:sld xmlns:a="http://schemas.openxmlformats.org/drawingml/2006/main" xmlns:r="http://schemas.openxmlformats.org/officeDocument/2006/relationships" xmlns:p="http://schemas.openxmlformats.org/presentationml/2006/main">
+  <p:cSld>
+    <p:spTree>
+      <p:nvGrpSpPr>
+        <p:cNvPr id="1" name=""/>
+        <p:cNvGrpSpPr/>
+        <p:nvPr/>
+      </p:nvGrpSpPr>
+      <p:grpSpPr>
+        <a:xfrm>
+          <a:off x="0" y="0"/>
+          <a:ext cx="0" cy="0"/>
+          <a:chOff x="0" y="0"/>
+          <a:chExt cx="0" cy="0"/>
+        </a:xfrm>
+      </p:grpSpPr>
+      <p:sp>
+        <p:nvSpPr>
           <p:cNvPr id="2" name="Title 1">
             <a:extLst>
               <a:ext uri="{FF2B5EF4-FFF2-40B4-BE49-F238E27FC236}">
@@ -14499,7 +15332,7 @@
             <a:fld id="{7E7AB22C-8B7E-9B4A-8C65-396C3C874D86}" type="datetime1">
               <a:rPr lang="en-US" smtClean="0"/>
               <a:pPr/>
-              <a:t>05-Jul-23</a:t>
+              <a:t>11-Jul-23</a:t>
             </a:fld>
             <a:endParaRPr lang="en-US" dirty="0"/>
           </a:p>
@@ -14766,7 +15599,7 @@
             <a:fld id="{294A09A9-5501-47C1-A89A-A340965A2BE2}" type="slidenum">
               <a:rPr lang="en-US" smtClean="0"/>
               <a:pPr/>
-              <a:t>10</a:t>
+              <a:t>13</a:t>
             </a:fld>
             <a:endParaRPr lang="en-US" dirty="0"/>
           </a:p>
@@ -16272,7 +17105,7 @@
 </p:sld>
 </file>
 
-<file path=ppt/slides/slide11.xml><?xml version="1.0" encoding="utf-8"?>
+<file path=ppt/slides/slide14.xml><?xml version="1.0" encoding="utf-8"?>
 <p:sld xmlns:a="http://schemas.openxmlformats.org/drawingml/2006/main" xmlns:r="http://schemas.openxmlformats.org/officeDocument/2006/relationships" xmlns:p="http://schemas.openxmlformats.org/presentationml/2006/main">
   <p:cSld>
     <p:spTree>
@@ -16462,7 +17295,7 @@
             <a:fld id="{7E7AB22C-8B7E-9B4A-8C65-396C3C874D86}" type="datetime1">
               <a:rPr lang="en-US" smtClean="0"/>
               <a:pPr/>
-              <a:t>05-Jul-23</a:t>
+              <a:t>11-Jul-23</a:t>
             </a:fld>
             <a:endParaRPr lang="en-US" dirty="0"/>
           </a:p>
@@ -16729,7 +17562,7 @@
             <a:fld id="{294A09A9-5501-47C1-A89A-A340965A2BE2}" type="slidenum">
               <a:rPr lang="en-US" smtClean="0"/>
               <a:pPr/>
-              <a:t>11</a:t>
+              <a:t>14</a:t>
             </a:fld>
             <a:endParaRPr lang="en-US" dirty="0"/>
           </a:p>
@@ -17836,7 +18669,7 @@
 </p:sld>
 </file>
 
-<file path=ppt/slides/slide12.xml><?xml version="1.0" encoding="utf-8"?>
+<file path=ppt/slides/slide15.xml><?xml version="1.0" encoding="utf-8"?>
 <p:sld xmlns:a="http://schemas.openxmlformats.org/drawingml/2006/main" xmlns:r="http://schemas.openxmlformats.org/officeDocument/2006/relationships" xmlns:p="http://schemas.openxmlformats.org/presentationml/2006/main">
   <p:cSld>
     <p:spTree>
@@ -18026,7 +18859,7 @@
             <a:fld id="{7E7AB22C-8B7E-9B4A-8C65-396C3C874D86}" type="datetime1">
               <a:rPr lang="en-US" smtClean="0"/>
               <a:pPr/>
-              <a:t>05-Jul-23</a:t>
+              <a:t>11-Jul-23</a:t>
             </a:fld>
             <a:endParaRPr lang="en-US" dirty="0"/>
           </a:p>
@@ -18293,7 +19126,7 @@
             <a:fld id="{294A09A9-5501-47C1-A89A-A340965A2BE2}" type="slidenum">
               <a:rPr lang="en-US" smtClean="0"/>
               <a:pPr/>
-              <a:t>12</a:t>
+              <a:t>15</a:t>
             </a:fld>
             <a:endParaRPr lang="en-US" dirty="0"/>
           </a:p>
@@ -19334,7 +20167,27 @@
                 <a:latin typeface="Tenorite (Body)"/>
                 <a:cs typeface="Arial" panose="020B0604020202020204" pitchFamily="34" charset="0"/>
               </a:rPr>
-              <a:t> per I </a:t>
+              <a:t> per </a:t>
+            </a:r>
+            <a:r>
+              <a:rPr lang="en-US" sz="2200" dirty="0" err="1">
+                <a:solidFill>
+                  <a:srgbClr val="141414"/>
+                </a:solidFill>
+                <a:latin typeface="Tenorite (Body)"/>
+                <a:cs typeface="Arial" panose="020B0604020202020204" pitchFamily="34" charset="0"/>
+              </a:rPr>
+              <a:t>i</a:t>
+            </a:r>
+            <a:r>
+              <a:rPr lang="en-US" sz="2200" dirty="0">
+                <a:solidFill>
+                  <a:srgbClr val="141414"/>
+                </a:solidFill>
+                <a:latin typeface="Tenorite (Body)"/>
+                <a:cs typeface="Arial" panose="020B0604020202020204" pitchFamily="34" charset="0"/>
+              </a:rPr>
+              <a:t> </a:t>
             </a:r>
             <a:r>
               <a:rPr lang="en-US" sz="2200" dirty="0" err="1">
@@ -19419,7 +20272,7 @@
 </p:sld>
 </file>
 
-<file path=ppt/slides/slide13.xml><?xml version="1.0" encoding="utf-8"?>
+<file path=ppt/slides/slide16.xml><?xml version="1.0" encoding="utf-8"?>
 <p:sld xmlns:a="http://schemas.openxmlformats.org/drawingml/2006/main" xmlns:r="http://schemas.openxmlformats.org/officeDocument/2006/relationships" xmlns:p="http://schemas.openxmlformats.org/presentationml/2006/main">
   <p:cSld>
     <p:spTree>
@@ -19658,7 +20511,7 @@
             <a:fld id="{294A09A9-5501-47C1-A89A-A340965A2BE2}" type="slidenum">
               <a:rPr lang="en-US" smtClean="0"/>
               <a:pPr/>
-              <a:t>13</a:t>
+              <a:t>16</a:t>
             </a:fld>
             <a:endParaRPr lang="en-US" dirty="0"/>
           </a:p>
@@ -19677,7 +20530,140 @@
 </p:sld>
 </file>
 
-<file path=ppt/slides/slide14.xml><?xml version="1.0" encoding="utf-8"?>
+<file path=ppt/slides/slide17.xml><?xml version="1.0" encoding="utf-8"?>
+<p:sld xmlns:a="http://schemas.openxmlformats.org/drawingml/2006/main" xmlns:r="http://schemas.openxmlformats.org/officeDocument/2006/relationships" xmlns:p="http://schemas.openxmlformats.org/presentationml/2006/main">
+  <p:cSld>
+    <p:spTree>
+      <p:nvGrpSpPr>
+        <p:cNvPr id="1" name=""/>
+        <p:cNvGrpSpPr/>
+        <p:nvPr/>
+      </p:nvGrpSpPr>
+      <p:grpSpPr>
+        <a:xfrm>
+          <a:off x="0" y="0"/>
+          <a:ext cx="0" cy="0"/>
+          <a:chOff x="0" y="0"/>
+          <a:chExt cx="0" cy="0"/>
+        </a:xfrm>
+      </p:grpSpPr>
+      <p:sp>
+        <p:nvSpPr>
+          <p:cNvPr id="21506" name="Title 1">
+            <a:extLst>
+              <a:ext uri="{FF2B5EF4-FFF2-40B4-BE49-F238E27FC236}">
+                <a16:creationId xmlns:a16="http://schemas.microsoft.com/office/drawing/2014/main" id="{3CC3F597-36B4-280D-B451-3CC3CC21EF9D}"/>
+              </a:ext>
+            </a:extLst>
+          </p:cNvPr>
+          <p:cNvSpPr>
+            <a:spLocks noGrp="1" noChangeArrowheads="1"/>
+          </p:cNvSpPr>
+          <p:nvPr>
+            <p:ph type="ctrTitle"/>
+          </p:nvPr>
+        </p:nvSpPr>
+        <p:spPr>
+          <a:xfrm>
+            <a:off x="1158875" y="2235200"/>
+            <a:ext cx="6245225" cy="2387600"/>
+          </a:xfrm>
+        </p:spPr>
+        <p:txBody>
+          <a:bodyPr anchor="ctr"/>
+          <a:lstStyle/>
+          <a:p>
+            <a:r>
+              <a:rPr lang="en-US" altLang="en-US" dirty="0" err="1"/>
+              <a:t>Strumento</a:t>
+            </a:r>
+            <a:r>
+              <a:rPr lang="en-US" altLang="en-US" dirty="0"/>
+              <a:t> </a:t>
+            </a:r>
+            <a:r>
+              <a:rPr lang="en-US" altLang="en-US" dirty="0" err="1"/>
+              <a:t>Risolutore</a:t>
+            </a:r>
+            <a:endParaRPr lang="en-US" altLang="en-US" dirty="0"/>
+          </a:p>
+        </p:txBody>
+      </p:sp>
+      <p:sp>
+        <p:nvSpPr>
+          <p:cNvPr id="3" name="Title 1">
+            <a:extLst>
+              <a:ext uri="{FF2B5EF4-FFF2-40B4-BE49-F238E27FC236}">
+                <a16:creationId xmlns:a16="http://schemas.microsoft.com/office/drawing/2014/main" id="{F8854F0D-A554-2382-F5CC-7A3E5F6E5F52}"/>
+              </a:ext>
+            </a:extLst>
+          </p:cNvPr>
+          <p:cNvSpPr txBox="1">
+            <a:spLocks/>
+          </p:cNvSpPr>
+          <p:nvPr/>
+        </p:nvSpPr>
+        <p:spPr>
+          <a:xfrm>
+            <a:off x="10874375" y="0"/>
+            <a:ext cx="1317625" cy="1260475"/>
+          </a:xfrm>
+          <a:prstGeom prst="rect">
+            <a:avLst/>
+          </a:prstGeom>
+        </p:spPr>
+        <p:txBody>
+          <a:bodyPr anchor="ctr">
+            <a:normAutofit fontScale="92500" lnSpcReduction="20000"/>
+          </a:bodyPr>
+          <a:lstStyle>
+            <a:lvl1pPr algn="ctr" defTabSz="914400" rtl="0" eaLnBrk="1" latinLnBrk="0" hangingPunct="1">
+              <a:lnSpc>
+                <a:spcPct val="100000"/>
+              </a:lnSpc>
+              <a:spcBef>
+                <a:spcPct val="0"/>
+              </a:spcBef>
+              <a:buNone/>
+              <a:defRPr sz="4600" kern="1200">
+                <a:solidFill>
+                  <a:schemeClr val="bg1"/>
+                </a:solidFill>
+                <a:latin typeface="+mj-lt"/>
+                <a:ea typeface="+mj-ea"/>
+                <a:cs typeface="+mj-cs"/>
+              </a:defRPr>
+            </a:lvl1pPr>
+          </a:lstStyle>
+          <a:p>
+            <a:pPr fontAlgn="auto">
+              <a:spcAft>
+                <a:spcPts val="0"/>
+              </a:spcAft>
+              <a:defRPr/>
+            </a:pPr>
+            <a:r>
+              <a:rPr lang="en-US" sz="9600" b="1" dirty="0"/>
+              <a:t>6</a:t>
+            </a:r>
+            <a:endParaRPr lang="en-US" sz="5400" b="1" dirty="0"/>
+          </a:p>
+        </p:txBody>
+      </p:sp>
+    </p:spTree>
+    <p:extLst>
+      <p:ext uri="{BB962C8B-B14F-4D97-AF65-F5344CB8AC3E}">
+        <p14:creationId xmlns:p14="http://schemas.microsoft.com/office/powerpoint/2010/main" val="3410813551"/>
+      </p:ext>
+    </p:extLst>
+  </p:cSld>
+  <p:clrMapOvr>
+    <a:masterClrMapping/>
+  </p:clrMapOvr>
+</p:sld>
+</file>
+
+<file path=ppt/slides/slide18.xml><?xml version="1.0" encoding="utf-8"?>
 <p:sld xmlns:a="http://schemas.openxmlformats.org/drawingml/2006/main" xmlns:r="http://schemas.openxmlformats.org/officeDocument/2006/relationships" xmlns:p="http://schemas.openxmlformats.org/presentationml/2006/main">
   <p:cSld>
     <p:spTree>
@@ -19867,7 +20853,7 @@
             <a:fld id="{7E7AB22C-8B7E-9B4A-8C65-396C3C874D86}" type="datetime1">
               <a:rPr lang="en-US" smtClean="0"/>
               <a:pPr/>
-              <a:t>05-Jul-23</a:t>
+              <a:t>11-Jul-23</a:t>
             </a:fld>
             <a:endParaRPr lang="en-US" dirty="0"/>
           </a:p>
@@ -20134,7 +21120,7 @@
             <a:fld id="{294A09A9-5501-47C1-A89A-A340965A2BE2}" type="slidenum">
               <a:rPr lang="en-US" smtClean="0"/>
               <a:pPr/>
-              <a:t>14</a:t>
+              <a:t>18</a:t>
             </a:fld>
             <a:endParaRPr lang="en-US" dirty="0"/>
           </a:p>
@@ -20679,7 +21665,7 @@
 </p:sld>
 </file>
 
-<file path=ppt/slides/slide15.xml><?xml version="1.0" encoding="utf-8"?>
+<file path=ppt/slides/slide19.xml><?xml version="1.0" encoding="utf-8"?>
 <p:sld xmlns:a="http://schemas.openxmlformats.org/drawingml/2006/main" xmlns:r="http://schemas.openxmlformats.org/officeDocument/2006/relationships" xmlns:p="http://schemas.openxmlformats.org/presentationml/2006/main">
   <p:cSld>
     <p:spTree>
@@ -20869,7 +21855,7 @@
             <a:fld id="{7E7AB22C-8B7E-9B4A-8C65-396C3C874D86}" type="datetime1">
               <a:rPr lang="en-US" smtClean="0"/>
               <a:pPr/>
-              <a:t>05-Jul-23</a:t>
+              <a:t>11-Jul-23</a:t>
             </a:fld>
             <a:endParaRPr lang="en-US" dirty="0"/>
           </a:p>
@@ -21136,7 +22122,7 @@
             <a:fld id="{294A09A9-5501-47C1-A89A-A340965A2BE2}" type="slidenum">
               <a:rPr lang="en-US" smtClean="0"/>
               <a:pPr/>
-              <a:t>15</a:t>
+              <a:t>19</a:t>
             </a:fld>
             <a:endParaRPr lang="en-US" dirty="0"/>
           </a:p>
@@ -21547,7 +22533,1008 @@
 </p:sld>
 </file>
 
-<file path=ppt/slides/slide16.xml><?xml version="1.0" encoding="utf-8"?>
+<file path=ppt/slides/slide2.xml><?xml version="1.0" encoding="utf-8"?>
+<p:sld xmlns:a="http://schemas.openxmlformats.org/drawingml/2006/main" xmlns:r="http://schemas.openxmlformats.org/officeDocument/2006/relationships" xmlns:p="http://schemas.openxmlformats.org/presentationml/2006/main">
+  <p:cSld>
+    <p:spTree>
+      <p:nvGrpSpPr>
+        <p:cNvPr id="1" name=""/>
+        <p:cNvGrpSpPr/>
+        <p:nvPr/>
+      </p:nvGrpSpPr>
+      <p:grpSpPr>
+        <a:xfrm>
+          <a:off x="0" y="0"/>
+          <a:ext cx="0" cy="0"/>
+          <a:chOff x="0" y="0"/>
+          <a:chExt cx="0" cy="0"/>
+        </a:xfrm>
+      </p:grpSpPr>
+      <p:sp>
+        <p:nvSpPr>
+          <p:cNvPr id="201730" name="Title 1">
+            <a:extLst>
+              <a:ext uri="{FF2B5EF4-FFF2-40B4-BE49-F238E27FC236}">
+                <a16:creationId xmlns:a16="http://schemas.microsoft.com/office/drawing/2014/main" id="{6D9D6659-EDEB-9E87-391E-05C12E08D474}"/>
+              </a:ext>
+            </a:extLst>
+          </p:cNvPr>
+          <p:cNvSpPr>
+            <a:spLocks noGrp="1" noChangeArrowheads="1"/>
+          </p:cNvSpPr>
+          <p:nvPr>
+            <p:ph type="title"/>
+          </p:nvPr>
+        </p:nvSpPr>
+        <p:spPr>
+          <a:xfrm>
+            <a:off x="309563" y="-365125"/>
+            <a:ext cx="10182225" cy="1325563"/>
+          </a:xfrm>
+        </p:spPr>
+        <p:txBody>
+          <a:bodyPr/>
+          <a:lstStyle/>
+          <a:p>
+            <a:r>
+              <a:rPr lang="en-US" altLang="en-US"/>
+              <a:t>Analisi di Simulazione</a:t>
+            </a:r>
+          </a:p>
+        </p:txBody>
+      </p:sp>
+      <p:sp>
+        <p:nvSpPr>
+          <p:cNvPr id="201731" name="Date Placeholder 2">
+            <a:extLst>
+              <a:ext uri="{FF2B5EF4-FFF2-40B4-BE49-F238E27FC236}">
+                <a16:creationId xmlns:a16="http://schemas.microsoft.com/office/drawing/2014/main" id="{74225ABD-D75E-8D04-F74E-B83B4B6A02C2}"/>
+              </a:ext>
+            </a:extLst>
+          </p:cNvPr>
+          <p:cNvSpPr>
+            <a:spLocks noGrp="1" noChangeArrowheads="1"/>
+          </p:cNvSpPr>
+          <p:nvPr>
+            <p:ph type="dt" sz="quarter" idx="10"/>
+          </p:nvPr>
+        </p:nvSpPr>
+        <p:spPr bwMode="auto">
+          <a:xfrm>
+            <a:off x="177800" y="6356350"/>
+            <a:ext cx="1701800" cy="365125"/>
+          </a:xfrm>
+          <a:noFill/>
+          <a:extLst>
+            <a:ext uri="{909E8E84-426E-40DD-AFC4-6F175D3DCCD1}">
+              <a14:hiddenFill xmlns:a14="http://schemas.microsoft.com/office/drawing/2010/main">
+                <a:solidFill>
+                  <a:srgbClr val="FFFFFF"/>
+                </a:solidFill>
+              </a14:hiddenFill>
+            </a:ext>
+            <a:ext uri="{91240B29-F687-4F45-9708-019B960494DF}">
+              <a14:hiddenLine xmlns:a14="http://schemas.microsoft.com/office/drawing/2010/main" w="9525">
+                <a:solidFill>
+                  <a:srgbClr val="000000"/>
+                </a:solidFill>
+                <a:miter lim="800000"/>
+                <a:headEnd/>
+                <a:tailEnd/>
+              </a14:hiddenLine>
+            </a:ext>
+          </a:extLst>
+        </p:spPr>
+        <p:txBody>
+          <a:bodyPr wrap="square" numCol="1" anchorCtr="0" compatLnSpc="1">
+            <a:prstTxWarp prst="textNoShape">
+              <a:avLst/>
+            </a:prstTxWarp>
+          </a:bodyPr>
+          <a:lstStyle>
+            <a:lvl1pPr>
+              <a:defRPr>
+                <a:solidFill>
+                  <a:schemeClr val="tx1"/>
+                </a:solidFill>
+                <a:latin typeface="Tenorite" panose="00000500000000000000" pitchFamily="2" charset="0"/>
+              </a:defRPr>
+            </a:lvl1pPr>
+            <a:lvl2pPr marL="742950" indent="-285750">
+              <a:defRPr>
+                <a:solidFill>
+                  <a:schemeClr val="tx1"/>
+                </a:solidFill>
+                <a:latin typeface="Tenorite" panose="00000500000000000000" pitchFamily="2" charset="0"/>
+              </a:defRPr>
+            </a:lvl2pPr>
+            <a:lvl3pPr marL="1143000" indent="-228600">
+              <a:defRPr>
+                <a:solidFill>
+                  <a:schemeClr val="tx1"/>
+                </a:solidFill>
+                <a:latin typeface="Tenorite" panose="00000500000000000000" pitchFamily="2" charset="0"/>
+              </a:defRPr>
+            </a:lvl3pPr>
+            <a:lvl4pPr marL="1600200" indent="-228600">
+              <a:defRPr>
+                <a:solidFill>
+                  <a:schemeClr val="tx1"/>
+                </a:solidFill>
+                <a:latin typeface="Tenorite" panose="00000500000000000000" pitchFamily="2" charset="0"/>
+              </a:defRPr>
+            </a:lvl4pPr>
+            <a:lvl5pPr marL="2057400" indent="-228600">
+              <a:defRPr>
+                <a:solidFill>
+                  <a:schemeClr val="tx1"/>
+                </a:solidFill>
+                <a:latin typeface="Tenorite" panose="00000500000000000000" pitchFamily="2" charset="0"/>
+              </a:defRPr>
+            </a:lvl5pPr>
+            <a:lvl6pPr marL="2514600" indent="-228600" fontAlgn="base">
+              <a:spcBef>
+                <a:spcPct val="0"/>
+              </a:spcBef>
+              <a:spcAft>
+                <a:spcPct val="0"/>
+              </a:spcAft>
+              <a:defRPr>
+                <a:solidFill>
+                  <a:schemeClr val="tx1"/>
+                </a:solidFill>
+                <a:latin typeface="Tenorite" panose="00000500000000000000" pitchFamily="2" charset="0"/>
+              </a:defRPr>
+            </a:lvl6pPr>
+            <a:lvl7pPr marL="2971800" indent="-228600" fontAlgn="base">
+              <a:spcBef>
+                <a:spcPct val="0"/>
+              </a:spcBef>
+              <a:spcAft>
+                <a:spcPct val="0"/>
+              </a:spcAft>
+              <a:defRPr>
+                <a:solidFill>
+                  <a:schemeClr val="tx1"/>
+                </a:solidFill>
+                <a:latin typeface="Tenorite" panose="00000500000000000000" pitchFamily="2" charset="0"/>
+              </a:defRPr>
+            </a:lvl7pPr>
+            <a:lvl8pPr marL="3429000" indent="-228600" fontAlgn="base">
+              <a:spcBef>
+                <a:spcPct val="0"/>
+              </a:spcBef>
+              <a:spcAft>
+                <a:spcPct val="0"/>
+              </a:spcAft>
+              <a:defRPr>
+                <a:solidFill>
+                  <a:schemeClr val="tx1"/>
+                </a:solidFill>
+                <a:latin typeface="Tenorite" panose="00000500000000000000" pitchFamily="2" charset="0"/>
+              </a:defRPr>
+            </a:lvl8pPr>
+            <a:lvl9pPr marL="3886200" indent="-228600" fontAlgn="base">
+              <a:spcBef>
+                <a:spcPct val="0"/>
+              </a:spcBef>
+              <a:spcAft>
+                <a:spcPct val="0"/>
+              </a:spcAft>
+              <a:defRPr>
+                <a:solidFill>
+                  <a:schemeClr val="tx1"/>
+                </a:solidFill>
+                <a:latin typeface="Tenorite" panose="00000500000000000000" pitchFamily="2" charset="0"/>
+              </a:defRPr>
+            </a:lvl9pPr>
+          </a:lstStyle>
+          <a:p>
+            <a:pPr fontAlgn="base">
+              <a:spcBef>
+                <a:spcPct val="0"/>
+              </a:spcBef>
+              <a:spcAft>
+                <a:spcPct val="0"/>
+              </a:spcAft>
+            </a:pPr>
+            <a:r>
+              <a:rPr lang="en-US" altLang="en-US">
+                <a:solidFill>
+                  <a:schemeClr val="accent2"/>
+                </a:solidFill>
+              </a:rPr>
+              <a:t>GIUGNO-LUGLIO 2023</a:t>
+            </a:r>
+          </a:p>
+        </p:txBody>
+      </p:sp>
+      <p:sp>
+        <p:nvSpPr>
+          <p:cNvPr id="5" name="Footer Placeholder 4">
+            <a:extLst>
+              <a:ext uri="{FF2B5EF4-FFF2-40B4-BE49-F238E27FC236}">
+                <a16:creationId xmlns:a16="http://schemas.microsoft.com/office/drawing/2014/main" id="{D01ACDCF-B464-B3B8-EFE7-604222E30B2D}"/>
+              </a:ext>
+            </a:extLst>
+          </p:cNvPr>
+          <p:cNvSpPr>
+            <a:spLocks noGrp="1"/>
+          </p:cNvSpPr>
+          <p:nvPr>
+            <p:ph type="ftr" sz="quarter" idx="11"/>
+          </p:nvPr>
+        </p:nvSpPr>
+        <p:spPr/>
+        <p:txBody>
+          <a:bodyPr/>
+          <a:lstStyle/>
+          <a:p>
+            <a:pPr>
+              <a:defRPr/>
+            </a:pPr>
+            <a:r>
+              <a:rPr lang="en-US"/>
+              <a:t>MICROSOFT EXCEL – BASE e AVANZATO</a:t>
+            </a:r>
+          </a:p>
+        </p:txBody>
+      </p:sp>
+      <p:sp>
+        <p:nvSpPr>
+          <p:cNvPr id="7" name="Slide Number Placeholder 6">
+            <a:extLst>
+              <a:ext uri="{FF2B5EF4-FFF2-40B4-BE49-F238E27FC236}">
+                <a16:creationId xmlns:a16="http://schemas.microsoft.com/office/drawing/2014/main" id="{E6958D49-924C-5445-4614-520627A04A8F}"/>
+              </a:ext>
+            </a:extLst>
+          </p:cNvPr>
+          <p:cNvSpPr>
+            <a:spLocks noGrp="1"/>
+          </p:cNvSpPr>
+          <p:nvPr>
+            <p:ph type="sldNum" sz="quarter" idx="12"/>
+          </p:nvPr>
+        </p:nvSpPr>
+        <p:spPr/>
+        <p:txBody>
+          <a:bodyPr/>
+          <a:lstStyle/>
+          <a:p>
+            <a:pPr>
+              <a:defRPr/>
+            </a:pPr>
+            <a:fld id="{5EDB7381-304A-4401-883C-2858F901FAD7}" type="slidenum">
+              <a:rPr lang="en-US"/>
+              <a:pPr>
+                <a:defRPr/>
+              </a:pPr>
+              <a:t>2</a:t>
+            </a:fld>
+            <a:endParaRPr lang="en-US" dirty="0"/>
+          </a:p>
+        </p:txBody>
+      </p:sp>
+      <p:sp>
+        <p:nvSpPr>
+          <p:cNvPr id="6" name="TextBox 5">
+            <a:extLst>
+              <a:ext uri="{FF2B5EF4-FFF2-40B4-BE49-F238E27FC236}">
+                <a16:creationId xmlns:a16="http://schemas.microsoft.com/office/drawing/2014/main" id="{18822613-2918-3891-7B5B-4E6F268F7575}"/>
+              </a:ext>
+            </a:extLst>
+          </p:cNvPr>
+          <p:cNvSpPr txBox="1"/>
+          <p:nvPr/>
+        </p:nvSpPr>
+        <p:spPr>
+          <a:xfrm>
+            <a:off x="381000" y="1033463"/>
+            <a:ext cx="10947400" cy="3476625"/>
+          </a:xfrm>
+          <a:prstGeom prst="rect">
+            <a:avLst/>
+          </a:prstGeom>
+          <a:noFill/>
+        </p:spPr>
+        <p:txBody>
+          <a:bodyPr>
+            <a:spAutoFit/>
+          </a:bodyPr>
+          <a:lstStyle/>
+          <a:p>
+            <a:pPr marL="457200" indent="-457200" eaLnBrk="1" fontAlgn="auto" hangingPunct="1">
+              <a:spcBef>
+                <a:spcPts val="0"/>
+              </a:spcBef>
+              <a:spcAft>
+                <a:spcPts val="0"/>
+              </a:spcAft>
+              <a:buFontTx/>
+              <a:buAutoNum type="arabicParenR"/>
+              <a:defRPr/>
+            </a:pPr>
+            <a:r>
+              <a:rPr lang="en-US" sz="2200" b="1" dirty="0" err="1">
+                <a:solidFill>
+                  <a:srgbClr val="141414"/>
+                </a:solidFill>
+                <a:latin typeface="Tenorite (Body)"/>
+                <a:cs typeface="Arial" panose="020B0604020202020204" pitchFamily="34" charset="0"/>
+              </a:rPr>
+              <a:t>Gestione</a:t>
+            </a:r>
+            <a:r>
+              <a:rPr lang="en-US" sz="2200" b="1" dirty="0">
+                <a:solidFill>
+                  <a:srgbClr val="141414"/>
+                </a:solidFill>
+                <a:latin typeface="Tenorite (Body)"/>
+                <a:cs typeface="Arial" panose="020B0604020202020204" pitchFamily="34" charset="0"/>
+              </a:rPr>
+              <a:t> </a:t>
+            </a:r>
+            <a:r>
+              <a:rPr lang="en-US" sz="2200" b="1" dirty="0" err="1">
+                <a:solidFill>
+                  <a:srgbClr val="141414"/>
+                </a:solidFill>
+                <a:latin typeface="Tenorite (Body)"/>
+                <a:cs typeface="Arial" panose="020B0604020202020204" pitchFamily="34" charset="0"/>
+              </a:rPr>
+              <a:t>Scenari</a:t>
+            </a:r>
+            <a:endParaRPr lang="en-US" sz="2200" b="1" dirty="0">
+              <a:solidFill>
+                <a:srgbClr val="141414"/>
+              </a:solidFill>
+              <a:latin typeface="Tenorite (Body)"/>
+              <a:cs typeface="Arial" panose="020B0604020202020204" pitchFamily="34" charset="0"/>
+            </a:endParaRPr>
+          </a:p>
+          <a:p>
+            <a:pPr marL="457200" indent="-457200" eaLnBrk="1" fontAlgn="auto" hangingPunct="1">
+              <a:spcBef>
+                <a:spcPts val="0"/>
+              </a:spcBef>
+              <a:spcAft>
+                <a:spcPts val="0"/>
+              </a:spcAft>
+              <a:buFontTx/>
+              <a:buAutoNum type="arabicParenR"/>
+              <a:defRPr/>
+            </a:pPr>
+            <a:r>
+              <a:rPr lang="en-US" sz="2200" b="1" dirty="0" err="1">
+                <a:solidFill>
+                  <a:srgbClr val="141414"/>
+                </a:solidFill>
+                <a:latin typeface="Tenorite (Body)"/>
+                <a:cs typeface="Arial" panose="020B0604020202020204" pitchFamily="34" charset="0"/>
+              </a:rPr>
+              <a:t>Ricerca</a:t>
+            </a:r>
+            <a:r>
+              <a:rPr lang="en-US" sz="2200" b="1" dirty="0">
+                <a:solidFill>
+                  <a:srgbClr val="141414"/>
+                </a:solidFill>
+                <a:latin typeface="Tenorite (Body)"/>
+                <a:cs typeface="Arial" panose="020B0604020202020204" pitchFamily="34" charset="0"/>
+              </a:rPr>
+              <a:t> </a:t>
+            </a:r>
+            <a:r>
+              <a:rPr lang="en-US" sz="2200" b="1" dirty="0" err="1">
+                <a:solidFill>
+                  <a:srgbClr val="141414"/>
+                </a:solidFill>
+                <a:latin typeface="Tenorite (Body)"/>
+                <a:cs typeface="Arial" panose="020B0604020202020204" pitchFamily="34" charset="0"/>
+              </a:rPr>
+              <a:t>Obiettivo</a:t>
+            </a:r>
+            <a:endParaRPr lang="en-US" sz="2200" b="1" dirty="0">
+              <a:solidFill>
+                <a:srgbClr val="141414"/>
+              </a:solidFill>
+              <a:latin typeface="Tenorite (Body)"/>
+              <a:cs typeface="Arial" panose="020B0604020202020204" pitchFamily="34" charset="0"/>
+            </a:endParaRPr>
+          </a:p>
+          <a:p>
+            <a:pPr marL="457200" indent="-457200" eaLnBrk="1" fontAlgn="auto" hangingPunct="1">
+              <a:spcBef>
+                <a:spcPts val="0"/>
+              </a:spcBef>
+              <a:spcAft>
+                <a:spcPts val="0"/>
+              </a:spcAft>
+              <a:buFontTx/>
+              <a:buAutoNum type="arabicParenR"/>
+              <a:defRPr/>
+            </a:pPr>
+            <a:r>
+              <a:rPr lang="en-US" sz="2200" b="1" dirty="0" err="1">
+                <a:solidFill>
+                  <a:srgbClr val="141414"/>
+                </a:solidFill>
+                <a:latin typeface="Tenorite (Body)"/>
+                <a:cs typeface="Arial" panose="020B0604020202020204" pitchFamily="34" charset="0"/>
+              </a:rPr>
+              <a:t>Tabella</a:t>
+            </a:r>
+            <a:r>
+              <a:rPr lang="en-US" sz="2200" b="1" dirty="0">
+                <a:solidFill>
+                  <a:srgbClr val="141414"/>
+                </a:solidFill>
+                <a:latin typeface="Tenorite (Body)"/>
+                <a:cs typeface="Arial" panose="020B0604020202020204" pitchFamily="34" charset="0"/>
+              </a:rPr>
+              <a:t> </a:t>
+            </a:r>
+            <a:r>
+              <a:rPr lang="en-US" sz="2200" b="1" dirty="0" err="1">
+                <a:solidFill>
+                  <a:srgbClr val="141414"/>
+                </a:solidFill>
+                <a:latin typeface="Tenorite (Body)"/>
+                <a:cs typeface="Arial" panose="020B0604020202020204" pitchFamily="34" charset="0"/>
+              </a:rPr>
+              <a:t>Dati</a:t>
+            </a:r>
+            <a:endParaRPr lang="en-US" sz="2200" b="1" dirty="0">
+              <a:solidFill>
+                <a:srgbClr val="141414"/>
+              </a:solidFill>
+              <a:latin typeface="Tenorite (Body)"/>
+              <a:cs typeface="Arial" panose="020B0604020202020204" pitchFamily="34" charset="0"/>
+            </a:endParaRPr>
+          </a:p>
+          <a:p>
+            <a:pPr marL="457200" indent="-457200" eaLnBrk="1" fontAlgn="auto" hangingPunct="1">
+              <a:spcBef>
+                <a:spcPts val="0"/>
+              </a:spcBef>
+              <a:spcAft>
+                <a:spcPts val="0"/>
+              </a:spcAft>
+              <a:buFontTx/>
+              <a:buAutoNum type="arabicParenR"/>
+              <a:defRPr/>
+            </a:pPr>
+            <a:endParaRPr lang="en-US" sz="2200" dirty="0">
+              <a:solidFill>
+                <a:srgbClr val="141414"/>
+              </a:solidFill>
+              <a:latin typeface="Tenorite (Body)"/>
+              <a:cs typeface="Arial" panose="020B0604020202020204" pitchFamily="34" charset="0"/>
+            </a:endParaRPr>
+          </a:p>
+          <a:p>
+            <a:pPr eaLnBrk="1" fontAlgn="auto" hangingPunct="1">
+              <a:spcBef>
+                <a:spcPts val="0"/>
+              </a:spcBef>
+              <a:spcAft>
+                <a:spcPts val="0"/>
+              </a:spcAft>
+              <a:defRPr/>
+            </a:pPr>
+            <a:r>
+              <a:rPr lang="en-US" sz="2200" b="1" dirty="0" err="1">
+                <a:solidFill>
+                  <a:srgbClr val="141414"/>
+                </a:solidFill>
+                <a:latin typeface="Tenorite (Body)"/>
+                <a:cs typeface="Arial" panose="020B0604020202020204" pitchFamily="34" charset="0"/>
+              </a:rPr>
+              <a:t>Gestione</a:t>
+            </a:r>
+            <a:r>
+              <a:rPr lang="en-US" sz="2200" b="1" dirty="0">
+                <a:solidFill>
+                  <a:srgbClr val="141414"/>
+                </a:solidFill>
+                <a:latin typeface="Tenorite (Body)"/>
+                <a:cs typeface="Arial" panose="020B0604020202020204" pitchFamily="34" charset="0"/>
+              </a:rPr>
+              <a:t> </a:t>
+            </a:r>
+            <a:r>
+              <a:rPr lang="en-US" sz="2200" b="1" dirty="0" err="1">
+                <a:solidFill>
+                  <a:srgbClr val="141414"/>
+                </a:solidFill>
+                <a:latin typeface="Tenorite (Body)"/>
+                <a:cs typeface="Arial" panose="020B0604020202020204" pitchFamily="34" charset="0"/>
+              </a:rPr>
+              <a:t>Scenari</a:t>
+            </a:r>
+            <a:r>
+              <a:rPr lang="en-US" sz="2200" b="1" dirty="0">
+                <a:solidFill>
+                  <a:srgbClr val="141414"/>
+                </a:solidFill>
+                <a:latin typeface="Tenorite (Body)"/>
+                <a:cs typeface="Arial" panose="020B0604020202020204" pitchFamily="34" charset="0"/>
+              </a:rPr>
+              <a:t> </a:t>
+            </a:r>
+            <a:r>
+              <a:rPr lang="en-US" sz="2200" dirty="0">
+                <a:solidFill>
+                  <a:srgbClr val="141414"/>
+                </a:solidFill>
+                <a:latin typeface="Tenorite (Body)"/>
+                <a:cs typeface="Arial" panose="020B0604020202020204" pitchFamily="34" charset="0"/>
+              </a:rPr>
+              <a:t>e </a:t>
+            </a:r>
+            <a:r>
+              <a:rPr lang="en-US" sz="2200" b="1" dirty="0" err="1">
+                <a:solidFill>
+                  <a:srgbClr val="141414"/>
+                </a:solidFill>
+                <a:latin typeface="Tenorite (Body)"/>
+                <a:cs typeface="Arial" panose="020B0604020202020204" pitchFamily="34" charset="0"/>
+              </a:rPr>
+              <a:t>Tabella</a:t>
+            </a:r>
+            <a:r>
+              <a:rPr lang="en-US" sz="2200" b="1" dirty="0">
+                <a:solidFill>
+                  <a:srgbClr val="141414"/>
+                </a:solidFill>
+                <a:latin typeface="Tenorite (Body)"/>
+                <a:cs typeface="Arial" panose="020B0604020202020204" pitchFamily="34" charset="0"/>
+              </a:rPr>
+              <a:t> </a:t>
+            </a:r>
+            <a:r>
+              <a:rPr lang="en-US" sz="2200" b="1" dirty="0" err="1">
+                <a:solidFill>
+                  <a:srgbClr val="141414"/>
+                </a:solidFill>
+                <a:latin typeface="Tenorite (Body)"/>
+                <a:cs typeface="Arial" panose="020B0604020202020204" pitchFamily="34" charset="0"/>
+              </a:rPr>
+              <a:t>Dati</a:t>
+            </a:r>
+            <a:r>
+              <a:rPr lang="en-US" sz="2200" b="1" dirty="0">
+                <a:solidFill>
+                  <a:srgbClr val="141414"/>
+                </a:solidFill>
+                <a:latin typeface="Tenorite (Body)"/>
+                <a:cs typeface="Arial" panose="020B0604020202020204" pitchFamily="34" charset="0"/>
+              </a:rPr>
+              <a:t> </a:t>
+            </a:r>
+            <a:r>
+              <a:rPr lang="en-US" sz="2200" dirty="0" err="1">
+                <a:solidFill>
+                  <a:srgbClr val="141414"/>
+                </a:solidFill>
+                <a:latin typeface="Tenorite (Body)"/>
+                <a:cs typeface="Arial" panose="020B0604020202020204" pitchFamily="34" charset="0"/>
+              </a:rPr>
+              <a:t>accettano</a:t>
+            </a:r>
+            <a:r>
+              <a:rPr lang="en-US" sz="2200" dirty="0">
+                <a:solidFill>
+                  <a:srgbClr val="141414"/>
+                </a:solidFill>
+                <a:latin typeface="Tenorite (Body)"/>
+                <a:cs typeface="Arial" panose="020B0604020202020204" pitchFamily="34" charset="0"/>
+              </a:rPr>
+              <a:t> </a:t>
+            </a:r>
+            <a:r>
+              <a:rPr lang="en-US" sz="2200" dirty="0" err="1">
+                <a:solidFill>
+                  <a:srgbClr val="141414"/>
+                </a:solidFill>
+                <a:latin typeface="Tenorite (Body)"/>
+                <a:cs typeface="Arial" panose="020B0604020202020204" pitchFamily="34" charset="0"/>
+              </a:rPr>
+              <a:t>dei</a:t>
+            </a:r>
+            <a:r>
+              <a:rPr lang="en-US" sz="2200" dirty="0">
+                <a:solidFill>
+                  <a:srgbClr val="141414"/>
+                </a:solidFill>
+                <a:latin typeface="Tenorite (Body)"/>
+                <a:cs typeface="Arial" panose="020B0604020202020204" pitchFamily="34" charset="0"/>
+              </a:rPr>
+              <a:t> </a:t>
+            </a:r>
+            <a:r>
+              <a:rPr lang="en-US" sz="2200" dirty="0" err="1">
+                <a:solidFill>
+                  <a:srgbClr val="141414"/>
+                </a:solidFill>
+                <a:latin typeface="Tenorite (Body)"/>
+                <a:cs typeface="Arial" panose="020B0604020202020204" pitchFamily="34" charset="0"/>
+              </a:rPr>
+              <a:t>valori</a:t>
+            </a:r>
+            <a:r>
+              <a:rPr lang="en-US" sz="2200" dirty="0">
+                <a:solidFill>
+                  <a:srgbClr val="141414"/>
+                </a:solidFill>
+                <a:latin typeface="Tenorite (Body)"/>
+                <a:cs typeface="Arial" panose="020B0604020202020204" pitchFamily="34" charset="0"/>
+              </a:rPr>
+              <a:t> di input e </a:t>
+            </a:r>
+            <a:r>
+              <a:rPr lang="en-US" sz="2200" dirty="0" err="1">
+                <a:solidFill>
+                  <a:srgbClr val="141414"/>
+                </a:solidFill>
+                <a:latin typeface="Tenorite (Body)"/>
+                <a:cs typeface="Arial" panose="020B0604020202020204" pitchFamily="34" charset="0"/>
+              </a:rPr>
+              <a:t>determinano</a:t>
+            </a:r>
+            <a:r>
+              <a:rPr lang="en-US" sz="2200" dirty="0">
+                <a:solidFill>
+                  <a:srgbClr val="141414"/>
+                </a:solidFill>
+                <a:latin typeface="Tenorite (Body)"/>
+                <a:cs typeface="Arial" panose="020B0604020202020204" pitchFamily="34" charset="0"/>
+              </a:rPr>
+              <a:t> </a:t>
+            </a:r>
+            <a:r>
+              <a:rPr lang="en-US" sz="2200" dirty="0" err="1">
+                <a:solidFill>
+                  <a:srgbClr val="141414"/>
+                </a:solidFill>
+                <a:latin typeface="Tenorite (Body)"/>
+                <a:cs typeface="Arial" panose="020B0604020202020204" pitchFamily="34" charset="0"/>
+              </a:rPr>
+              <a:t>i</a:t>
+            </a:r>
+            <a:r>
+              <a:rPr lang="en-US" sz="2200" dirty="0">
+                <a:solidFill>
+                  <a:srgbClr val="141414"/>
+                </a:solidFill>
+                <a:latin typeface="Tenorite (Body)"/>
+                <a:cs typeface="Arial" panose="020B0604020202020204" pitchFamily="34" charset="0"/>
+              </a:rPr>
+              <a:t> </a:t>
+            </a:r>
+            <a:r>
+              <a:rPr lang="en-US" sz="2200" dirty="0" err="1">
+                <a:solidFill>
+                  <a:srgbClr val="141414"/>
+                </a:solidFill>
+                <a:latin typeface="Tenorite (Body)"/>
+                <a:cs typeface="Arial" panose="020B0604020202020204" pitchFamily="34" charset="0"/>
+              </a:rPr>
+              <a:t>possibili</a:t>
+            </a:r>
+            <a:r>
+              <a:rPr lang="en-US" sz="2200" dirty="0">
+                <a:solidFill>
+                  <a:srgbClr val="141414"/>
+                </a:solidFill>
+                <a:latin typeface="Tenorite (Body)"/>
+                <a:cs typeface="Arial" panose="020B0604020202020204" pitchFamily="34" charset="0"/>
+              </a:rPr>
+              <a:t> </a:t>
+            </a:r>
+            <a:r>
+              <a:rPr lang="en-US" sz="2200" dirty="0" err="1">
+                <a:solidFill>
+                  <a:srgbClr val="141414"/>
+                </a:solidFill>
+                <a:latin typeface="Tenorite (Body)"/>
+                <a:cs typeface="Arial" panose="020B0604020202020204" pitchFamily="34" charset="0"/>
+              </a:rPr>
+              <a:t>risultati</a:t>
+            </a:r>
+            <a:endParaRPr lang="en-US" sz="2200" dirty="0">
+              <a:solidFill>
+                <a:srgbClr val="141414"/>
+              </a:solidFill>
+              <a:latin typeface="Tenorite (Body)"/>
+              <a:cs typeface="Arial" panose="020B0604020202020204" pitchFamily="34" charset="0"/>
+            </a:endParaRPr>
+          </a:p>
+          <a:p>
+            <a:pPr eaLnBrk="1" fontAlgn="auto" hangingPunct="1">
+              <a:spcBef>
+                <a:spcPts val="0"/>
+              </a:spcBef>
+              <a:spcAft>
+                <a:spcPts val="0"/>
+              </a:spcAft>
+              <a:defRPr/>
+            </a:pPr>
+            <a:endParaRPr lang="en-US" sz="2200" dirty="0">
+              <a:solidFill>
+                <a:srgbClr val="141414"/>
+              </a:solidFill>
+              <a:latin typeface="Tenorite (Body)"/>
+              <a:cs typeface="Arial" panose="020B0604020202020204" pitchFamily="34" charset="0"/>
+            </a:endParaRPr>
+          </a:p>
+          <a:p>
+            <a:pPr eaLnBrk="1" fontAlgn="auto" hangingPunct="1">
+              <a:spcBef>
+                <a:spcPts val="0"/>
+              </a:spcBef>
+              <a:spcAft>
+                <a:spcPts val="0"/>
+              </a:spcAft>
+              <a:defRPr/>
+            </a:pPr>
+            <a:r>
+              <a:rPr lang="en-US" sz="2200" b="1" dirty="0" err="1">
+                <a:solidFill>
+                  <a:srgbClr val="141414"/>
+                </a:solidFill>
+                <a:latin typeface="Tenorite (Body)"/>
+                <a:cs typeface="Arial" panose="020B0604020202020204" pitchFamily="34" charset="0"/>
+              </a:rPr>
+              <a:t>Ricerca</a:t>
+            </a:r>
+            <a:r>
+              <a:rPr lang="en-US" sz="2200" b="1" dirty="0">
+                <a:solidFill>
+                  <a:srgbClr val="141414"/>
+                </a:solidFill>
+                <a:latin typeface="Tenorite (Body)"/>
+                <a:cs typeface="Arial" panose="020B0604020202020204" pitchFamily="34" charset="0"/>
+              </a:rPr>
+              <a:t> </a:t>
+            </a:r>
+            <a:r>
+              <a:rPr lang="en-US" sz="2200" b="1" dirty="0" err="1">
+                <a:solidFill>
+                  <a:srgbClr val="141414"/>
+                </a:solidFill>
+                <a:latin typeface="Tenorite (Body)"/>
+                <a:cs typeface="Arial" panose="020B0604020202020204" pitchFamily="34" charset="0"/>
+              </a:rPr>
+              <a:t>Obiettivo</a:t>
+            </a:r>
+            <a:r>
+              <a:rPr lang="en-US" sz="2200" b="1" dirty="0">
+                <a:solidFill>
+                  <a:srgbClr val="141414"/>
+                </a:solidFill>
+                <a:latin typeface="Tenorite (Body)"/>
+                <a:cs typeface="Arial" panose="020B0604020202020204" pitchFamily="34" charset="0"/>
+              </a:rPr>
+              <a:t> </a:t>
+            </a:r>
+            <a:r>
+              <a:rPr lang="en-US" sz="2200" dirty="0">
+                <a:solidFill>
+                  <a:srgbClr val="141414"/>
+                </a:solidFill>
+                <a:latin typeface="Tenorite (Body)"/>
+                <a:cs typeface="Arial" panose="020B0604020202020204" pitchFamily="34" charset="0"/>
+              </a:rPr>
+              <a:t>fa </a:t>
+            </a:r>
+            <a:r>
+              <a:rPr lang="en-US" sz="2200" dirty="0" err="1">
+                <a:solidFill>
+                  <a:srgbClr val="141414"/>
+                </a:solidFill>
+                <a:latin typeface="Tenorite (Body)"/>
+                <a:cs typeface="Arial" panose="020B0604020202020204" pitchFamily="34" charset="0"/>
+              </a:rPr>
+              <a:t>l’inverso</a:t>
+            </a:r>
+            <a:r>
+              <a:rPr lang="en-US" sz="2200" dirty="0">
+                <a:solidFill>
+                  <a:srgbClr val="141414"/>
+                </a:solidFill>
+                <a:latin typeface="Tenorite (Body)"/>
+                <a:cs typeface="Arial" panose="020B0604020202020204" pitchFamily="34" charset="0"/>
+              </a:rPr>
+              <a:t>: a </a:t>
+            </a:r>
+            <a:r>
+              <a:rPr lang="en-US" sz="2200" dirty="0" err="1">
+                <a:solidFill>
+                  <a:srgbClr val="141414"/>
+                </a:solidFill>
+                <a:latin typeface="Tenorite (Body)"/>
+                <a:cs typeface="Arial" panose="020B0604020202020204" pitchFamily="34" charset="0"/>
+              </a:rPr>
+              <a:t>partire</a:t>
+            </a:r>
+            <a:r>
+              <a:rPr lang="en-US" sz="2200" dirty="0">
+                <a:solidFill>
+                  <a:srgbClr val="141414"/>
+                </a:solidFill>
+                <a:latin typeface="Tenorite (Body)"/>
+                <a:cs typeface="Arial" panose="020B0604020202020204" pitchFamily="34" charset="0"/>
+              </a:rPr>
+              <a:t> da un </a:t>
+            </a:r>
+            <a:r>
+              <a:rPr lang="en-US" sz="2200" dirty="0" err="1">
+                <a:solidFill>
+                  <a:srgbClr val="141414"/>
+                </a:solidFill>
+                <a:latin typeface="Tenorite (Body)"/>
+                <a:cs typeface="Arial" panose="020B0604020202020204" pitchFamily="34" charset="0"/>
+              </a:rPr>
+              <a:t>risultato</a:t>
+            </a:r>
+            <a:r>
+              <a:rPr lang="en-US" sz="2200" dirty="0">
+                <a:solidFill>
+                  <a:srgbClr val="141414"/>
+                </a:solidFill>
+                <a:latin typeface="Tenorite (Body)"/>
+                <a:cs typeface="Arial" panose="020B0604020202020204" pitchFamily="34" charset="0"/>
+              </a:rPr>
+              <a:t>, </a:t>
+            </a:r>
+            <a:r>
+              <a:rPr lang="en-US" sz="2200" dirty="0" err="1">
+                <a:solidFill>
+                  <a:srgbClr val="141414"/>
+                </a:solidFill>
+                <a:latin typeface="Tenorite (Body)"/>
+                <a:cs typeface="Arial" panose="020B0604020202020204" pitchFamily="34" charset="0"/>
+              </a:rPr>
+              <a:t>determina</a:t>
+            </a:r>
+            <a:r>
+              <a:rPr lang="en-US" sz="2200" dirty="0">
+                <a:solidFill>
+                  <a:srgbClr val="141414"/>
+                </a:solidFill>
+                <a:latin typeface="Tenorite (Body)"/>
+                <a:cs typeface="Arial" panose="020B0604020202020204" pitchFamily="34" charset="0"/>
+              </a:rPr>
+              <a:t> </a:t>
+            </a:r>
+            <a:r>
+              <a:rPr lang="en-US" sz="2200" dirty="0" err="1">
+                <a:solidFill>
+                  <a:srgbClr val="141414"/>
+                </a:solidFill>
+                <a:latin typeface="Tenorite (Body)"/>
+                <a:cs typeface="Arial" panose="020B0604020202020204" pitchFamily="34" charset="0"/>
+              </a:rPr>
+              <a:t>i</a:t>
+            </a:r>
+            <a:r>
+              <a:rPr lang="en-US" sz="2200" dirty="0">
+                <a:solidFill>
+                  <a:srgbClr val="141414"/>
+                </a:solidFill>
+                <a:latin typeface="Tenorite (Body)"/>
+                <a:cs typeface="Arial" panose="020B0604020202020204" pitchFamily="34" charset="0"/>
+              </a:rPr>
+              <a:t> </a:t>
+            </a:r>
+            <a:r>
+              <a:rPr lang="en-US" sz="2200" dirty="0" err="1">
+                <a:solidFill>
+                  <a:srgbClr val="141414"/>
+                </a:solidFill>
+                <a:latin typeface="Tenorite (Body)"/>
+                <a:cs typeface="Arial" panose="020B0604020202020204" pitchFamily="34" charset="0"/>
+              </a:rPr>
+              <a:t>possibili</a:t>
+            </a:r>
+            <a:r>
+              <a:rPr lang="en-US" sz="2200" dirty="0">
+                <a:solidFill>
+                  <a:srgbClr val="141414"/>
+                </a:solidFill>
+                <a:latin typeface="Tenorite (Body)"/>
+                <a:cs typeface="Arial" panose="020B0604020202020204" pitchFamily="34" charset="0"/>
+              </a:rPr>
+              <a:t> </a:t>
+            </a:r>
+            <a:r>
+              <a:rPr lang="en-US" sz="2200" dirty="0" err="1">
+                <a:solidFill>
+                  <a:srgbClr val="141414"/>
+                </a:solidFill>
+                <a:latin typeface="Tenorite (Body)"/>
+                <a:cs typeface="Arial" panose="020B0604020202020204" pitchFamily="34" charset="0"/>
+              </a:rPr>
+              <a:t>valori</a:t>
+            </a:r>
+            <a:r>
+              <a:rPr lang="en-US" sz="2200" dirty="0">
+                <a:solidFill>
+                  <a:srgbClr val="141414"/>
+                </a:solidFill>
+                <a:latin typeface="Tenorite (Body)"/>
+                <a:cs typeface="Arial" panose="020B0604020202020204" pitchFamily="34" charset="0"/>
+              </a:rPr>
+              <a:t> di input per </a:t>
+            </a:r>
+            <a:r>
+              <a:rPr lang="en-US" sz="2200" dirty="0" err="1">
+                <a:solidFill>
+                  <a:srgbClr val="141414"/>
+                </a:solidFill>
+                <a:latin typeface="Tenorite (Body)"/>
+                <a:cs typeface="Arial" panose="020B0604020202020204" pitchFamily="34" charset="0"/>
+              </a:rPr>
+              <a:t>ottenere</a:t>
+            </a:r>
+            <a:r>
+              <a:rPr lang="en-US" sz="2200" dirty="0">
+                <a:solidFill>
+                  <a:srgbClr val="141414"/>
+                </a:solidFill>
+                <a:latin typeface="Tenorite (Body)"/>
+                <a:cs typeface="Arial" panose="020B0604020202020204" pitchFamily="34" charset="0"/>
+              </a:rPr>
+              <a:t> tale </a:t>
+            </a:r>
+            <a:r>
+              <a:rPr lang="en-US" sz="2200" dirty="0" err="1">
+                <a:solidFill>
+                  <a:srgbClr val="141414"/>
+                </a:solidFill>
+                <a:latin typeface="Tenorite (Body)"/>
+                <a:cs typeface="Arial" panose="020B0604020202020204" pitchFamily="34" charset="0"/>
+              </a:rPr>
+              <a:t>risultato</a:t>
+            </a:r>
+            <a:endParaRPr lang="en-US" sz="2200" dirty="0">
+              <a:solidFill>
+                <a:srgbClr val="141414"/>
+              </a:solidFill>
+              <a:latin typeface="Tenorite (Body)"/>
+              <a:cs typeface="Arial" panose="020B0604020202020204" pitchFamily="34" charset="0"/>
+            </a:endParaRPr>
+          </a:p>
+          <a:p>
+            <a:pPr eaLnBrk="1" fontAlgn="auto" hangingPunct="1">
+              <a:spcBef>
+                <a:spcPts val="0"/>
+              </a:spcBef>
+              <a:spcAft>
+                <a:spcPts val="0"/>
+              </a:spcAft>
+              <a:defRPr/>
+            </a:pPr>
+            <a:endParaRPr lang="en-US" sz="2200" dirty="0">
+              <a:solidFill>
+                <a:srgbClr val="141414"/>
+              </a:solidFill>
+              <a:latin typeface="Tenorite (Body)"/>
+              <a:cs typeface="Arial" panose="020B0604020202020204" pitchFamily="34" charset="0"/>
+            </a:endParaRPr>
+          </a:p>
+        </p:txBody>
+      </p:sp>
+    </p:spTree>
+  </p:cSld>
+  <p:clrMapOvr>
+    <a:masterClrMapping/>
+  </p:clrMapOvr>
+</p:sld>
+</file>
+
+<file path=ppt/slides/slide20.xml><?xml version="1.0" encoding="utf-8"?>
 <p:sld xmlns:a="http://schemas.openxmlformats.org/drawingml/2006/main" xmlns:r="http://schemas.openxmlformats.org/officeDocument/2006/relationships" xmlns:p="http://schemas.openxmlformats.org/presentationml/2006/main">
   <p:cSld>
     <p:spTree>
@@ -21742,7 +23729,7 @@
             <a:fld id="{7E7AB22C-8B7E-9B4A-8C65-396C3C874D86}" type="datetime1">
               <a:rPr lang="en-US" smtClean="0"/>
               <a:pPr/>
-              <a:t>05-Jul-23</a:t>
+              <a:t>11-Jul-23</a:t>
             </a:fld>
             <a:endParaRPr lang="en-US" dirty="0"/>
           </a:p>
@@ -22009,7 +23996,7 @@
             <a:fld id="{294A09A9-5501-47C1-A89A-A340965A2BE2}" type="slidenum">
               <a:rPr lang="en-US" smtClean="0"/>
               <a:pPr/>
-              <a:t>16</a:t>
+              <a:t>20</a:t>
             </a:fld>
             <a:endParaRPr lang="en-US" dirty="0"/>
           </a:p>
@@ -23141,7 +25128,7 @@
 </p:sld>
 </file>
 
-<file path=ppt/slides/slide17.xml><?xml version="1.0" encoding="utf-8"?>
+<file path=ppt/slides/slide21.xml><?xml version="1.0" encoding="utf-8"?>
 <p:sld xmlns:a="http://schemas.openxmlformats.org/drawingml/2006/main" xmlns:r="http://schemas.openxmlformats.org/officeDocument/2006/relationships" xmlns:p="http://schemas.openxmlformats.org/presentationml/2006/main">
   <p:cSld>
     <p:spTree>
@@ -23356,7 +25343,7 @@
             <a:fld id="{294A09A9-5501-47C1-A89A-A340965A2BE2}" type="slidenum">
               <a:rPr lang="en-US" smtClean="0"/>
               <a:pPr/>
-              <a:t>17</a:t>
+              <a:t>21</a:t>
             </a:fld>
             <a:endParaRPr lang="en-US" dirty="0"/>
           </a:p>
@@ -23375,7 +25362,7 @@
 </p:sld>
 </file>
 
-<file path=ppt/slides/slide2.xml><?xml version="1.0" encoding="utf-8"?>
+<file path=ppt/slides/slide3.xml><?xml version="1.0" encoding="utf-8"?>
 <p:sld xmlns:a="http://schemas.openxmlformats.org/drawingml/2006/main" xmlns:r="http://schemas.openxmlformats.org/officeDocument/2006/relationships" xmlns:p="http://schemas.openxmlformats.org/presentationml/2006/main">
   <p:cSld>
     <p:spTree>
@@ -23394,10 +25381,10 @@
       </p:grpSpPr>
       <p:sp>
         <p:nvSpPr>
-          <p:cNvPr id="201730" name="Title 1">
+          <p:cNvPr id="21506" name="Title 1">
             <a:extLst>
               <a:ext uri="{FF2B5EF4-FFF2-40B4-BE49-F238E27FC236}">
-                <a16:creationId xmlns:a16="http://schemas.microsoft.com/office/drawing/2014/main" id="{6D9D6659-EDEB-9E87-391E-05C12E08D474}"/>
+                <a16:creationId xmlns:a16="http://schemas.microsoft.com/office/drawing/2014/main" id="{3CC3F597-36B4-280D-B451-3CC3CC21EF9D}"/>
               </a:ext>
             </a:extLst>
           </p:cNvPr>
@@ -23405,966 +25392,93 @@
             <a:spLocks noGrp="1" noChangeArrowheads="1"/>
           </p:cNvSpPr>
           <p:nvPr>
-            <p:ph type="title"/>
+            <p:ph type="ctrTitle"/>
           </p:nvPr>
         </p:nvSpPr>
         <p:spPr>
           <a:xfrm>
-            <a:off x="309563" y="-365125"/>
-            <a:ext cx="10182225" cy="1325563"/>
+            <a:off x="1149821" y="2235200"/>
+            <a:ext cx="6245225" cy="2387600"/>
           </a:xfrm>
         </p:spPr>
         <p:txBody>
-          <a:bodyPr/>
+          <a:bodyPr anchor="ctr"/>
           <a:lstStyle/>
           <a:p>
             <a:r>
-              <a:rPr lang="en-US" altLang="en-US"/>
-              <a:t>Analisi di Simulazione</a:t>
-            </a:r>
+              <a:rPr lang="en-US" altLang="en-US" dirty="0" err="1"/>
+              <a:t>Gestione</a:t>
+            </a:r>
+            <a:r>
+              <a:rPr lang="en-US" altLang="en-US" dirty="0"/>
+              <a:t> </a:t>
+            </a:r>
+            <a:r>
+              <a:rPr lang="en-US" altLang="en-US" dirty="0" err="1"/>
+              <a:t>Scenari</a:t>
+            </a:r>
+            <a:endParaRPr lang="en-US" altLang="en-US" dirty="0"/>
           </a:p>
         </p:txBody>
       </p:sp>
       <p:sp>
         <p:nvSpPr>
-          <p:cNvPr id="201731" name="Date Placeholder 2">
+          <p:cNvPr id="3" name="Title 1">
             <a:extLst>
               <a:ext uri="{FF2B5EF4-FFF2-40B4-BE49-F238E27FC236}">
-                <a16:creationId xmlns:a16="http://schemas.microsoft.com/office/drawing/2014/main" id="{74225ABD-D75E-8D04-F74E-B83B4B6A02C2}"/>
+                <a16:creationId xmlns:a16="http://schemas.microsoft.com/office/drawing/2014/main" id="{F8854F0D-A554-2382-F5CC-7A3E5F6E5F52}"/>
               </a:ext>
             </a:extLst>
           </p:cNvPr>
-          <p:cNvSpPr>
-            <a:spLocks noGrp="1" noChangeArrowheads="1"/>
+          <p:cNvSpPr txBox="1">
+            <a:spLocks/>
           </p:cNvSpPr>
-          <p:nvPr>
-            <p:ph type="dt" sz="quarter" idx="10"/>
-          </p:nvPr>
-        </p:nvSpPr>
-        <p:spPr bwMode="auto">
-          <a:xfrm>
-            <a:off x="177800" y="6356350"/>
-            <a:ext cx="1701800" cy="365125"/>
-          </a:xfrm>
-          <a:noFill/>
-          <a:extLst>
-            <a:ext uri="{909E8E84-426E-40DD-AFC4-6F175D3DCCD1}">
-              <a14:hiddenFill xmlns:a14="http://schemas.microsoft.com/office/drawing/2010/main">
-                <a:solidFill>
-                  <a:srgbClr val="FFFFFF"/>
-                </a:solidFill>
-              </a14:hiddenFill>
-            </a:ext>
-            <a:ext uri="{91240B29-F687-4F45-9708-019B960494DF}">
-              <a14:hiddenLine xmlns:a14="http://schemas.microsoft.com/office/drawing/2010/main" w="9525">
-                <a:solidFill>
-                  <a:srgbClr val="000000"/>
-                </a:solidFill>
-                <a:miter lim="800000"/>
-                <a:headEnd/>
-                <a:tailEnd/>
-              </a14:hiddenLine>
-            </a:ext>
-          </a:extLst>
-        </p:spPr>
-        <p:txBody>
-          <a:bodyPr wrap="square" numCol="1" anchorCtr="0" compatLnSpc="1">
-            <a:prstTxWarp prst="textNoShape">
-              <a:avLst/>
-            </a:prstTxWarp>
-          </a:bodyPr>
-          <a:lstStyle>
-            <a:lvl1pPr>
-              <a:defRPr>
-                <a:solidFill>
-                  <a:schemeClr val="tx1"/>
-                </a:solidFill>
-                <a:latin typeface="Tenorite" panose="00000500000000000000" pitchFamily="2" charset="0"/>
-              </a:defRPr>
-            </a:lvl1pPr>
-            <a:lvl2pPr marL="742950" indent="-285750">
-              <a:defRPr>
-                <a:solidFill>
-                  <a:schemeClr val="tx1"/>
-                </a:solidFill>
-                <a:latin typeface="Tenorite" panose="00000500000000000000" pitchFamily="2" charset="0"/>
-              </a:defRPr>
-            </a:lvl2pPr>
-            <a:lvl3pPr marL="1143000" indent="-228600">
-              <a:defRPr>
-                <a:solidFill>
-                  <a:schemeClr val="tx1"/>
-                </a:solidFill>
-                <a:latin typeface="Tenorite" panose="00000500000000000000" pitchFamily="2" charset="0"/>
-              </a:defRPr>
-            </a:lvl3pPr>
-            <a:lvl4pPr marL="1600200" indent="-228600">
-              <a:defRPr>
-                <a:solidFill>
-                  <a:schemeClr val="tx1"/>
-                </a:solidFill>
-                <a:latin typeface="Tenorite" panose="00000500000000000000" pitchFamily="2" charset="0"/>
-              </a:defRPr>
-            </a:lvl4pPr>
-            <a:lvl5pPr marL="2057400" indent="-228600">
-              <a:defRPr>
-                <a:solidFill>
-                  <a:schemeClr val="tx1"/>
-                </a:solidFill>
-                <a:latin typeface="Tenorite" panose="00000500000000000000" pitchFamily="2" charset="0"/>
-              </a:defRPr>
-            </a:lvl5pPr>
-            <a:lvl6pPr marL="2514600" indent="-228600" fontAlgn="base">
-              <a:spcBef>
-                <a:spcPct val="0"/>
-              </a:spcBef>
-              <a:spcAft>
-                <a:spcPct val="0"/>
-              </a:spcAft>
-              <a:defRPr>
-                <a:solidFill>
-                  <a:schemeClr val="tx1"/>
-                </a:solidFill>
-                <a:latin typeface="Tenorite" panose="00000500000000000000" pitchFamily="2" charset="0"/>
-              </a:defRPr>
-            </a:lvl6pPr>
-            <a:lvl7pPr marL="2971800" indent="-228600" fontAlgn="base">
-              <a:spcBef>
-                <a:spcPct val="0"/>
-              </a:spcBef>
-              <a:spcAft>
-                <a:spcPct val="0"/>
-              </a:spcAft>
-              <a:defRPr>
-                <a:solidFill>
-                  <a:schemeClr val="tx1"/>
-                </a:solidFill>
-                <a:latin typeface="Tenorite" panose="00000500000000000000" pitchFamily="2" charset="0"/>
-              </a:defRPr>
-            </a:lvl7pPr>
-            <a:lvl8pPr marL="3429000" indent="-228600" fontAlgn="base">
-              <a:spcBef>
-                <a:spcPct val="0"/>
-              </a:spcBef>
-              <a:spcAft>
-                <a:spcPct val="0"/>
-              </a:spcAft>
-              <a:defRPr>
-                <a:solidFill>
-                  <a:schemeClr val="tx1"/>
-                </a:solidFill>
-                <a:latin typeface="Tenorite" panose="00000500000000000000" pitchFamily="2" charset="0"/>
-              </a:defRPr>
-            </a:lvl8pPr>
-            <a:lvl9pPr marL="3886200" indent="-228600" fontAlgn="base">
-              <a:spcBef>
-                <a:spcPct val="0"/>
-              </a:spcBef>
-              <a:spcAft>
-                <a:spcPct val="0"/>
-              </a:spcAft>
-              <a:defRPr>
-                <a:solidFill>
-                  <a:schemeClr val="tx1"/>
-                </a:solidFill>
-                <a:latin typeface="Tenorite" panose="00000500000000000000" pitchFamily="2" charset="0"/>
-              </a:defRPr>
-            </a:lvl9pPr>
-          </a:lstStyle>
-          <a:p>
-            <a:pPr fontAlgn="base">
-              <a:spcBef>
-                <a:spcPct val="0"/>
-              </a:spcBef>
-              <a:spcAft>
-                <a:spcPct val="0"/>
-              </a:spcAft>
-            </a:pPr>
-            <a:r>
-              <a:rPr lang="en-US" altLang="en-US">
-                <a:solidFill>
-                  <a:schemeClr val="accent2"/>
-                </a:solidFill>
-              </a:rPr>
-              <a:t>GIUGNO-LUGLIO 2023</a:t>
-            </a:r>
-          </a:p>
-        </p:txBody>
-      </p:sp>
-      <p:sp>
-        <p:nvSpPr>
-          <p:cNvPr id="5" name="Footer Placeholder 4">
-            <a:extLst>
-              <a:ext uri="{FF2B5EF4-FFF2-40B4-BE49-F238E27FC236}">
-                <a16:creationId xmlns:a16="http://schemas.microsoft.com/office/drawing/2014/main" id="{D01ACDCF-B464-B3B8-EFE7-604222E30B2D}"/>
-              </a:ext>
-            </a:extLst>
-          </p:cNvPr>
-          <p:cNvSpPr>
-            <a:spLocks noGrp="1"/>
-          </p:cNvSpPr>
-          <p:nvPr>
-            <p:ph type="ftr" sz="quarter" idx="11"/>
-          </p:nvPr>
-        </p:nvSpPr>
-        <p:spPr/>
-        <p:txBody>
-          <a:bodyPr/>
-          <a:lstStyle/>
-          <a:p>
-            <a:pPr>
-              <a:defRPr/>
-            </a:pPr>
-            <a:r>
-              <a:rPr lang="en-US"/>
-              <a:t>MICROSOFT EXCEL – BASE e AVANZATO</a:t>
-            </a:r>
-          </a:p>
-        </p:txBody>
-      </p:sp>
-      <p:sp>
-        <p:nvSpPr>
-          <p:cNvPr id="7" name="Slide Number Placeholder 6">
-            <a:extLst>
-              <a:ext uri="{FF2B5EF4-FFF2-40B4-BE49-F238E27FC236}">
-                <a16:creationId xmlns:a16="http://schemas.microsoft.com/office/drawing/2014/main" id="{E6958D49-924C-5445-4614-520627A04A8F}"/>
-              </a:ext>
-            </a:extLst>
-          </p:cNvPr>
-          <p:cNvSpPr>
-            <a:spLocks noGrp="1"/>
-          </p:cNvSpPr>
-          <p:nvPr>
-            <p:ph type="sldNum" sz="quarter" idx="12"/>
-          </p:nvPr>
-        </p:nvSpPr>
-        <p:spPr/>
-        <p:txBody>
-          <a:bodyPr/>
-          <a:lstStyle/>
-          <a:p>
-            <a:pPr>
-              <a:defRPr/>
-            </a:pPr>
-            <a:fld id="{5EDB7381-304A-4401-883C-2858F901FAD7}" type="slidenum">
-              <a:rPr lang="en-US"/>
-              <a:pPr>
-                <a:defRPr/>
-              </a:pPr>
-              <a:t>2</a:t>
-            </a:fld>
-            <a:endParaRPr lang="en-US" dirty="0"/>
-          </a:p>
-        </p:txBody>
-      </p:sp>
-      <p:sp>
-        <p:nvSpPr>
-          <p:cNvPr id="6" name="TextBox 5">
-            <a:extLst>
-              <a:ext uri="{FF2B5EF4-FFF2-40B4-BE49-F238E27FC236}">
-                <a16:creationId xmlns:a16="http://schemas.microsoft.com/office/drawing/2014/main" id="{18822613-2918-3891-7B5B-4E6F268F7575}"/>
-              </a:ext>
-            </a:extLst>
-          </p:cNvPr>
-          <p:cNvSpPr txBox="1"/>
           <p:nvPr/>
         </p:nvSpPr>
         <p:spPr>
           <a:xfrm>
-            <a:off x="381000" y="1033463"/>
-            <a:ext cx="10947400" cy="3476625"/>
+            <a:off x="10874375" y="0"/>
+            <a:ext cx="1317625" cy="1260475"/>
           </a:xfrm>
           <a:prstGeom prst="rect">
             <a:avLst/>
           </a:prstGeom>
-          <a:noFill/>
         </p:spPr>
         <p:txBody>
-          <a:bodyPr>
-            <a:spAutoFit/>
+          <a:bodyPr anchor="ctr">
+            <a:normAutofit fontScale="92500" lnSpcReduction="20000"/>
           </a:bodyPr>
-          <a:lstStyle/>
-          <a:p>
-            <a:pPr marL="457200" indent="-457200" eaLnBrk="1" fontAlgn="auto" hangingPunct="1">
+          <a:lstStyle>
+            <a:lvl1pPr algn="ctr" defTabSz="914400" rtl="0" eaLnBrk="1" latinLnBrk="0" hangingPunct="1">
+              <a:lnSpc>
+                <a:spcPct val="100000"/>
+              </a:lnSpc>
               <a:spcBef>
-                <a:spcPts val="0"/>
+                <a:spcPct val="0"/>
               </a:spcBef>
-              <a:spcAft>
-                <a:spcPts val="0"/>
-              </a:spcAft>
-              <a:buFontTx/>
-              <a:buAutoNum type="arabicParenR"/>
-              <a:defRPr/>
-            </a:pPr>
-            <a:r>
-              <a:rPr lang="en-US" sz="2200" b="1" dirty="0" err="1">
-                <a:solidFill>
-                  <a:srgbClr val="141414"/>
-                </a:solidFill>
-                <a:latin typeface="Tenorite (Body)"/>
-                <a:cs typeface="Arial" panose="020B0604020202020204" pitchFamily="34" charset="0"/>
-              </a:rPr>
-              <a:t>Gestione</a:t>
-            </a:r>
-            <a:r>
-              <a:rPr lang="en-US" sz="2200" b="1" dirty="0">
-                <a:solidFill>
-                  <a:srgbClr val="141414"/>
-                </a:solidFill>
-                <a:latin typeface="Tenorite (Body)"/>
-                <a:cs typeface="Arial" panose="020B0604020202020204" pitchFamily="34" charset="0"/>
-              </a:rPr>
-              <a:t> </a:t>
-            </a:r>
-            <a:r>
-              <a:rPr lang="en-US" sz="2200" b="1" dirty="0" err="1">
-                <a:solidFill>
-                  <a:srgbClr val="141414"/>
-                </a:solidFill>
-                <a:latin typeface="Tenorite (Body)"/>
-                <a:cs typeface="Arial" panose="020B0604020202020204" pitchFamily="34" charset="0"/>
-              </a:rPr>
-              <a:t>Scenari</a:t>
-            </a:r>
-            <a:endParaRPr lang="en-US" sz="2200" b="1" dirty="0">
-              <a:solidFill>
-                <a:srgbClr val="141414"/>
-              </a:solidFill>
-              <a:latin typeface="Tenorite (Body)"/>
-              <a:cs typeface="Arial" panose="020B0604020202020204" pitchFamily="34" charset="0"/>
-            </a:endParaRPr>
-          </a:p>
-          <a:p>
-            <a:pPr marL="457200" indent="-457200" eaLnBrk="1" fontAlgn="auto" hangingPunct="1">
-              <a:spcBef>
-                <a:spcPts val="0"/>
-              </a:spcBef>
-              <a:spcAft>
-                <a:spcPts val="0"/>
-              </a:spcAft>
-              <a:buFontTx/>
-              <a:buAutoNum type="arabicParenR"/>
-              <a:defRPr/>
-            </a:pPr>
-            <a:r>
-              <a:rPr lang="en-US" sz="2200" b="1" dirty="0" err="1">
-                <a:solidFill>
-                  <a:srgbClr val="141414"/>
-                </a:solidFill>
-                <a:latin typeface="Tenorite (Body)"/>
-                <a:cs typeface="Arial" panose="020B0604020202020204" pitchFamily="34" charset="0"/>
-              </a:rPr>
-              <a:t>Ricerca</a:t>
-            </a:r>
-            <a:r>
-              <a:rPr lang="en-US" sz="2200" b="1" dirty="0">
-                <a:solidFill>
-                  <a:srgbClr val="141414"/>
-                </a:solidFill>
-                <a:latin typeface="Tenorite (Body)"/>
-                <a:cs typeface="Arial" panose="020B0604020202020204" pitchFamily="34" charset="0"/>
-              </a:rPr>
-              <a:t> </a:t>
-            </a:r>
-            <a:r>
-              <a:rPr lang="en-US" sz="2200" b="1" dirty="0" err="1">
-                <a:solidFill>
-                  <a:srgbClr val="141414"/>
-                </a:solidFill>
-                <a:latin typeface="Tenorite (Body)"/>
-                <a:cs typeface="Arial" panose="020B0604020202020204" pitchFamily="34" charset="0"/>
-              </a:rPr>
-              <a:t>Obiettivo</a:t>
-            </a:r>
-            <a:endParaRPr lang="en-US" sz="2200" b="1" dirty="0">
-              <a:solidFill>
-                <a:srgbClr val="141414"/>
-              </a:solidFill>
-              <a:latin typeface="Tenorite (Body)"/>
-              <a:cs typeface="Arial" panose="020B0604020202020204" pitchFamily="34" charset="0"/>
-            </a:endParaRPr>
-          </a:p>
-          <a:p>
-            <a:pPr marL="457200" indent="-457200" eaLnBrk="1" fontAlgn="auto" hangingPunct="1">
-              <a:spcBef>
-                <a:spcPts val="0"/>
-              </a:spcBef>
-              <a:spcAft>
-                <a:spcPts val="0"/>
-              </a:spcAft>
-              <a:buFontTx/>
-              <a:buAutoNum type="arabicParenR"/>
-              <a:defRPr/>
-            </a:pPr>
-            <a:r>
-              <a:rPr lang="en-US" sz="2200" b="1" dirty="0" err="1">
-                <a:solidFill>
-                  <a:srgbClr val="141414"/>
-                </a:solidFill>
-                <a:latin typeface="Tenorite (Body)"/>
-                <a:cs typeface="Arial" panose="020B0604020202020204" pitchFamily="34" charset="0"/>
-              </a:rPr>
-              <a:t>Tabella</a:t>
-            </a:r>
-            <a:r>
-              <a:rPr lang="en-US" sz="2200" b="1" dirty="0">
-                <a:solidFill>
-                  <a:srgbClr val="141414"/>
-                </a:solidFill>
-                <a:latin typeface="Tenorite (Body)"/>
-                <a:cs typeface="Arial" panose="020B0604020202020204" pitchFamily="34" charset="0"/>
-              </a:rPr>
-              <a:t> </a:t>
-            </a:r>
-            <a:r>
-              <a:rPr lang="en-US" sz="2200" b="1" dirty="0" err="1">
-                <a:solidFill>
-                  <a:srgbClr val="141414"/>
-                </a:solidFill>
-                <a:latin typeface="Tenorite (Body)"/>
-                <a:cs typeface="Arial" panose="020B0604020202020204" pitchFamily="34" charset="0"/>
-              </a:rPr>
-              <a:t>Dati</a:t>
-            </a:r>
-            <a:endParaRPr lang="en-US" sz="2200" b="1" dirty="0">
-              <a:solidFill>
-                <a:srgbClr val="141414"/>
-              </a:solidFill>
-              <a:latin typeface="Tenorite (Body)"/>
-              <a:cs typeface="Arial" panose="020B0604020202020204" pitchFamily="34" charset="0"/>
-            </a:endParaRPr>
-          </a:p>
-          <a:p>
-            <a:pPr marL="457200" indent="-457200" eaLnBrk="1" fontAlgn="auto" hangingPunct="1">
-              <a:spcBef>
-                <a:spcPts val="0"/>
-              </a:spcBef>
-              <a:spcAft>
-                <a:spcPts val="0"/>
-              </a:spcAft>
-              <a:buFontTx/>
-              <a:buAutoNum type="arabicParenR"/>
-              <a:defRPr/>
-            </a:pPr>
-            <a:endParaRPr lang="en-US" sz="2200" dirty="0">
-              <a:solidFill>
-                <a:srgbClr val="141414"/>
-              </a:solidFill>
-              <a:latin typeface="Tenorite (Body)"/>
-              <a:cs typeface="Arial" panose="020B0604020202020204" pitchFamily="34" charset="0"/>
-            </a:endParaRPr>
-          </a:p>
-          <a:p>
-            <a:pPr eaLnBrk="1" fontAlgn="auto" hangingPunct="1">
-              <a:spcBef>
-                <a:spcPts val="0"/>
-              </a:spcBef>
+              <a:buNone/>
+              <a:defRPr sz="4600" kern="1200">
+                <a:solidFill>
+                  <a:schemeClr val="bg1"/>
+                </a:solidFill>
+                <a:latin typeface="+mj-lt"/>
+                <a:ea typeface="+mj-ea"/>
+                <a:cs typeface="+mj-cs"/>
+              </a:defRPr>
+            </a:lvl1pPr>
+          </a:lstStyle>
+          <a:p>
+            <a:pPr fontAlgn="auto">
               <a:spcAft>
                 <a:spcPts val="0"/>
               </a:spcAft>
               <a:defRPr/>
             </a:pPr>
             <a:r>
-              <a:rPr lang="en-US" sz="2200" b="1" dirty="0" err="1">
-                <a:solidFill>
-                  <a:srgbClr val="141414"/>
-                </a:solidFill>
-                <a:latin typeface="Tenorite (Body)"/>
-                <a:cs typeface="Arial" panose="020B0604020202020204" pitchFamily="34" charset="0"/>
-              </a:rPr>
-              <a:t>Gestione</a:t>
-            </a:r>
-            <a:r>
-              <a:rPr lang="en-US" sz="2200" b="1" dirty="0">
-                <a:solidFill>
-                  <a:srgbClr val="141414"/>
-                </a:solidFill>
-                <a:latin typeface="Tenorite (Body)"/>
-                <a:cs typeface="Arial" panose="020B0604020202020204" pitchFamily="34" charset="0"/>
-              </a:rPr>
-              <a:t> </a:t>
-            </a:r>
-            <a:r>
-              <a:rPr lang="en-US" sz="2200" b="1" dirty="0" err="1">
-                <a:solidFill>
-                  <a:srgbClr val="141414"/>
-                </a:solidFill>
-                <a:latin typeface="Tenorite (Body)"/>
-                <a:cs typeface="Arial" panose="020B0604020202020204" pitchFamily="34" charset="0"/>
-              </a:rPr>
-              <a:t>Scenari</a:t>
-            </a:r>
-            <a:r>
-              <a:rPr lang="en-US" sz="2200" b="1" dirty="0">
-                <a:solidFill>
-                  <a:srgbClr val="141414"/>
-                </a:solidFill>
-                <a:latin typeface="Tenorite (Body)"/>
-                <a:cs typeface="Arial" panose="020B0604020202020204" pitchFamily="34" charset="0"/>
-              </a:rPr>
-              <a:t> </a:t>
-            </a:r>
-            <a:r>
-              <a:rPr lang="en-US" sz="2200" dirty="0">
-                <a:solidFill>
-                  <a:srgbClr val="141414"/>
-                </a:solidFill>
-                <a:latin typeface="Tenorite (Body)"/>
-                <a:cs typeface="Arial" panose="020B0604020202020204" pitchFamily="34" charset="0"/>
-              </a:rPr>
-              <a:t>e </a:t>
-            </a:r>
-            <a:r>
-              <a:rPr lang="en-US" sz="2200" b="1" dirty="0" err="1">
-                <a:solidFill>
-                  <a:srgbClr val="141414"/>
-                </a:solidFill>
-                <a:latin typeface="Tenorite (Body)"/>
-                <a:cs typeface="Arial" panose="020B0604020202020204" pitchFamily="34" charset="0"/>
-              </a:rPr>
-              <a:t>Tabella</a:t>
-            </a:r>
-            <a:r>
-              <a:rPr lang="en-US" sz="2200" b="1" dirty="0">
-                <a:solidFill>
-                  <a:srgbClr val="141414"/>
-                </a:solidFill>
-                <a:latin typeface="Tenorite (Body)"/>
-                <a:cs typeface="Arial" panose="020B0604020202020204" pitchFamily="34" charset="0"/>
-              </a:rPr>
-              <a:t> </a:t>
-            </a:r>
-            <a:r>
-              <a:rPr lang="en-US" sz="2200" b="1" dirty="0" err="1">
-                <a:solidFill>
-                  <a:srgbClr val="141414"/>
-                </a:solidFill>
-                <a:latin typeface="Tenorite (Body)"/>
-                <a:cs typeface="Arial" panose="020B0604020202020204" pitchFamily="34" charset="0"/>
-              </a:rPr>
-              <a:t>Dati</a:t>
-            </a:r>
-            <a:r>
-              <a:rPr lang="en-US" sz="2200" b="1" dirty="0">
-                <a:solidFill>
-                  <a:srgbClr val="141414"/>
-                </a:solidFill>
-                <a:latin typeface="Tenorite (Body)"/>
-                <a:cs typeface="Arial" panose="020B0604020202020204" pitchFamily="34" charset="0"/>
-              </a:rPr>
-              <a:t> </a:t>
-            </a:r>
-            <a:r>
-              <a:rPr lang="en-US" sz="2200" dirty="0" err="1">
-                <a:solidFill>
-                  <a:srgbClr val="141414"/>
-                </a:solidFill>
-                <a:latin typeface="Tenorite (Body)"/>
-                <a:cs typeface="Arial" panose="020B0604020202020204" pitchFamily="34" charset="0"/>
-              </a:rPr>
-              <a:t>accettano</a:t>
-            </a:r>
-            <a:r>
-              <a:rPr lang="en-US" sz="2200" dirty="0">
-                <a:solidFill>
-                  <a:srgbClr val="141414"/>
-                </a:solidFill>
-                <a:latin typeface="Tenorite (Body)"/>
-                <a:cs typeface="Arial" panose="020B0604020202020204" pitchFamily="34" charset="0"/>
-              </a:rPr>
-              <a:t> </a:t>
-            </a:r>
-            <a:r>
-              <a:rPr lang="en-US" sz="2200" dirty="0" err="1">
-                <a:solidFill>
-                  <a:srgbClr val="141414"/>
-                </a:solidFill>
-                <a:latin typeface="Tenorite (Body)"/>
-                <a:cs typeface="Arial" panose="020B0604020202020204" pitchFamily="34" charset="0"/>
-              </a:rPr>
-              <a:t>dei</a:t>
-            </a:r>
-            <a:r>
-              <a:rPr lang="en-US" sz="2200" dirty="0">
-                <a:solidFill>
-                  <a:srgbClr val="141414"/>
-                </a:solidFill>
-                <a:latin typeface="Tenorite (Body)"/>
-                <a:cs typeface="Arial" panose="020B0604020202020204" pitchFamily="34" charset="0"/>
-              </a:rPr>
-              <a:t> </a:t>
-            </a:r>
-            <a:r>
-              <a:rPr lang="en-US" sz="2200" dirty="0" err="1">
-                <a:solidFill>
-                  <a:srgbClr val="141414"/>
-                </a:solidFill>
-                <a:latin typeface="Tenorite (Body)"/>
-                <a:cs typeface="Arial" panose="020B0604020202020204" pitchFamily="34" charset="0"/>
-              </a:rPr>
-              <a:t>valori</a:t>
-            </a:r>
-            <a:r>
-              <a:rPr lang="en-US" sz="2200" dirty="0">
-                <a:solidFill>
-                  <a:srgbClr val="141414"/>
-                </a:solidFill>
-                <a:latin typeface="Tenorite (Body)"/>
-                <a:cs typeface="Arial" panose="020B0604020202020204" pitchFamily="34" charset="0"/>
-              </a:rPr>
-              <a:t> di input e </a:t>
-            </a:r>
-            <a:r>
-              <a:rPr lang="en-US" sz="2200" dirty="0" err="1">
-                <a:solidFill>
-                  <a:srgbClr val="141414"/>
-                </a:solidFill>
-                <a:latin typeface="Tenorite (Body)"/>
-                <a:cs typeface="Arial" panose="020B0604020202020204" pitchFamily="34" charset="0"/>
-              </a:rPr>
-              <a:t>determinano</a:t>
-            </a:r>
-            <a:r>
-              <a:rPr lang="en-US" sz="2200" dirty="0">
-                <a:solidFill>
-                  <a:srgbClr val="141414"/>
-                </a:solidFill>
-                <a:latin typeface="Tenorite (Body)"/>
-                <a:cs typeface="Arial" panose="020B0604020202020204" pitchFamily="34" charset="0"/>
-              </a:rPr>
-              <a:t> </a:t>
-            </a:r>
-            <a:r>
-              <a:rPr lang="en-US" sz="2200" dirty="0" err="1">
-                <a:solidFill>
-                  <a:srgbClr val="141414"/>
-                </a:solidFill>
-                <a:latin typeface="Tenorite (Body)"/>
-                <a:cs typeface="Arial" panose="020B0604020202020204" pitchFamily="34" charset="0"/>
-              </a:rPr>
-              <a:t>i</a:t>
-            </a:r>
-            <a:r>
-              <a:rPr lang="en-US" sz="2200" dirty="0">
-                <a:solidFill>
-                  <a:srgbClr val="141414"/>
-                </a:solidFill>
-                <a:latin typeface="Tenorite (Body)"/>
-                <a:cs typeface="Arial" panose="020B0604020202020204" pitchFamily="34" charset="0"/>
-              </a:rPr>
-              <a:t> </a:t>
-            </a:r>
-            <a:r>
-              <a:rPr lang="en-US" sz="2200" dirty="0" err="1">
-                <a:solidFill>
-                  <a:srgbClr val="141414"/>
-                </a:solidFill>
-                <a:latin typeface="Tenorite (Body)"/>
-                <a:cs typeface="Arial" panose="020B0604020202020204" pitchFamily="34" charset="0"/>
-              </a:rPr>
-              <a:t>possibili</a:t>
-            </a:r>
-            <a:r>
-              <a:rPr lang="en-US" sz="2200" dirty="0">
-                <a:solidFill>
-                  <a:srgbClr val="141414"/>
-                </a:solidFill>
-                <a:latin typeface="Tenorite (Body)"/>
-                <a:cs typeface="Arial" panose="020B0604020202020204" pitchFamily="34" charset="0"/>
-              </a:rPr>
-              <a:t> </a:t>
-            </a:r>
-            <a:r>
-              <a:rPr lang="en-US" sz="2200" dirty="0" err="1">
-                <a:solidFill>
-                  <a:srgbClr val="141414"/>
-                </a:solidFill>
-                <a:latin typeface="Tenorite (Body)"/>
-                <a:cs typeface="Arial" panose="020B0604020202020204" pitchFamily="34" charset="0"/>
-              </a:rPr>
-              <a:t>risultati</a:t>
-            </a:r>
-            <a:endParaRPr lang="en-US" sz="2200" dirty="0">
-              <a:solidFill>
-                <a:srgbClr val="141414"/>
-              </a:solidFill>
-              <a:latin typeface="Tenorite (Body)"/>
-              <a:cs typeface="Arial" panose="020B0604020202020204" pitchFamily="34" charset="0"/>
-            </a:endParaRPr>
-          </a:p>
-          <a:p>
-            <a:pPr eaLnBrk="1" fontAlgn="auto" hangingPunct="1">
-              <a:spcBef>
-                <a:spcPts val="0"/>
-              </a:spcBef>
-              <a:spcAft>
-                <a:spcPts val="0"/>
-              </a:spcAft>
-              <a:defRPr/>
-            </a:pPr>
-            <a:endParaRPr lang="en-US" sz="2200" dirty="0">
-              <a:solidFill>
-                <a:srgbClr val="141414"/>
-              </a:solidFill>
-              <a:latin typeface="Tenorite (Body)"/>
-              <a:cs typeface="Arial" panose="020B0604020202020204" pitchFamily="34" charset="0"/>
-            </a:endParaRPr>
-          </a:p>
-          <a:p>
-            <a:pPr eaLnBrk="1" fontAlgn="auto" hangingPunct="1">
-              <a:spcBef>
-                <a:spcPts val="0"/>
-              </a:spcBef>
-              <a:spcAft>
-                <a:spcPts val="0"/>
-              </a:spcAft>
-              <a:defRPr/>
-            </a:pPr>
-            <a:r>
-              <a:rPr lang="en-US" sz="2200" b="1" dirty="0" err="1">
-                <a:solidFill>
-                  <a:srgbClr val="141414"/>
-                </a:solidFill>
-                <a:latin typeface="Tenorite (Body)"/>
-                <a:cs typeface="Arial" panose="020B0604020202020204" pitchFamily="34" charset="0"/>
-              </a:rPr>
-              <a:t>Ricerca</a:t>
-            </a:r>
-            <a:r>
-              <a:rPr lang="en-US" sz="2200" b="1" dirty="0">
-                <a:solidFill>
-                  <a:srgbClr val="141414"/>
-                </a:solidFill>
-                <a:latin typeface="Tenorite (Body)"/>
-                <a:cs typeface="Arial" panose="020B0604020202020204" pitchFamily="34" charset="0"/>
-              </a:rPr>
-              <a:t> </a:t>
-            </a:r>
-            <a:r>
-              <a:rPr lang="en-US" sz="2200" b="1" dirty="0" err="1">
-                <a:solidFill>
-                  <a:srgbClr val="141414"/>
-                </a:solidFill>
-                <a:latin typeface="Tenorite (Body)"/>
-                <a:cs typeface="Arial" panose="020B0604020202020204" pitchFamily="34" charset="0"/>
-              </a:rPr>
-              <a:t>Obiettivo</a:t>
-            </a:r>
-            <a:r>
-              <a:rPr lang="en-US" sz="2200" b="1" dirty="0">
-                <a:solidFill>
-                  <a:srgbClr val="141414"/>
-                </a:solidFill>
-                <a:latin typeface="Tenorite (Body)"/>
-                <a:cs typeface="Arial" panose="020B0604020202020204" pitchFamily="34" charset="0"/>
-              </a:rPr>
-              <a:t> </a:t>
-            </a:r>
-            <a:r>
-              <a:rPr lang="en-US" sz="2200" dirty="0">
-                <a:solidFill>
-                  <a:srgbClr val="141414"/>
-                </a:solidFill>
-                <a:latin typeface="Tenorite (Body)"/>
-                <a:cs typeface="Arial" panose="020B0604020202020204" pitchFamily="34" charset="0"/>
-              </a:rPr>
-              <a:t>fa </a:t>
-            </a:r>
-            <a:r>
-              <a:rPr lang="en-US" sz="2200" dirty="0" err="1">
-                <a:solidFill>
-                  <a:srgbClr val="141414"/>
-                </a:solidFill>
-                <a:latin typeface="Tenorite (Body)"/>
-                <a:cs typeface="Arial" panose="020B0604020202020204" pitchFamily="34" charset="0"/>
-              </a:rPr>
-              <a:t>l’inverso</a:t>
-            </a:r>
-            <a:r>
-              <a:rPr lang="en-US" sz="2200" dirty="0">
-                <a:solidFill>
-                  <a:srgbClr val="141414"/>
-                </a:solidFill>
-                <a:latin typeface="Tenorite (Body)"/>
-                <a:cs typeface="Arial" panose="020B0604020202020204" pitchFamily="34" charset="0"/>
-              </a:rPr>
-              <a:t>: a </a:t>
-            </a:r>
-            <a:r>
-              <a:rPr lang="en-US" sz="2200" dirty="0" err="1">
-                <a:solidFill>
-                  <a:srgbClr val="141414"/>
-                </a:solidFill>
-                <a:latin typeface="Tenorite (Body)"/>
-                <a:cs typeface="Arial" panose="020B0604020202020204" pitchFamily="34" charset="0"/>
-              </a:rPr>
-              <a:t>partire</a:t>
-            </a:r>
-            <a:r>
-              <a:rPr lang="en-US" sz="2200" dirty="0">
-                <a:solidFill>
-                  <a:srgbClr val="141414"/>
-                </a:solidFill>
-                <a:latin typeface="Tenorite (Body)"/>
-                <a:cs typeface="Arial" panose="020B0604020202020204" pitchFamily="34" charset="0"/>
-              </a:rPr>
-              <a:t> da un </a:t>
-            </a:r>
-            <a:r>
-              <a:rPr lang="en-US" sz="2200" dirty="0" err="1">
-                <a:solidFill>
-                  <a:srgbClr val="141414"/>
-                </a:solidFill>
-                <a:latin typeface="Tenorite (Body)"/>
-                <a:cs typeface="Arial" panose="020B0604020202020204" pitchFamily="34" charset="0"/>
-              </a:rPr>
-              <a:t>risultato</a:t>
-            </a:r>
-            <a:r>
-              <a:rPr lang="en-US" sz="2200" dirty="0">
-                <a:solidFill>
-                  <a:srgbClr val="141414"/>
-                </a:solidFill>
-                <a:latin typeface="Tenorite (Body)"/>
-                <a:cs typeface="Arial" panose="020B0604020202020204" pitchFamily="34" charset="0"/>
-              </a:rPr>
-              <a:t>, </a:t>
-            </a:r>
-            <a:r>
-              <a:rPr lang="en-US" sz="2200" dirty="0" err="1">
-                <a:solidFill>
-                  <a:srgbClr val="141414"/>
-                </a:solidFill>
-                <a:latin typeface="Tenorite (Body)"/>
-                <a:cs typeface="Arial" panose="020B0604020202020204" pitchFamily="34" charset="0"/>
-              </a:rPr>
-              <a:t>determina</a:t>
-            </a:r>
-            <a:r>
-              <a:rPr lang="en-US" sz="2200" dirty="0">
-                <a:solidFill>
-                  <a:srgbClr val="141414"/>
-                </a:solidFill>
-                <a:latin typeface="Tenorite (Body)"/>
-                <a:cs typeface="Arial" panose="020B0604020202020204" pitchFamily="34" charset="0"/>
-              </a:rPr>
-              <a:t> </a:t>
-            </a:r>
-            <a:r>
-              <a:rPr lang="en-US" sz="2200" dirty="0" err="1">
-                <a:solidFill>
-                  <a:srgbClr val="141414"/>
-                </a:solidFill>
-                <a:latin typeface="Tenorite (Body)"/>
-                <a:cs typeface="Arial" panose="020B0604020202020204" pitchFamily="34" charset="0"/>
-              </a:rPr>
-              <a:t>i</a:t>
-            </a:r>
-            <a:r>
-              <a:rPr lang="en-US" sz="2200" dirty="0">
-                <a:solidFill>
-                  <a:srgbClr val="141414"/>
-                </a:solidFill>
-                <a:latin typeface="Tenorite (Body)"/>
-                <a:cs typeface="Arial" panose="020B0604020202020204" pitchFamily="34" charset="0"/>
-              </a:rPr>
-              <a:t> </a:t>
-            </a:r>
-            <a:r>
-              <a:rPr lang="en-US" sz="2200" dirty="0" err="1">
-                <a:solidFill>
-                  <a:srgbClr val="141414"/>
-                </a:solidFill>
-                <a:latin typeface="Tenorite (Body)"/>
-                <a:cs typeface="Arial" panose="020B0604020202020204" pitchFamily="34" charset="0"/>
-              </a:rPr>
-              <a:t>possibili</a:t>
-            </a:r>
-            <a:r>
-              <a:rPr lang="en-US" sz="2200" dirty="0">
-                <a:solidFill>
-                  <a:srgbClr val="141414"/>
-                </a:solidFill>
-                <a:latin typeface="Tenorite (Body)"/>
-                <a:cs typeface="Arial" panose="020B0604020202020204" pitchFamily="34" charset="0"/>
-              </a:rPr>
-              <a:t> </a:t>
-            </a:r>
-            <a:r>
-              <a:rPr lang="en-US" sz="2200" dirty="0" err="1">
-                <a:solidFill>
-                  <a:srgbClr val="141414"/>
-                </a:solidFill>
-                <a:latin typeface="Tenorite (Body)"/>
-                <a:cs typeface="Arial" panose="020B0604020202020204" pitchFamily="34" charset="0"/>
-              </a:rPr>
-              <a:t>valori</a:t>
-            </a:r>
-            <a:r>
-              <a:rPr lang="en-US" sz="2200" dirty="0">
-                <a:solidFill>
-                  <a:srgbClr val="141414"/>
-                </a:solidFill>
-                <a:latin typeface="Tenorite (Body)"/>
-                <a:cs typeface="Arial" panose="020B0604020202020204" pitchFamily="34" charset="0"/>
-              </a:rPr>
-              <a:t> di input per </a:t>
-            </a:r>
-            <a:r>
-              <a:rPr lang="en-US" sz="2200" dirty="0" err="1">
-                <a:solidFill>
-                  <a:srgbClr val="141414"/>
-                </a:solidFill>
-                <a:latin typeface="Tenorite (Body)"/>
-                <a:cs typeface="Arial" panose="020B0604020202020204" pitchFamily="34" charset="0"/>
-              </a:rPr>
-              <a:t>ottenere</a:t>
-            </a:r>
-            <a:r>
-              <a:rPr lang="en-US" sz="2200" dirty="0">
-                <a:solidFill>
-                  <a:srgbClr val="141414"/>
-                </a:solidFill>
-                <a:latin typeface="Tenorite (Body)"/>
-                <a:cs typeface="Arial" panose="020B0604020202020204" pitchFamily="34" charset="0"/>
-              </a:rPr>
-              <a:t> tale </a:t>
-            </a:r>
-            <a:r>
-              <a:rPr lang="en-US" sz="2200" dirty="0" err="1">
-                <a:solidFill>
-                  <a:srgbClr val="141414"/>
-                </a:solidFill>
-                <a:latin typeface="Tenorite (Body)"/>
-                <a:cs typeface="Arial" panose="020B0604020202020204" pitchFamily="34" charset="0"/>
-              </a:rPr>
-              <a:t>risultato</a:t>
-            </a:r>
-            <a:endParaRPr lang="en-US" sz="2200" dirty="0">
-              <a:solidFill>
-                <a:srgbClr val="141414"/>
-              </a:solidFill>
-              <a:latin typeface="Tenorite (Body)"/>
-              <a:cs typeface="Arial" panose="020B0604020202020204" pitchFamily="34" charset="0"/>
-            </a:endParaRPr>
-          </a:p>
-          <a:p>
-            <a:pPr eaLnBrk="1" fontAlgn="auto" hangingPunct="1">
-              <a:spcBef>
-                <a:spcPts val="0"/>
-              </a:spcBef>
-              <a:spcAft>
-                <a:spcPts val="0"/>
-              </a:spcAft>
-              <a:defRPr/>
-            </a:pPr>
-            <a:endParaRPr lang="en-US" sz="2200" dirty="0">
-              <a:solidFill>
-                <a:srgbClr val="141414"/>
-              </a:solidFill>
-              <a:latin typeface="Tenorite (Body)"/>
-              <a:cs typeface="Arial" panose="020B0604020202020204" pitchFamily="34" charset="0"/>
-            </a:endParaRPr>
+              <a:rPr lang="en-US" sz="9600" b="1" dirty="0"/>
+              <a:t>6</a:t>
+            </a:r>
+            <a:endParaRPr lang="en-US" sz="5400" b="1" dirty="0"/>
           </a:p>
         </p:txBody>
       </p:sp>
@@ -24376,7 +25490,7 @@
 </p:sld>
 </file>
 
-<file path=ppt/slides/slide3.xml><?xml version="1.0" encoding="utf-8"?>
+<file path=ppt/slides/slide4.xml><?xml version="1.0" encoding="utf-8"?>
 <p:sld xmlns:a="http://schemas.openxmlformats.org/drawingml/2006/main" xmlns:r="http://schemas.openxmlformats.org/officeDocument/2006/relationships" xmlns:p="http://schemas.openxmlformats.org/presentationml/2006/main">
   <p:cSld>
     <p:spTree>
@@ -24652,7 +25766,7 @@
               <a:pPr>
                 <a:defRPr/>
               </a:pPr>
-              <a:t>3</a:t>
+              <a:t>4</a:t>
             </a:fld>
             <a:endParaRPr lang="en-US" dirty="0"/>
           </a:p>
@@ -24809,32 +25923,292 @@
           <a:p>
             <a:pPr eaLnBrk="1" hangingPunct="1"/>
             <a:r>
-              <a:rPr lang="en-US" altLang="en-US" sz="2200">
-                <a:solidFill>
-                  <a:srgbClr val="141414"/>
-                </a:solidFill>
-                <a:latin typeface="Tenorite (Body)"/>
-                <a:cs typeface="Arial" panose="020B0604020202020204" pitchFamily="34" charset="0"/>
-              </a:rPr>
-              <a:t>Supponiamo di avere una semplice tabella per la gestione dei </a:t>
+              <a:rPr lang="en-US" altLang="en-US" sz="2200" dirty="0" err="1">
+                <a:solidFill>
+                  <a:srgbClr val="141414"/>
+                </a:solidFill>
+                <a:latin typeface="Tenorite (Body)"/>
+                <a:cs typeface="Arial" panose="020B0604020202020204" pitchFamily="34" charset="0"/>
+              </a:rPr>
+              <a:t>Supponiamo</a:t>
+            </a:r>
+            <a:r>
+              <a:rPr lang="en-US" altLang="en-US" sz="2200" dirty="0">
+                <a:solidFill>
+                  <a:srgbClr val="141414"/>
+                </a:solidFill>
+                <a:latin typeface="Tenorite (Body)"/>
+                <a:cs typeface="Arial" panose="020B0604020202020204" pitchFamily="34" charset="0"/>
+              </a:rPr>
+              <a:t> di </a:t>
+            </a:r>
+            <a:r>
+              <a:rPr lang="en-US" altLang="en-US" sz="2200" dirty="0" err="1">
+                <a:solidFill>
+                  <a:srgbClr val="141414"/>
+                </a:solidFill>
+                <a:latin typeface="Tenorite (Body)"/>
+                <a:cs typeface="Arial" panose="020B0604020202020204" pitchFamily="34" charset="0"/>
+              </a:rPr>
+              <a:t>avere</a:t>
+            </a:r>
+            <a:r>
+              <a:rPr lang="en-US" altLang="en-US" sz="2200" dirty="0">
+                <a:solidFill>
+                  <a:srgbClr val="141414"/>
+                </a:solidFill>
+                <a:latin typeface="Tenorite (Body)"/>
+                <a:cs typeface="Arial" panose="020B0604020202020204" pitchFamily="34" charset="0"/>
+              </a:rPr>
+              <a:t> </a:t>
+            </a:r>
+            <a:r>
+              <a:rPr lang="en-US" altLang="en-US" sz="2200" dirty="0" err="1">
+                <a:solidFill>
+                  <a:srgbClr val="141414"/>
+                </a:solidFill>
+                <a:latin typeface="Tenorite (Body)"/>
+                <a:cs typeface="Arial" panose="020B0604020202020204" pitchFamily="34" charset="0"/>
+              </a:rPr>
+              <a:t>una</a:t>
+            </a:r>
+            <a:r>
+              <a:rPr lang="en-US" altLang="en-US" sz="2200" dirty="0">
+                <a:solidFill>
+                  <a:srgbClr val="141414"/>
+                </a:solidFill>
+                <a:latin typeface="Tenorite (Body)"/>
+                <a:cs typeface="Arial" panose="020B0604020202020204" pitchFamily="34" charset="0"/>
+              </a:rPr>
+              <a:t> semplice </a:t>
+            </a:r>
+            <a:r>
+              <a:rPr lang="en-US" altLang="en-US" sz="2200" dirty="0" err="1">
+                <a:solidFill>
+                  <a:srgbClr val="141414"/>
+                </a:solidFill>
+                <a:latin typeface="Tenorite (Body)"/>
+                <a:cs typeface="Arial" panose="020B0604020202020204" pitchFamily="34" charset="0"/>
+              </a:rPr>
+              <a:t>tabella</a:t>
+            </a:r>
+            <a:r>
+              <a:rPr lang="en-US" altLang="en-US" sz="2200" dirty="0">
+                <a:solidFill>
+                  <a:srgbClr val="141414"/>
+                </a:solidFill>
+                <a:latin typeface="Tenorite (Body)"/>
+                <a:cs typeface="Arial" panose="020B0604020202020204" pitchFamily="34" charset="0"/>
+              </a:rPr>
+              <a:t> per la </a:t>
+            </a:r>
+            <a:r>
+              <a:rPr lang="en-US" altLang="en-US" sz="2200" dirty="0" err="1">
+                <a:solidFill>
+                  <a:srgbClr val="141414"/>
+                </a:solidFill>
+                <a:latin typeface="Tenorite (Body)"/>
+                <a:cs typeface="Arial" panose="020B0604020202020204" pitchFamily="34" charset="0"/>
+              </a:rPr>
+              <a:t>gestione</a:t>
+            </a:r>
+            <a:r>
+              <a:rPr lang="en-US" altLang="en-US" sz="2200" dirty="0">
+                <a:solidFill>
+                  <a:srgbClr val="141414"/>
+                </a:solidFill>
+                <a:latin typeface="Tenorite (Body)"/>
+                <a:cs typeface="Arial" panose="020B0604020202020204" pitchFamily="34" charset="0"/>
+              </a:rPr>
+              <a:t> </a:t>
+            </a:r>
+            <a:r>
+              <a:rPr lang="en-US" altLang="en-US" sz="2200" dirty="0" err="1">
+                <a:solidFill>
+                  <a:srgbClr val="141414"/>
+                </a:solidFill>
+                <a:latin typeface="Tenorite (Body)"/>
+                <a:cs typeface="Arial" panose="020B0604020202020204" pitchFamily="34" charset="0"/>
+              </a:rPr>
+              <a:t>dei</a:t>
+            </a:r>
+            <a:r>
+              <a:rPr lang="en-US" altLang="en-US" sz="2200" dirty="0">
+                <a:solidFill>
+                  <a:srgbClr val="141414"/>
+                </a:solidFill>
+                <a:latin typeface="Tenorite (Body)"/>
+                <a:cs typeface="Arial" panose="020B0604020202020204" pitchFamily="34" charset="0"/>
+              </a:rPr>
+              <a:t> </a:t>
             </a:r>
           </a:p>
           <a:p>
             <a:pPr eaLnBrk="1" hangingPunct="1"/>
             <a:r>
-              <a:rPr lang="en-US" altLang="en-US" sz="2200">
-                <a:solidFill>
-                  <a:srgbClr val="141414"/>
-                </a:solidFill>
-                <a:latin typeface="Tenorite (Body)"/>
-                <a:cs typeface="Arial" panose="020B0604020202020204" pitchFamily="34" charset="0"/>
-              </a:rPr>
-              <a:t>ricavi lordi, le spese e i relativi guadagni di una azienda.</a:t>
+              <a:rPr lang="en-US" altLang="en-US" sz="2200" dirty="0" err="1">
+                <a:solidFill>
+                  <a:srgbClr val="141414"/>
+                </a:solidFill>
+                <a:latin typeface="Tenorite (Body)"/>
+                <a:cs typeface="Arial" panose="020B0604020202020204" pitchFamily="34" charset="0"/>
+              </a:rPr>
+              <a:t>ricavi</a:t>
+            </a:r>
+            <a:r>
+              <a:rPr lang="en-US" altLang="en-US" sz="2200" dirty="0">
+                <a:solidFill>
+                  <a:srgbClr val="141414"/>
+                </a:solidFill>
+                <a:latin typeface="Tenorite (Body)"/>
+                <a:cs typeface="Arial" panose="020B0604020202020204" pitchFamily="34" charset="0"/>
+              </a:rPr>
+              <a:t> </a:t>
+            </a:r>
+            <a:r>
+              <a:rPr lang="en-US" altLang="en-US" sz="2200" dirty="0" err="1">
+                <a:solidFill>
+                  <a:srgbClr val="141414"/>
+                </a:solidFill>
+                <a:latin typeface="Tenorite (Body)"/>
+                <a:cs typeface="Arial" panose="020B0604020202020204" pitchFamily="34" charset="0"/>
+              </a:rPr>
+              <a:t>lordi</a:t>
+            </a:r>
+            <a:r>
+              <a:rPr lang="en-US" altLang="en-US" sz="2200" dirty="0">
+                <a:solidFill>
+                  <a:srgbClr val="141414"/>
+                </a:solidFill>
+                <a:latin typeface="Tenorite (Body)"/>
+                <a:cs typeface="Arial" panose="020B0604020202020204" pitchFamily="34" charset="0"/>
+              </a:rPr>
+              <a:t>, le </a:t>
+            </a:r>
+            <a:r>
+              <a:rPr lang="en-US" altLang="en-US" sz="2200" dirty="0" err="1">
+                <a:solidFill>
+                  <a:srgbClr val="141414"/>
+                </a:solidFill>
+                <a:latin typeface="Tenorite (Body)"/>
+                <a:cs typeface="Arial" panose="020B0604020202020204" pitchFamily="34" charset="0"/>
+              </a:rPr>
+              <a:t>spese</a:t>
+            </a:r>
+            <a:r>
+              <a:rPr lang="en-US" altLang="en-US" sz="2200" dirty="0">
+                <a:solidFill>
+                  <a:srgbClr val="141414"/>
+                </a:solidFill>
+                <a:latin typeface="Tenorite (Body)"/>
+                <a:cs typeface="Arial" panose="020B0604020202020204" pitchFamily="34" charset="0"/>
+              </a:rPr>
+              <a:t> e </a:t>
+            </a:r>
+            <a:r>
+              <a:rPr lang="en-US" altLang="en-US" sz="2200" dirty="0" err="1">
+                <a:solidFill>
+                  <a:srgbClr val="141414"/>
+                </a:solidFill>
+                <a:latin typeface="Tenorite (Body)"/>
+                <a:cs typeface="Arial" panose="020B0604020202020204" pitchFamily="34" charset="0"/>
+              </a:rPr>
+              <a:t>i</a:t>
+            </a:r>
+            <a:r>
+              <a:rPr lang="en-US" altLang="en-US" sz="2200" dirty="0">
+                <a:solidFill>
+                  <a:srgbClr val="141414"/>
+                </a:solidFill>
+                <a:latin typeface="Tenorite (Body)"/>
+                <a:cs typeface="Arial" panose="020B0604020202020204" pitchFamily="34" charset="0"/>
+              </a:rPr>
+              <a:t> </a:t>
+            </a:r>
+            <a:r>
+              <a:rPr lang="en-US" altLang="en-US" sz="2200" dirty="0" err="1">
+                <a:solidFill>
+                  <a:srgbClr val="141414"/>
+                </a:solidFill>
+                <a:latin typeface="Tenorite (Body)"/>
+                <a:cs typeface="Arial" panose="020B0604020202020204" pitchFamily="34" charset="0"/>
+              </a:rPr>
+              <a:t>relativi</a:t>
+            </a:r>
+            <a:r>
+              <a:rPr lang="en-US" altLang="en-US" sz="2200" dirty="0">
+                <a:solidFill>
+                  <a:srgbClr val="141414"/>
+                </a:solidFill>
+                <a:latin typeface="Tenorite (Body)"/>
+                <a:cs typeface="Arial" panose="020B0604020202020204" pitchFamily="34" charset="0"/>
+              </a:rPr>
+              <a:t> </a:t>
+            </a:r>
+            <a:r>
+              <a:rPr lang="en-US" altLang="en-US" sz="2200" dirty="0" err="1">
+                <a:solidFill>
+                  <a:srgbClr val="141414"/>
+                </a:solidFill>
+                <a:latin typeface="Tenorite (Body)"/>
+                <a:cs typeface="Arial" panose="020B0604020202020204" pitchFamily="34" charset="0"/>
+              </a:rPr>
+              <a:t>guadagni</a:t>
+            </a:r>
+            <a:r>
+              <a:rPr lang="en-US" altLang="en-US" sz="2200" dirty="0">
+                <a:solidFill>
+                  <a:srgbClr val="141414"/>
+                </a:solidFill>
+                <a:latin typeface="Tenorite (Body)"/>
+                <a:cs typeface="Arial" panose="020B0604020202020204" pitchFamily="34" charset="0"/>
+              </a:rPr>
+              <a:t> di </a:t>
+            </a:r>
+            <a:r>
+              <a:rPr lang="en-US" altLang="en-US" sz="2200" dirty="0" err="1">
+                <a:solidFill>
+                  <a:srgbClr val="141414"/>
+                </a:solidFill>
+                <a:latin typeface="Tenorite (Body)"/>
+                <a:cs typeface="Arial" panose="020B0604020202020204" pitchFamily="34" charset="0"/>
+              </a:rPr>
+              <a:t>una</a:t>
+            </a:r>
+            <a:r>
+              <a:rPr lang="en-US" altLang="en-US" sz="2200" dirty="0">
+                <a:solidFill>
+                  <a:srgbClr val="141414"/>
+                </a:solidFill>
+                <a:latin typeface="Tenorite (Body)"/>
+                <a:cs typeface="Arial" panose="020B0604020202020204" pitchFamily="34" charset="0"/>
+              </a:rPr>
+              <a:t> </a:t>
+            </a:r>
+            <a:r>
+              <a:rPr lang="en-US" altLang="en-US" sz="2200" dirty="0" err="1">
+                <a:solidFill>
+                  <a:srgbClr val="141414"/>
+                </a:solidFill>
+                <a:latin typeface="Tenorite (Body)"/>
+                <a:cs typeface="Arial" panose="020B0604020202020204" pitchFamily="34" charset="0"/>
+              </a:rPr>
+              <a:t>azienda</a:t>
+            </a:r>
+            <a:r>
+              <a:rPr lang="en-US" altLang="en-US" sz="2200" dirty="0">
+                <a:solidFill>
+                  <a:srgbClr val="141414"/>
+                </a:solidFill>
+                <a:latin typeface="Tenorite (Body)"/>
+                <a:cs typeface="Arial" panose="020B0604020202020204" pitchFamily="34" charset="0"/>
+              </a:rPr>
+              <a:t>.</a:t>
             </a:r>
           </a:p>
           <a:p>
             <a:pPr eaLnBrk="1" hangingPunct="1"/>
-            <a:endParaRPr lang="en-US" altLang="en-US" sz="2200">
+            <a:endParaRPr lang="en-US" altLang="en-US" sz="2200" dirty="0">
               <a:solidFill>
                 <a:srgbClr val="141414"/>
               </a:solidFill>
@@ -24845,19 +26219,189 @@
           <a:p>
             <a:pPr eaLnBrk="1" hangingPunct="1"/>
             <a:r>
-              <a:rPr lang="en-US" altLang="en-US" sz="2200">
-                <a:solidFill>
-                  <a:srgbClr val="141414"/>
-                </a:solidFill>
-                <a:latin typeface="Tenorite (Body)"/>
-                <a:cs typeface="Arial" panose="020B0604020202020204" pitchFamily="34" charset="0"/>
-              </a:rPr>
-              <a:t>Questo semplice set di dati è già sufficiente per avere una idea di come funzioni la Gestione Scenari in Excel.</a:t>
+              <a:rPr lang="en-US" altLang="en-US" sz="2200" dirty="0" err="1">
+                <a:solidFill>
+                  <a:srgbClr val="141414"/>
+                </a:solidFill>
+                <a:latin typeface="Tenorite (Body)"/>
+                <a:cs typeface="Arial" panose="020B0604020202020204" pitchFamily="34" charset="0"/>
+              </a:rPr>
+              <a:t>Questo</a:t>
+            </a:r>
+            <a:r>
+              <a:rPr lang="en-US" altLang="en-US" sz="2200" dirty="0">
+                <a:solidFill>
+                  <a:srgbClr val="141414"/>
+                </a:solidFill>
+                <a:latin typeface="Tenorite (Body)"/>
+                <a:cs typeface="Arial" panose="020B0604020202020204" pitchFamily="34" charset="0"/>
+              </a:rPr>
+              <a:t> semplice set di </a:t>
+            </a:r>
+            <a:r>
+              <a:rPr lang="en-US" altLang="en-US" sz="2200" dirty="0" err="1">
+                <a:solidFill>
+                  <a:srgbClr val="141414"/>
+                </a:solidFill>
+                <a:latin typeface="Tenorite (Body)"/>
+                <a:cs typeface="Arial" panose="020B0604020202020204" pitchFamily="34" charset="0"/>
+              </a:rPr>
+              <a:t>dati</a:t>
+            </a:r>
+            <a:r>
+              <a:rPr lang="en-US" altLang="en-US" sz="2200" dirty="0">
+                <a:solidFill>
+                  <a:srgbClr val="141414"/>
+                </a:solidFill>
+                <a:latin typeface="Tenorite (Body)"/>
+                <a:cs typeface="Arial" panose="020B0604020202020204" pitchFamily="34" charset="0"/>
+              </a:rPr>
+              <a:t> è </a:t>
+            </a:r>
+            <a:r>
+              <a:rPr lang="en-US" altLang="en-US" sz="2200" dirty="0" err="1">
+                <a:solidFill>
+                  <a:srgbClr val="141414"/>
+                </a:solidFill>
+                <a:latin typeface="Tenorite (Body)"/>
+                <a:cs typeface="Arial" panose="020B0604020202020204" pitchFamily="34" charset="0"/>
+              </a:rPr>
+              <a:t>già</a:t>
+            </a:r>
+            <a:r>
+              <a:rPr lang="en-US" altLang="en-US" sz="2200" dirty="0">
+                <a:solidFill>
+                  <a:srgbClr val="141414"/>
+                </a:solidFill>
+                <a:latin typeface="Tenorite (Body)"/>
+                <a:cs typeface="Arial" panose="020B0604020202020204" pitchFamily="34" charset="0"/>
+              </a:rPr>
+              <a:t> </a:t>
+            </a:r>
+            <a:r>
+              <a:rPr lang="en-US" altLang="en-US" sz="2200" dirty="0" err="1">
+                <a:solidFill>
+                  <a:srgbClr val="141414"/>
+                </a:solidFill>
+                <a:latin typeface="Tenorite (Body)"/>
+                <a:cs typeface="Arial" panose="020B0604020202020204" pitchFamily="34" charset="0"/>
+              </a:rPr>
+              <a:t>sufficiente</a:t>
+            </a:r>
+            <a:r>
+              <a:rPr lang="en-US" altLang="en-US" sz="2200" dirty="0">
+                <a:solidFill>
+                  <a:srgbClr val="141414"/>
+                </a:solidFill>
+                <a:latin typeface="Tenorite (Body)"/>
+                <a:cs typeface="Arial" panose="020B0604020202020204" pitchFamily="34" charset="0"/>
+              </a:rPr>
+              <a:t> per </a:t>
+            </a:r>
+            <a:r>
+              <a:rPr lang="en-US" altLang="en-US" sz="2200" dirty="0" err="1">
+                <a:solidFill>
+                  <a:srgbClr val="141414"/>
+                </a:solidFill>
+                <a:latin typeface="Tenorite (Body)"/>
+                <a:cs typeface="Arial" panose="020B0604020202020204" pitchFamily="34" charset="0"/>
+              </a:rPr>
+              <a:t>avere</a:t>
+            </a:r>
+            <a:r>
+              <a:rPr lang="en-US" altLang="en-US" sz="2200" dirty="0">
+                <a:solidFill>
+                  <a:srgbClr val="141414"/>
+                </a:solidFill>
+                <a:latin typeface="Tenorite (Body)"/>
+                <a:cs typeface="Arial" panose="020B0604020202020204" pitchFamily="34" charset="0"/>
+              </a:rPr>
+              <a:t> </a:t>
+            </a:r>
+            <a:r>
+              <a:rPr lang="en-US" altLang="en-US" sz="2200" dirty="0" err="1">
+                <a:solidFill>
+                  <a:srgbClr val="141414"/>
+                </a:solidFill>
+                <a:latin typeface="Tenorite (Body)"/>
+                <a:cs typeface="Arial" panose="020B0604020202020204" pitchFamily="34" charset="0"/>
+              </a:rPr>
+              <a:t>una</a:t>
+            </a:r>
+            <a:r>
+              <a:rPr lang="en-US" altLang="en-US" sz="2200" dirty="0">
+                <a:solidFill>
+                  <a:srgbClr val="141414"/>
+                </a:solidFill>
+                <a:latin typeface="Tenorite (Body)"/>
+                <a:cs typeface="Arial" panose="020B0604020202020204" pitchFamily="34" charset="0"/>
+              </a:rPr>
+              <a:t> idea di come </a:t>
+            </a:r>
+            <a:r>
+              <a:rPr lang="en-US" altLang="en-US" sz="2200" dirty="0" err="1">
+                <a:solidFill>
+                  <a:srgbClr val="141414"/>
+                </a:solidFill>
+                <a:latin typeface="Tenorite (Body)"/>
+                <a:cs typeface="Arial" panose="020B0604020202020204" pitchFamily="34" charset="0"/>
+              </a:rPr>
+              <a:t>funzioni</a:t>
+            </a:r>
+            <a:r>
+              <a:rPr lang="en-US" altLang="en-US" sz="2200" dirty="0">
+                <a:solidFill>
+                  <a:srgbClr val="141414"/>
+                </a:solidFill>
+                <a:latin typeface="Tenorite (Body)"/>
+                <a:cs typeface="Arial" panose="020B0604020202020204" pitchFamily="34" charset="0"/>
+              </a:rPr>
+              <a:t> la </a:t>
+            </a:r>
+            <a:r>
+              <a:rPr lang="en-US" altLang="en-US" sz="2200" dirty="0" err="1">
+                <a:solidFill>
+                  <a:srgbClr val="141414"/>
+                </a:solidFill>
+                <a:latin typeface="Tenorite (Body)"/>
+                <a:cs typeface="Arial" panose="020B0604020202020204" pitchFamily="34" charset="0"/>
+              </a:rPr>
+              <a:t>Gestione</a:t>
+            </a:r>
+            <a:r>
+              <a:rPr lang="en-US" altLang="en-US" sz="2200" dirty="0">
+                <a:solidFill>
+                  <a:srgbClr val="141414"/>
+                </a:solidFill>
+                <a:latin typeface="Tenorite (Body)"/>
+                <a:cs typeface="Arial" panose="020B0604020202020204" pitchFamily="34" charset="0"/>
+              </a:rPr>
+              <a:t> </a:t>
+            </a:r>
+            <a:r>
+              <a:rPr lang="en-US" altLang="en-US" sz="2200" dirty="0" err="1">
+                <a:solidFill>
+                  <a:srgbClr val="141414"/>
+                </a:solidFill>
+                <a:latin typeface="Tenorite (Body)"/>
+                <a:cs typeface="Arial" panose="020B0604020202020204" pitchFamily="34" charset="0"/>
+              </a:rPr>
+              <a:t>Scenari</a:t>
+            </a:r>
+            <a:r>
+              <a:rPr lang="en-US" altLang="en-US" sz="2200" dirty="0">
+                <a:solidFill>
+                  <a:srgbClr val="141414"/>
+                </a:solidFill>
+                <a:latin typeface="Tenorite (Body)"/>
+                <a:cs typeface="Arial" panose="020B0604020202020204" pitchFamily="34" charset="0"/>
+              </a:rPr>
+              <a:t> in Excel.</a:t>
             </a:r>
           </a:p>
           <a:p>
             <a:pPr eaLnBrk="1" hangingPunct="1"/>
-            <a:endParaRPr lang="en-US" altLang="en-US" sz="2200">
+            <a:endParaRPr lang="en-US" altLang="en-US" sz="2200" dirty="0">
               <a:solidFill>
                 <a:srgbClr val="141414"/>
               </a:solidFill>
@@ -24868,20 +26412,100 @@
           <a:p>
             <a:pPr eaLnBrk="1" hangingPunct="1"/>
             <a:r>
-              <a:rPr lang="en-US" altLang="en-US" sz="2200">
-                <a:solidFill>
-                  <a:srgbClr val="141414"/>
-                </a:solidFill>
-                <a:latin typeface="Tenorite (Body)"/>
-                <a:cs typeface="Arial" panose="020B0604020202020204" pitchFamily="34" charset="0"/>
-              </a:rPr>
-              <a:t>Per creare uno scenario, si attiva la scheda del menu Data e poi:</a:t>
+              <a:rPr lang="en-US" altLang="en-US" sz="2200" dirty="0">
+                <a:solidFill>
+                  <a:srgbClr val="141414"/>
+                </a:solidFill>
+                <a:latin typeface="Tenorite (Body)"/>
+                <a:cs typeface="Arial" panose="020B0604020202020204" pitchFamily="34" charset="0"/>
+              </a:rPr>
+              <a:t>Per </a:t>
+            </a:r>
+            <a:r>
+              <a:rPr lang="en-US" altLang="en-US" sz="2200" dirty="0" err="1">
+                <a:solidFill>
+                  <a:srgbClr val="141414"/>
+                </a:solidFill>
+                <a:latin typeface="Tenorite (Body)"/>
+                <a:cs typeface="Arial" panose="020B0604020202020204" pitchFamily="34" charset="0"/>
+              </a:rPr>
+              <a:t>creare</a:t>
+            </a:r>
+            <a:r>
+              <a:rPr lang="en-US" altLang="en-US" sz="2200" dirty="0">
+                <a:solidFill>
+                  <a:srgbClr val="141414"/>
+                </a:solidFill>
+                <a:latin typeface="Tenorite (Body)"/>
+                <a:cs typeface="Arial" panose="020B0604020202020204" pitchFamily="34" charset="0"/>
+              </a:rPr>
+              <a:t> uno scenario, </a:t>
+            </a:r>
+            <a:r>
+              <a:rPr lang="en-US" altLang="en-US" sz="2200" dirty="0" err="1">
+                <a:solidFill>
+                  <a:srgbClr val="141414"/>
+                </a:solidFill>
+                <a:latin typeface="Tenorite (Body)"/>
+                <a:cs typeface="Arial" panose="020B0604020202020204" pitchFamily="34" charset="0"/>
+              </a:rPr>
+              <a:t>si</a:t>
+            </a:r>
+            <a:r>
+              <a:rPr lang="en-US" altLang="en-US" sz="2200" dirty="0">
+                <a:solidFill>
+                  <a:srgbClr val="141414"/>
+                </a:solidFill>
+                <a:latin typeface="Tenorite (Body)"/>
+                <a:cs typeface="Arial" panose="020B0604020202020204" pitchFamily="34" charset="0"/>
+              </a:rPr>
+              <a:t> </a:t>
+            </a:r>
+            <a:r>
+              <a:rPr lang="en-US" altLang="en-US" sz="2200" dirty="0" err="1">
+                <a:solidFill>
+                  <a:srgbClr val="141414"/>
+                </a:solidFill>
+                <a:latin typeface="Tenorite (Body)"/>
+                <a:cs typeface="Arial" panose="020B0604020202020204" pitchFamily="34" charset="0"/>
+              </a:rPr>
+              <a:t>attiva</a:t>
+            </a:r>
+            <a:r>
+              <a:rPr lang="en-US" altLang="en-US" sz="2200" dirty="0">
+                <a:solidFill>
+                  <a:srgbClr val="141414"/>
+                </a:solidFill>
+                <a:latin typeface="Tenorite (Body)"/>
+                <a:cs typeface="Arial" panose="020B0604020202020204" pitchFamily="34" charset="0"/>
+              </a:rPr>
+              <a:t> la </a:t>
+            </a:r>
+            <a:r>
+              <a:rPr lang="en-US" altLang="en-US" sz="2200" dirty="0" err="1">
+                <a:solidFill>
+                  <a:srgbClr val="141414"/>
+                </a:solidFill>
+                <a:latin typeface="Tenorite (Body)"/>
+                <a:cs typeface="Arial" panose="020B0604020202020204" pitchFamily="34" charset="0"/>
+              </a:rPr>
+              <a:t>scheda</a:t>
+            </a:r>
+            <a:r>
+              <a:rPr lang="en-US" altLang="en-US" sz="2200" dirty="0">
+                <a:solidFill>
+                  <a:srgbClr val="141414"/>
+                </a:solidFill>
+                <a:latin typeface="Tenorite (Body)"/>
+                <a:cs typeface="Arial" panose="020B0604020202020204" pitchFamily="34" charset="0"/>
+              </a:rPr>
+              <a:t> del menu Data e poi:</a:t>
             </a:r>
           </a:p>
           <a:p>
             <a:pPr eaLnBrk="1" hangingPunct="1"/>
             <a:r>
-              <a:rPr lang="en-US" altLang="en-US" sz="2200" b="1">
+              <a:rPr lang="en-US" altLang="en-US" sz="2200" b="1" dirty="0">
                 <a:solidFill>
                   <a:srgbClr val="141414"/>
                 </a:solidFill>
@@ -24893,7 +26517,7 @@
           </a:p>
           <a:p>
             <a:pPr eaLnBrk="1" hangingPunct="1"/>
-            <a:endParaRPr lang="en-US" altLang="en-US" sz="2200" b="1">
+            <a:endParaRPr lang="en-US" altLang="en-US" sz="2200" b="1" dirty="0">
               <a:solidFill>
                 <a:srgbClr val="141414"/>
               </a:solidFill>
@@ -24904,17 +26528,97 @@
           <a:p>
             <a:pPr eaLnBrk="1" hangingPunct="1"/>
             <a:r>
-              <a:rPr lang="en-US" altLang="en-US" sz="2200">
-                <a:solidFill>
-                  <a:srgbClr val="141414"/>
-                </a:solidFill>
-                <a:latin typeface="Tenorite (Body)"/>
-                <a:cs typeface="Arial" panose="020B0604020202020204" pitchFamily="34" charset="0"/>
-              </a:rPr>
-              <a:t>Si crea un primo Scenario (peggiore) tramite il pulsante </a:t>
-            </a:r>
-            <a:r>
-              <a:rPr lang="en-US" altLang="en-US" sz="2200" b="1">
+              <a:rPr lang="en-US" altLang="en-US" sz="2200" dirty="0">
+                <a:solidFill>
+                  <a:srgbClr val="141414"/>
+                </a:solidFill>
+                <a:latin typeface="Tenorite (Body)"/>
+                <a:cs typeface="Arial" panose="020B0604020202020204" pitchFamily="34" charset="0"/>
+              </a:rPr>
+              <a:t>Si </a:t>
+            </a:r>
+            <a:r>
+              <a:rPr lang="en-US" altLang="en-US" sz="2200" dirty="0" err="1">
+                <a:solidFill>
+                  <a:srgbClr val="141414"/>
+                </a:solidFill>
+                <a:latin typeface="Tenorite (Body)"/>
+                <a:cs typeface="Arial" panose="020B0604020202020204" pitchFamily="34" charset="0"/>
+              </a:rPr>
+              <a:t>crea</a:t>
+            </a:r>
+            <a:r>
+              <a:rPr lang="en-US" altLang="en-US" sz="2200" dirty="0">
+                <a:solidFill>
+                  <a:srgbClr val="141414"/>
+                </a:solidFill>
+                <a:latin typeface="Tenorite (Body)"/>
+                <a:cs typeface="Arial" panose="020B0604020202020204" pitchFamily="34" charset="0"/>
+              </a:rPr>
+              <a:t> un primo Scenario (</a:t>
+            </a:r>
+            <a:r>
+              <a:rPr lang="en-US" altLang="en-US" sz="2200" dirty="0" err="1">
+                <a:solidFill>
+                  <a:srgbClr val="141414"/>
+                </a:solidFill>
+                <a:latin typeface="Tenorite (Body)"/>
+                <a:cs typeface="Arial" panose="020B0604020202020204" pitchFamily="34" charset="0"/>
+              </a:rPr>
+              <a:t>peggiore</a:t>
+            </a:r>
+            <a:r>
+              <a:rPr lang="en-US" altLang="en-US" sz="2200" dirty="0">
+                <a:solidFill>
+                  <a:srgbClr val="141414"/>
+                </a:solidFill>
+                <a:latin typeface="Tenorite (Body)"/>
+                <a:cs typeface="Arial" panose="020B0604020202020204" pitchFamily="34" charset="0"/>
+              </a:rPr>
+              <a:t>) </a:t>
+            </a:r>
+            <a:r>
+              <a:rPr lang="en-US" altLang="en-US" sz="2200" dirty="0" err="1">
+                <a:solidFill>
+                  <a:srgbClr val="141414"/>
+                </a:solidFill>
+                <a:latin typeface="Tenorite (Body)"/>
+                <a:cs typeface="Arial" panose="020B0604020202020204" pitchFamily="34" charset="0"/>
+              </a:rPr>
+              <a:t>tramite</a:t>
+            </a:r>
+            <a:r>
+              <a:rPr lang="en-US" altLang="en-US" sz="2200" dirty="0">
+                <a:solidFill>
+                  <a:srgbClr val="141414"/>
+                </a:solidFill>
+                <a:latin typeface="Tenorite (Body)"/>
+                <a:cs typeface="Arial" panose="020B0604020202020204" pitchFamily="34" charset="0"/>
+              </a:rPr>
+              <a:t> il </a:t>
+            </a:r>
+            <a:r>
+              <a:rPr lang="en-US" altLang="en-US" sz="2200" dirty="0" err="1">
+                <a:solidFill>
+                  <a:srgbClr val="141414"/>
+                </a:solidFill>
+                <a:latin typeface="Tenorite (Body)"/>
+                <a:cs typeface="Arial" panose="020B0604020202020204" pitchFamily="34" charset="0"/>
+              </a:rPr>
+              <a:t>pulsante</a:t>
+            </a:r>
+            <a:r>
+              <a:rPr lang="en-US" altLang="en-US" sz="2200" dirty="0">
+                <a:solidFill>
+                  <a:srgbClr val="141414"/>
+                </a:solidFill>
+                <a:latin typeface="Tenorite (Body)"/>
+                <a:cs typeface="Arial" panose="020B0604020202020204" pitchFamily="34" charset="0"/>
+              </a:rPr>
+              <a:t> </a:t>
+            </a:r>
+            <a:r>
+              <a:rPr lang="en-US" altLang="en-US" sz="2200" b="1" dirty="0">
                 <a:solidFill>
                   <a:srgbClr val="141414"/>
                 </a:solidFill>
@@ -24926,7 +26630,7 @@
           </a:p>
           <a:p>
             <a:pPr eaLnBrk="1" hangingPunct="1"/>
-            <a:endParaRPr lang="en-US" altLang="en-US" sz="2200" b="1">
+            <a:endParaRPr lang="en-US" altLang="en-US" sz="2200" b="1" dirty="0">
               <a:solidFill>
                 <a:srgbClr val="141414"/>
               </a:solidFill>
@@ -24937,19 +26641,119 @@
           <a:p>
             <a:pPr eaLnBrk="1" hangingPunct="1"/>
             <a:r>
-              <a:rPr lang="en-US" altLang="en-US" sz="2200">
-                <a:solidFill>
-                  <a:srgbClr val="141414"/>
-                </a:solidFill>
-                <a:latin typeface="Tenorite (Body)"/>
-                <a:cs typeface="Arial" panose="020B0604020202020204" pitchFamily="34" charset="0"/>
-              </a:rPr>
-              <a:t>Si assegnano i valori, e si preme OK</a:t>
+              <a:rPr lang="en-US" altLang="en-US" sz="2200" dirty="0">
+                <a:solidFill>
+                  <a:srgbClr val="141414"/>
+                </a:solidFill>
+                <a:latin typeface="Tenorite (Body)"/>
+                <a:cs typeface="Arial" panose="020B0604020202020204" pitchFamily="34" charset="0"/>
+              </a:rPr>
+              <a:t>Si </a:t>
+            </a:r>
+            <a:r>
+              <a:rPr lang="en-US" altLang="en-US" sz="2200" dirty="0" err="1">
+                <a:solidFill>
+                  <a:srgbClr val="141414"/>
+                </a:solidFill>
+                <a:latin typeface="Tenorite (Body)"/>
+                <a:cs typeface="Arial" panose="020B0604020202020204" pitchFamily="34" charset="0"/>
+              </a:rPr>
+              <a:t>assegnano</a:t>
+            </a:r>
+            <a:r>
+              <a:rPr lang="en-US" altLang="en-US" sz="2200" dirty="0">
+                <a:solidFill>
+                  <a:srgbClr val="141414"/>
+                </a:solidFill>
+                <a:latin typeface="Tenorite (Body)"/>
+                <a:cs typeface="Arial" panose="020B0604020202020204" pitchFamily="34" charset="0"/>
+              </a:rPr>
+              <a:t> </a:t>
+            </a:r>
+            <a:r>
+              <a:rPr lang="en-US" altLang="en-US" sz="2200" dirty="0" err="1">
+                <a:solidFill>
+                  <a:srgbClr val="141414"/>
+                </a:solidFill>
+                <a:latin typeface="Tenorite (Body)"/>
+                <a:cs typeface="Arial" panose="020B0604020202020204" pitchFamily="34" charset="0"/>
+              </a:rPr>
+              <a:t>i</a:t>
+            </a:r>
+            <a:r>
+              <a:rPr lang="en-US" altLang="en-US" sz="2200" dirty="0">
+                <a:solidFill>
+                  <a:srgbClr val="141414"/>
+                </a:solidFill>
+                <a:latin typeface="Tenorite (Body)"/>
+                <a:cs typeface="Arial" panose="020B0604020202020204" pitchFamily="34" charset="0"/>
+              </a:rPr>
+              <a:t> </a:t>
+            </a:r>
+            <a:r>
+              <a:rPr lang="en-US" altLang="en-US" sz="2200" dirty="0" err="1">
+                <a:solidFill>
+                  <a:srgbClr val="141414"/>
+                </a:solidFill>
+                <a:latin typeface="Tenorite (Body)"/>
+                <a:cs typeface="Arial" panose="020B0604020202020204" pitchFamily="34" charset="0"/>
+              </a:rPr>
+              <a:t>valori</a:t>
+            </a:r>
+            <a:r>
+              <a:rPr lang="en-US" altLang="en-US" sz="2200" dirty="0">
+                <a:solidFill>
+                  <a:srgbClr val="141414"/>
+                </a:solidFill>
+                <a:latin typeface="Tenorite (Body)"/>
+                <a:cs typeface="Arial" panose="020B0604020202020204" pitchFamily="34" charset="0"/>
+              </a:rPr>
+              <a:t>, e </a:t>
+            </a:r>
+            <a:r>
+              <a:rPr lang="en-US" altLang="en-US" sz="2200" dirty="0" err="1">
+                <a:solidFill>
+                  <a:srgbClr val="141414"/>
+                </a:solidFill>
+                <a:latin typeface="Tenorite (Body)"/>
+                <a:cs typeface="Arial" panose="020B0604020202020204" pitchFamily="34" charset="0"/>
+              </a:rPr>
+              <a:t>si</a:t>
+            </a:r>
+            <a:r>
+              <a:rPr lang="en-US" altLang="en-US" sz="2200" dirty="0">
+                <a:solidFill>
+                  <a:srgbClr val="141414"/>
+                </a:solidFill>
+                <a:latin typeface="Tenorite (Body)"/>
+                <a:cs typeface="Arial" panose="020B0604020202020204" pitchFamily="34" charset="0"/>
+              </a:rPr>
+              <a:t> </a:t>
+            </a:r>
+            <a:r>
+              <a:rPr lang="en-US" altLang="en-US" sz="2200" dirty="0" err="1">
+                <a:solidFill>
+                  <a:srgbClr val="141414"/>
+                </a:solidFill>
+                <a:latin typeface="Tenorite (Body)"/>
+                <a:cs typeface="Arial" panose="020B0604020202020204" pitchFamily="34" charset="0"/>
+              </a:rPr>
+              <a:t>preme</a:t>
+            </a:r>
+            <a:r>
+              <a:rPr lang="en-US" altLang="en-US" sz="2200" dirty="0">
+                <a:solidFill>
+                  <a:srgbClr val="141414"/>
+                </a:solidFill>
+                <a:latin typeface="Tenorite (Body)"/>
+                <a:cs typeface="Arial" panose="020B0604020202020204" pitchFamily="34" charset="0"/>
+              </a:rPr>
+              <a:t> OK</a:t>
             </a:r>
           </a:p>
           <a:p>
             <a:pPr eaLnBrk="1" hangingPunct="1"/>
-            <a:endParaRPr lang="en-US" altLang="en-US" sz="2200">
+            <a:endParaRPr lang="en-US" altLang="en-US" sz="2200" dirty="0">
               <a:solidFill>
                 <a:srgbClr val="141414"/>
               </a:solidFill>
@@ -24960,32 +26764,142 @@
           <a:p>
             <a:pPr eaLnBrk="1" hangingPunct="1"/>
             <a:r>
-              <a:rPr lang="en-US" altLang="en-US" sz="2200">
-                <a:solidFill>
-                  <a:srgbClr val="141414"/>
-                </a:solidFill>
-                <a:latin typeface="Tenorite (Body)"/>
-                <a:cs typeface="Arial" panose="020B0604020202020204" pitchFamily="34" charset="0"/>
-              </a:rPr>
-              <a:t>Si ripete la procedura creandone un secondo Scenario, </a:t>
+              <a:rPr lang="en-US" altLang="en-US" sz="2200" dirty="0">
+                <a:solidFill>
+                  <a:srgbClr val="141414"/>
+                </a:solidFill>
+                <a:latin typeface="Tenorite (Body)"/>
+                <a:cs typeface="Arial" panose="020B0604020202020204" pitchFamily="34" charset="0"/>
+              </a:rPr>
+              <a:t>Si </a:t>
+            </a:r>
+            <a:r>
+              <a:rPr lang="en-US" altLang="en-US" sz="2200" dirty="0" err="1">
+                <a:solidFill>
+                  <a:srgbClr val="141414"/>
+                </a:solidFill>
+                <a:latin typeface="Tenorite (Body)"/>
+                <a:cs typeface="Arial" panose="020B0604020202020204" pitchFamily="34" charset="0"/>
+              </a:rPr>
+              <a:t>ripete</a:t>
+            </a:r>
+            <a:r>
+              <a:rPr lang="en-US" altLang="en-US" sz="2200" dirty="0">
+                <a:solidFill>
+                  <a:srgbClr val="141414"/>
+                </a:solidFill>
+                <a:latin typeface="Tenorite (Body)"/>
+                <a:cs typeface="Arial" panose="020B0604020202020204" pitchFamily="34" charset="0"/>
+              </a:rPr>
+              <a:t> la </a:t>
+            </a:r>
+            <a:r>
+              <a:rPr lang="en-US" altLang="en-US" sz="2200" dirty="0" err="1">
+                <a:solidFill>
+                  <a:srgbClr val="141414"/>
+                </a:solidFill>
+                <a:latin typeface="Tenorite (Body)"/>
+                <a:cs typeface="Arial" panose="020B0604020202020204" pitchFamily="34" charset="0"/>
+              </a:rPr>
+              <a:t>procedura</a:t>
+            </a:r>
+            <a:r>
+              <a:rPr lang="en-US" altLang="en-US" sz="2200" dirty="0">
+                <a:solidFill>
+                  <a:srgbClr val="141414"/>
+                </a:solidFill>
+                <a:latin typeface="Tenorite (Body)"/>
+                <a:cs typeface="Arial" panose="020B0604020202020204" pitchFamily="34" charset="0"/>
+              </a:rPr>
+              <a:t> </a:t>
+            </a:r>
+            <a:r>
+              <a:rPr lang="en-US" altLang="en-US" sz="2200" dirty="0" err="1">
+                <a:solidFill>
+                  <a:srgbClr val="141414"/>
+                </a:solidFill>
+                <a:latin typeface="Tenorite (Body)"/>
+                <a:cs typeface="Arial" panose="020B0604020202020204" pitchFamily="34" charset="0"/>
+              </a:rPr>
+              <a:t>creandone</a:t>
+            </a:r>
+            <a:r>
+              <a:rPr lang="en-US" altLang="en-US" sz="2200" dirty="0">
+                <a:solidFill>
+                  <a:srgbClr val="141414"/>
+                </a:solidFill>
+                <a:latin typeface="Tenorite (Body)"/>
+                <a:cs typeface="Arial" panose="020B0604020202020204" pitchFamily="34" charset="0"/>
+              </a:rPr>
+              <a:t> un secondo Scenario, </a:t>
             </a:r>
           </a:p>
           <a:p>
             <a:pPr eaLnBrk="1" hangingPunct="1"/>
             <a:r>
-              <a:rPr lang="en-US" altLang="en-US" sz="2200">
-                <a:solidFill>
-                  <a:srgbClr val="141414"/>
-                </a:solidFill>
-                <a:latin typeface="Tenorite (Body)"/>
-                <a:cs typeface="Arial" panose="020B0604020202020204" pitchFamily="34" charset="0"/>
-              </a:rPr>
-              <a:t>questa volta Migliore, con valori 60000 e 20000</a:t>
+              <a:rPr lang="en-US" altLang="en-US" sz="2200" dirty="0" err="1">
+                <a:solidFill>
+                  <a:srgbClr val="141414"/>
+                </a:solidFill>
+                <a:latin typeface="Tenorite (Body)"/>
+                <a:cs typeface="Arial" panose="020B0604020202020204" pitchFamily="34" charset="0"/>
+              </a:rPr>
+              <a:t>questa</a:t>
+            </a:r>
+            <a:r>
+              <a:rPr lang="en-US" altLang="en-US" sz="2200" dirty="0">
+                <a:solidFill>
+                  <a:srgbClr val="141414"/>
+                </a:solidFill>
+                <a:latin typeface="Tenorite (Body)"/>
+                <a:cs typeface="Arial" panose="020B0604020202020204" pitchFamily="34" charset="0"/>
+              </a:rPr>
+              <a:t> volta </a:t>
+            </a:r>
+            <a:r>
+              <a:rPr lang="en-US" altLang="en-US" sz="2200" dirty="0" err="1">
+                <a:solidFill>
+                  <a:srgbClr val="141414"/>
+                </a:solidFill>
+                <a:latin typeface="Tenorite (Body)"/>
+                <a:cs typeface="Arial" panose="020B0604020202020204" pitchFamily="34" charset="0"/>
+              </a:rPr>
+              <a:t>Migliore</a:t>
+            </a:r>
+            <a:r>
+              <a:rPr lang="en-US" altLang="en-US" sz="2200" dirty="0">
+                <a:solidFill>
+                  <a:srgbClr val="141414"/>
+                </a:solidFill>
+                <a:latin typeface="Tenorite (Body)"/>
+                <a:cs typeface="Arial" panose="020B0604020202020204" pitchFamily="34" charset="0"/>
+              </a:rPr>
+              <a:t>, con </a:t>
+            </a:r>
+            <a:r>
+              <a:rPr lang="en-US" altLang="en-US" sz="2200" dirty="0" err="1">
+                <a:solidFill>
+                  <a:srgbClr val="141414"/>
+                </a:solidFill>
+                <a:latin typeface="Tenorite (Body)"/>
+                <a:cs typeface="Arial" panose="020B0604020202020204" pitchFamily="34" charset="0"/>
+              </a:rPr>
+              <a:t>valori</a:t>
+            </a:r>
+            <a:r>
+              <a:rPr lang="en-US" altLang="en-US" sz="2200" dirty="0">
+                <a:solidFill>
+                  <a:srgbClr val="141414"/>
+                </a:solidFill>
+                <a:latin typeface="Tenorite (Body)"/>
+                <a:cs typeface="Arial" panose="020B0604020202020204" pitchFamily="34" charset="0"/>
+              </a:rPr>
+              <a:t> 60000 e 20000</a:t>
             </a:r>
           </a:p>
           <a:p>
             <a:pPr eaLnBrk="1" hangingPunct="1"/>
-            <a:endParaRPr lang="en-US" altLang="en-US" sz="2200">
+            <a:endParaRPr lang="en-US" altLang="en-US" sz="2200" dirty="0">
               <a:solidFill>
                 <a:srgbClr val="141414"/>
               </a:solidFill>
@@ -25183,7 +27097,7 @@
 </p:sld>
 </file>
 
-<file path=ppt/slides/slide4.xml><?xml version="1.0" encoding="utf-8"?>
+<file path=ppt/slides/slide5.xml><?xml version="1.0" encoding="utf-8"?>
 <p:sld xmlns:a="http://schemas.openxmlformats.org/drawingml/2006/main" xmlns:r="http://schemas.openxmlformats.org/officeDocument/2006/relationships" xmlns:p="http://schemas.openxmlformats.org/presentationml/2006/main">
   <p:cSld>
     <p:spTree>
@@ -25459,7 +27373,7 @@
               <a:pPr>
                 <a:defRPr/>
               </a:pPr>
-              <a:t>4</a:t>
+              <a:t>5</a:t>
             </a:fld>
             <a:endParaRPr lang="en-US" dirty="0"/>
           </a:p>
@@ -25676,17 +27590,187 @@
           <a:p>
             <a:pPr eaLnBrk="1" hangingPunct="1"/>
             <a:r>
-              <a:rPr lang="en-US" altLang="en-US" sz="2200">
-                <a:solidFill>
-                  <a:srgbClr val="141414"/>
-                </a:solidFill>
-                <a:latin typeface="Tenorite (Body)"/>
-                <a:cs typeface="Arial" panose="020B0604020202020204" pitchFamily="34" charset="0"/>
-              </a:rPr>
-              <a:t>Tramite lo Scenario Manager, si possono selezionare gli scenari creati e tramite il bottone </a:t>
-            </a:r>
-            <a:r>
-              <a:rPr lang="en-US" altLang="en-US" sz="2200" b="1">
+              <a:rPr lang="en-US" altLang="en-US" sz="2200" dirty="0" err="1">
+                <a:solidFill>
+                  <a:srgbClr val="141414"/>
+                </a:solidFill>
+                <a:latin typeface="Tenorite (Body)"/>
+                <a:cs typeface="Arial" panose="020B0604020202020204" pitchFamily="34" charset="0"/>
+              </a:rPr>
+              <a:t>Tramite</a:t>
+            </a:r>
+            <a:r>
+              <a:rPr lang="en-US" altLang="en-US" sz="2200" dirty="0">
+                <a:solidFill>
+                  <a:srgbClr val="141414"/>
+                </a:solidFill>
+                <a:latin typeface="Tenorite (Body)"/>
+                <a:cs typeface="Arial" panose="020B0604020202020204" pitchFamily="34" charset="0"/>
+              </a:rPr>
+              <a:t> lo Scenario Manager, </a:t>
+            </a:r>
+            <a:r>
+              <a:rPr lang="en-US" altLang="en-US" sz="2200" dirty="0" err="1">
+                <a:solidFill>
+                  <a:srgbClr val="141414"/>
+                </a:solidFill>
+                <a:latin typeface="Tenorite (Body)"/>
+                <a:cs typeface="Arial" panose="020B0604020202020204" pitchFamily="34" charset="0"/>
+              </a:rPr>
+              <a:t>si</a:t>
+            </a:r>
+            <a:r>
+              <a:rPr lang="en-US" altLang="en-US" sz="2200" dirty="0">
+                <a:solidFill>
+                  <a:srgbClr val="141414"/>
+                </a:solidFill>
+                <a:latin typeface="Tenorite (Body)"/>
+                <a:cs typeface="Arial" panose="020B0604020202020204" pitchFamily="34" charset="0"/>
+              </a:rPr>
+              <a:t> </a:t>
+            </a:r>
+            <a:r>
+              <a:rPr lang="en-US" altLang="en-US" sz="2200" dirty="0" err="1">
+                <a:solidFill>
+                  <a:srgbClr val="141414"/>
+                </a:solidFill>
+                <a:latin typeface="Tenorite (Body)"/>
+                <a:cs typeface="Arial" panose="020B0604020202020204" pitchFamily="34" charset="0"/>
+              </a:rPr>
+              <a:t>possono</a:t>
+            </a:r>
+            <a:r>
+              <a:rPr lang="en-US" altLang="en-US" sz="2200" dirty="0">
+                <a:solidFill>
+                  <a:srgbClr val="141414"/>
+                </a:solidFill>
+                <a:latin typeface="Tenorite (Body)"/>
+                <a:cs typeface="Arial" panose="020B0604020202020204" pitchFamily="34" charset="0"/>
+              </a:rPr>
+              <a:t> </a:t>
+            </a:r>
+            <a:r>
+              <a:rPr lang="en-US" altLang="en-US" sz="2200" dirty="0" err="1">
+                <a:solidFill>
+                  <a:srgbClr val="141414"/>
+                </a:solidFill>
+                <a:latin typeface="Tenorite (Body)"/>
+                <a:cs typeface="Arial" panose="020B0604020202020204" pitchFamily="34" charset="0"/>
+              </a:rPr>
+              <a:t>selezionare</a:t>
+            </a:r>
+            <a:r>
+              <a:rPr lang="en-US" altLang="en-US" sz="2200" dirty="0">
+                <a:solidFill>
+                  <a:srgbClr val="141414"/>
+                </a:solidFill>
+                <a:latin typeface="Tenorite (Body)"/>
+                <a:cs typeface="Arial" panose="020B0604020202020204" pitchFamily="34" charset="0"/>
+              </a:rPr>
+              <a:t> </a:t>
+            </a:r>
+            <a:r>
+              <a:rPr lang="en-US" altLang="en-US" sz="2200" dirty="0" err="1">
+                <a:solidFill>
+                  <a:srgbClr val="141414"/>
+                </a:solidFill>
+                <a:latin typeface="Tenorite (Body)"/>
+                <a:cs typeface="Arial" panose="020B0604020202020204" pitchFamily="34" charset="0"/>
+              </a:rPr>
+              <a:t>gli</a:t>
+            </a:r>
+            <a:r>
+              <a:rPr lang="en-US" altLang="en-US" sz="2200" dirty="0">
+                <a:solidFill>
+                  <a:srgbClr val="141414"/>
+                </a:solidFill>
+                <a:latin typeface="Tenorite (Body)"/>
+                <a:cs typeface="Arial" panose="020B0604020202020204" pitchFamily="34" charset="0"/>
+              </a:rPr>
+              <a:t> </a:t>
+            </a:r>
+            <a:r>
+              <a:rPr lang="en-US" altLang="en-US" sz="2200" dirty="0" err="1">
+                <a:solidFill>
+                  <a:srgbClr val="141414"/>
+                </a:solidFill>
+                <a:latin typeface="Tenorite (Body)"/>
+                <a:cs typeface="Arial" panose="020B0604020202020204" pitchFamily="34" charset="0"/>
+              </a:rPr>
+              <a:t>scenari</a:t>
+            </a:r>
+            <a:r>
+              <a:rPr lang="en-US" altLang="en-US" sz="2200" dirty="0">
+                <a:solidFill>
+                  <a:srgbClr val="141414"/>
+                </a:solidFill>
+                <a:latin typeface="Tenorite (Body)"/>
+                <a:cs typeface="Arial" panose="020B0604020202020204" pitchFamily="34" charset="0"/>
+              </a:rPr>
+              <a:t> </a:t>
+            </a:r>
+            <a:r>
+              <a:rPr lang="en-US" altLang="en-US" sz="2200" dirty="0" err="1">
+                <a:solidFill>
+                  <a:srgbClr val="141414"/>
+                </a:solidFill>
+                <a:latin typeface="Tenorite (Body)"/>
+                <a:cs typeface="Arial" panose="020B0604020202020204" pitchFamily="34" charset="0"/>
+              </a:rPr>
+              <a:t>creati</a:t>
+            </a:r>
+            <a:r>
+              <a:rPr lang="en-US" altLang="en-US" sz="2200" dirty="0">
+                <a:solidFill>
+                  <a:srgbClr val="141414"/>
+                </a:solidFill>
+                <a:latin typeface="Tenorite (Body)"/>
+                <a:cs typeface="Arial" panose="020B0604020202020204" pitchFamily="34" charset="0"/>
+              </a:rPr>
+              <a:t> e </a:t>
+            </a:r>
+            <a:r>
+              <a:rPr lang="en-US" altLang="en-US" sz="2200" dirty="0" err="1">
+                <a:solidFill>
+                  <a:srgbClr val="141414"/>
+                </a:solidFill>
+                <a:latin typeface="Tenorite (Body)"/>
+                <a:cs typeface="Arial" panose="020B0604020202020204" pitchFamily="34" charset="0"/>
+              </a:rPr>
+              <a:t>tramite</a:t>
+            </a:r>
+            <a:r>
+              <a:rPr lang="en-US" altLang="en-US" sz="2200" dirty="0">
+                <a:solidFill>
+                  <a:srgbClr val="141414"/>
+                </a:solidFill>
+                <a:latin typeface="Tenorite (Body)"/>
+                <a:cs typeface="Arial" panose="020B0604020202020204" pitchFamily="34" charset="0"/>
+              </a:rPr>
+              <a:t> il </a:t>
+            </a:r>
+            <a:r>
+              <a:rPr lang="en-US" altLang="en-US" sz="2200" dirty="0" err="1">
+                <a:solidFill>
+                  <a:srgbClr val="141414"/>
+                </a:solidFill>
+                <a:latin typeface="Tenorite (Body)"/>
+                <a:cs typeface="Arial" panose="020B0604020202020204" pitchFamily="34" charset="0"/>
+              </a:rPr>
+              <a:t>bottone</a:t>
+            </a:r>
+            <a:r>
+              <a:rPr lang="en-US" altLang="en-US" sz="2200" dirty="0">
+                <a:solidFill>
+                  <a:srgbClr val="141414"/>
+                </a:solidFill>
+                <a:latin typeface="Tenorite (Body)"/>
+                <a:cs typeface="Arial" panose="020B0604020202020204" pitchFamily="34" charset="0"/>
+              </a:rPr>
+              <a:t> </a:t>
+            </a:r>
+            <a:r>
+              <a:rPr lang="en-US" altLang="en-US" sz="2200" b="1" dirty="0">
                 <a:solidFill>
                   <a:srgbClr val="141414"/>
                 </a:solidFill>
@@ -25696,19 +27780,159 @@
               <a:t>Show</a:t>
             </a:r>
             <a:r>
-              <a:rPr lang="en-US" altLang="en-US" sz="2200">
-                <a:solidFill>
-                  <a:srgbClr val="141414"/>
-                </a:solidFill>
-                <a:latin typeface="Tenorite (Body)"/>
-                <a:cs typeface="Arial" panose="020B0604020202020204" pitchFamily="34" charset="0"/>
-              </a:rPr>
-              <a:t>, vedere come cambia la tabella dei dati per i due scenari creati.</a:t>
+              <a:rPr lang="en-US" altLang="en-US" sz="2200" dirty="0">
+                <a:solidFill>
+                  <a:srgbClr val="141414"/>
+                </a:solidFill>
+                <a:latin typeface="Tenorite (Body)"/>
+                <a:cs typeface="Arial" panose="020B0604020202020204" pitchFamily="34" charset="0"/>
+              </a:rPr>
+              <a:t>, </a:t>
+            </a:r>
+            <a:r>
+              <a:rPr lang="en-US" altLang="en-US" sz="2200" dirty="0" err="1">
+                <a:solidFill>
+                  <a:srgbClr val="141414"/>
+                </a:solidFill>
+                <a:latin typeface="Tenorite (Body)"/>
+                <a:cs typeface="Arial" panose="020B0604020202020204" pitchFamily="34" charset="0"/>
+              </a:rPr>
+              <a:t>vedere</a:t>
+            </a:r>
+            <a:r>
+              <a:rPr lang="en-US" altLang="en-US" sz="2200" dirty="0">
+                <a:solidFill>
+                  <a:srgbClr val="141414"/>
+                </a:solidFill>
+                <a:latin typeface="Tenorite (Body)"/>
+                <a:cs typeface="Arial" panose="020B0604020202020204" pitchFamily="34" charset="0"/>
+              </a:rPr>
+              <a:t> come cambia la </a:t>
+            </a:r>
+            <a:r>
+              <a:rPr lang="en-US" altLang="en-US" sz="2200" dirty="0" err="1">
+                <a:solidFill>
+                  <a:srgbClr val="141414"/>
+                </a:solidFill>
+                <a:latin typeface="Tenorite (Body)"/>
+                <a:cs typeface="Arial" panose="020B0604020202020204" pitchFamily="34" charset="0"/>
+              </a:rPr>
+              <a:t>tabella</a:t>
+            </a:r>
+            <a:r>
+              <a:rPr lang="en-US" altLang="en-US" sz="2200" dirty="0">
+                <a:solidFill>
+                  <a:srgbClr val="141414"/>
+                </a:solidFill>
+                <a:latin typeface="Tenorite (Body)"/>
+                <a:cs typeface="Arial" panose="020B0604020202020204" pitchFamily="34" charset="0"/>
+              </a:rPr>
+              <a:t> </a:t>
+            </a:r>
+            <a:r>
+              <a:rPr lang="en-US" altLang="en-US" sz="2200" dirty="0" err="1">
+                <a:solidFill>
+                  <a:srgbClr val="141414"/>
+                </a:solidFill>
+                <a:latin typeface="Tenorite (Body)"/>
+                <a:cs typeface="Arial" panose="020B0604020202020204" pitchFamily="34" charset="0"/>
+              </a:rPr>
+              <a:t>dei</a:t>
+            </a:r>
+            <a:r>
+              <a:rPr lang="en-US" altLang="en-US" sz="2200" dirty="0">
+                <a:solidFill>
+                  <a:srgbClr val="141414"/>
+                </a:solidFill>
+                <a:latin typeface="Tenorite (Body)"/>
+                <a:cs typeface="Arial" panose="020B0604020202020204" pitchFamily="34" charset="0"/>
+              </a:rPr>
+              <a:t> </a:t>
+            </a:r>
+            <a:r>
+              <a:rPr lang="en-US" altLang="en-US" sz="2200" dirty="0" err="1">
+                <a:solidFill>
+                  <a:srgbClr val="141414"/>
+                </a:solidFill>
+                <a:latin typeface="Tenorite (Body)"/>
+                <a:cs typeface="Arial" panose="020B0604020202020204" pitchFamily="34" charset="0"/>
+              </a:rPr>
+              <a:t>dati</a:t>
+            </a:r>
+            <a:r>
+              <a:rPr lang="en-US" altLang="en-US" sz="2200" dirty="0">
+                <a:solidFill>
+                  <a:srgbClr val="141414"/>
+                </a:solidFill>
+                <a:latin typeface="Tenorite (Body)"/>
+                <a:cs typeface="Arial" panose="020B0604020202020204" pitchFamily="34" charset="0"/>
+              </a:rPr>
+              <a:t> per </a:t>
+            </a:r>
+            <a:r>
+              <a:rPr lang="en-US" altLang="en-US" sz="2200" dirty="0" err="1">
+                <a:solidFill>
+                  <a:srgbClr val="141414"/>
+                </a:solidFill>
+                <a:latin typeface="Tenorite (Body)"/>
+                <a:cs typeface="Arial" panose="020B0604020202020204" pitchFamily="34" charset="0"/>
+              </a:rPr>
+              <a:t>i</a:t>
+            </a:r>
+            <a:r>
+              <a:rPr lang="en-US" altLang="en-US" sz="2200" dirty="0">
+                <a:solidFill>
+                  <a:srgbClr val="141414"/>
+                </a:solidFill>
+                <a:latin typeface="Tenorite (Body)"/>
+                <a:cs typeface="Arial" panose="020B0604020202020204" pitchFamily="34" charset="0"/>
+              </a:rPr>
+              <a:t> due </a:t>
+            </a:r>
+            <a:r>
+              <a:rPr lang="en-US" altLang="en-US" sz="2200" dirty="0" err="1">
+                <a:solidFill>
+                  <a:srgbClr val="141414"/>
+                </a:solidFill>
+                <a:latin typeface="Tenorite (Body)"/>
+                <a:cs typeface="Arial" panose="020B0604020202020204" pitchFamily="34" charset="0"/>
+              </a:rPr>
+              <a:t>scenari</a:t>
+            </a:r>
+            <a:r>
+              <a:rPr lang="en-US" altLang="en-US" sz="2200" dirty="0">
+                <a:solidFill>
+                  <a:srgbClr val="141414"/>
+                </a:solidFill>
+                <a:latin typeface="Tenorite (Body)"/>
+                <a:cs typeface="Arial" panose="020B0604020202020204" pitchFamily="34" charset="0"/>
+              </a:rPr>
+              <a:t> </a:t>
+            </a:r>
+            <a:r>
+              <a:rPr lang="en-US" altLang="en-US" sz="2200" dirty="0" err="1">
+                <a:solidFill>
+                  <a:srgbClr val="141414"/>
+                </a:solidFill>
+                <a:latin typeface="Tenorite (Body)"/>
+                <a:cs typeface="Arial" panose="020B0604020202020204" pitchFamily="34" charset="0"/>
+              </a:rPr>
+              <a:t>creati</a:t>
+            </a:r>
+            <a:r>
+              <a:rPr lang="en-US" altLang="en-US" sz="2200" dirty="0">
+                <a:solidFill>
+                  <a:srgbClr val="141414"/>
+                </a:solidFill>
+                <a:latin typeface="Tenorite (Body)"/>
+                <a:cs typeface="Arial" panose="020B0604020202020204" pitchFamily="34" charset="0"/>
+              </a:rPr>
+              <a:t>.</a:t>
             </a:r>
           </a:p>
           <a:p>
             <a:pPr eaLnBrk="1" hangingPunct="1"/>
-            <a:endParaRPr lang="en-US" altLang="en-US" sz="2200">
+            <a:endParaRPr lang="en-US" altLang="en-US" sz="2200" dirty="0">
               <a:solidFill>
                 <a:srgbClr val="141414"/>
               </a:solidFill>
@@ -25719,17 +27943,37 @@
           <a:p>
             <a:pPr eaLnBrk="1" hangingPunct="1"/>
             <a:r>
-              <a:rPr lang="en-US" altLang="en-US" sz="2200">
-                <a:solidFill>
-                  <a:srgbClr val="141414"/>
-                </a:solidFill>
-                <a:latin typeface="Tenorite (Body)"/>
-                <a:cs typeface="Arial" panose="020B0604020202020204" pitchFamily="34" charset="0"/>
-              </a:rPr>
-              <a:t>E’ possible anche fare il </a:t>
-            </a:r>
-            <a:r>
-              <a:rPr lang="en-US" altLang="en-US" sz="2200" b="1">
+              <a:rPr lang="en-US" altLang="en-US" sz="2200" dirty="0">
+                <a:solidFill>
+                  <a:srgbClr val="141414"/>
+                </a:solidFill>
+                <a:latin typeface="Tenorite (Body)"/>
+                <a:cs typeface="Arial" panose="020B0604020202020204" pitchFamily="34" charset="0"/>
+              </a:rPr>
+              <a:t>E’ possible </a:t>
+            </a:r>
+            <a:r>
+              <a:rPr lang="en-US" altLang="en-US" sz="2200" dirty="0" err="1">
+                <a:solidFill>
+                  <a:srgbClr val="141414"/>
+                </a:solidFill>
+                <a:latin typeface="Tenorite (Body)"/>
+                <a:cs typeface="Arial" panose="020B0604020202020204" pitchFamily="34" charset="0"/>
+              </a:rPr>
+              <a:t>anche</a:t>
+            </a:r>
+            <a:r>
+              <a:rPr lang="en-US" altLang="en-US" sz="2200" dirty="0">
+                <a:solidFill>
+                  <a:srgbClr val="141414"/>
+                </a:solidFill>
+                <a:latin typeface="Tenorite (Body)"/>
+                <a:cs typeface="Arial" panose="020B0604020202020204" pitchFamily="34" charset="0"/>
+              </a:rPr>
+              <a:t> fare il </a:t>
+            </a:r>
+            <a:r>
+              <a:rPr lang="en-US" altLang="en-US" sz="2200" b="1" dirty="0">
                 <a:solidFill>
                   <a:srgbClr val="141414"/>
                 </a:solidFill>
@@ -25739,19 +27983,136 @@
               <a:t>merge</a:t>
             </a:r>
             <a:r>
-              <a:rPr lang="en-US" altLang="en-US" sz="2200">
-                <a:solidFill>
-                  <a:srgbClr val="141414"/>
-                </a:solidFill>
-                <a:latin typeface="Tenorite (Body)"/>
-                <a:cs typeface="Arial" panose="020B0604020202020204" pitchFamily="34" charset="0"/>
-              </a:rPr>
-              <a:t> di scenari creati in altri file, tramite il bottone apposito</a:t>
-            </a:r>
+              <a:rPr lang="en-US" altLang="en-US" sz="2200" dirty="0">
+                <a:solidFill>
+                  <a:srgbClr val="141414"/>
+                </a:solidFill>
+                <a:latin typeface="Tenorite (Body)"/>
+                <a:cs typeface="Arial" panose="020B0604020202020204" pitchFamily="34" charset="0"/>
+              </a:rPr>
+              <a:t> di </a:t>
+            </a:r>
+            <a:r>
+              <a:rPr lang="en-US" altLang="en-US" sz="2200" dirty="0" err="1">
+                <a:solidFill>
+                  <a:srgbClr val="141414"/>
+                </a:solidFill>
+                <a:latin typeface="Tenorite (Body)"/>
+                <a:cs typeface="Arial" panose="020B0604020202020204" pitchFamily="34" charset="0"/>
+              </a:rPr>
+              <a:t>scenari</a:t>
+            </a:r>
+            <a:r>
+              <a:rPr lang="en-US" altLang="en-US" sz="2200" dirty="0">
+                <a:solidFill>
+                  <a:srgbClr val="141414"/>
+                </a:solidFill>
+                <a:latin typeface="Tenorite (Body)"/>
+                <a:cs typeface="Arial" panose="020B0604020202020204" pitchFamily="34" charset="0"/>
+              </a:rPr>
+              <a:t> </a:t>
+            </a:r>
+            <a:r>
+              <a:rPr lang="en-US" altLang="en-US" sz="2200" dirty="0" err="1">
+                <a:solidFill>
+                  <a:srgbClr val="141414"/>
+                </a:solidFill>
+                <a:latin typeface="Tenorite (Body)"/>
+                <a:cs typeface="Arial" panose="020B0604020202020204" pitchFamily="34" charset="0"/>
+              </a:rPr>
+              <a:t>creati</a:t>
+            </a:r>
+            <a:r>
+              <a:rPr lang="en-US" altLang="en-US" sz="2200" dirty="0">
+                <a:solidFill>
+                  <a:srgbClr val="141414"/>
+                </a:solidFill>
+                <a:latin typeface="Tenorite (Body)"/>
+                <a:cs typeface="Arial" panose="020B0604020202020204" pitchFamily="34" charset="0"/>
+              </a:rPr>
+              <a:t> in </a:t>
+            </a:r>
+            <a:r>
+              <a:rPr lang="en-US" altLang="en-US" sz="2200" dirty="0" err="1">
+                <a:solidFill>
+                  <a:srgbClr val="141414"/>
+                </a:solidFill>
+                <a:latin typeface="Tenorite (Body)"/>
+                <a:cs typeface="Arial" panose="020B0604020202020204" pitchFamily="34" charset="0"/>
+              </a:rPr>
+              <a:t>altri</a:t>
+            </a:r>
+            <a:r>
+              <a:rPr lang="en-US" altLang="en-US" sz="2200" dirty="0">
+                <a:solidFill>
+                  <a:srgbClr val="141414"/>
+                </a:solidFill>
+                <a:latin typeface="Tenorite (Body)"/>
+                <a:cs typeface="Arial" panose="020B0604020202020204" pitchFamily="34" charset="0"/>
+              </a:rPr>
+              <a:t> file, </a:t>
+            </a:r>
+            <a:r>
+              <a:rPr lang="en-US" altLang="en-US" sz="2200" dirty="0" err="1">
+                <a:solidFill>
+                  <a:srgbClr val="141414"/>
+                </a:solidFill>
+                <a:latin typeface="Tenorite (Body)"/>
+                <a:cs typeface="Arial" panose="020B0604020202020204" pitchFamily="34" charset="0"/>
+              </a:rPr>
+              <a:t>tramite</a:t>
+            </a:r>
+            <a:r>
+              <a:rPr lang="en-US" altLang="en-US" sz="2200" dirty="0">
+                <a:solidFill>
+                  <a:srgbClr val="141414"/>
+                </a:solidFill>
+                <a:latin typeface="Tenorite (Body)"/>
+                <a:cs typeface="Arial" panose="020B0604020202020204" pitchFamily="34" charset="0"/>
+              </a:rPr>
+              <a:t> il </a:t>
+            </a:r>
+            <a:r>
+              <a:rPr lang="en-US" altLang="en-US" sz="2200" dirty="0" err="1">
+                <a:solidFill>
+                  <a:srgbClr val="141414"/>
+                </a:solidFill>
+                <a:latin typeface="Tenorite (Body)"/>
+                <a:cs typeface="Arial" panose="020B0604020202020204" pitchFamily="34" charset="0"/>
+              </a:rPr>
+              <a:t>bottone</a:t>
+            </a:r>
+            <a:r>
+              <a:rPr lang="en-US" altLang="en-US" sz="2200" dirty="0">
+                <a:solidFill>
+                  <a:srgbClr val="141414"/>
+                </a:solidFill>
+                <a:latin typeface="Tenorite (Body)"/>
+                <a:cs typeface="Arial" panose="020B0604020202020204" pitchFamily="34" charset="0"/>
+              </a:rPr>
+              <a:t> </a:t>
+            </a:r>
+            <a:r>
+              <a:rPr lang="en-US" altLang="en-US" sz="2200" dirty="0" err="1">
+                <a:solidFill>
+                  <a:srgbClr val="141414"/>
+                </a:solidFill>
+                <a:latin typeface="Tenorite (Body)"/>
+                <a:cs typeface="Arial" panose="020B0604020202020204" pitchFamily="34" charset="0"/>
+              </a:rPr>
+              <a:t>apposito</a:t>
+            </a:r>
+            <a:endParaRPr lang="en-US" altLang="en-US" sz="2200" dirty="0">
+              <a:solidFill>
+                <a:srgbClr val="141414"/>
+              </a:solidFill>
+              <a:latin typeface="Tenorite (Body)"/>
+              <a:cs typeface="Arial" panose="020B0604020202020204" pitchFamily="34" charset="0"/>
+            </a:endParaRPr>
           </a:p>
           <a:p>
             <a:pPr eaLnBrk="1" hangingPunct="1"/>
-            <a:endParaRPr lang="en-US" altLang="en-US" sz="2200">
+            <a:endParaRPr lang="en-US" altLang="en-US" sz="2200" dirty="0">
               <a:solidFill>
                 <a:srgbClr val="141414"/>
               </a:solidFill>
@@ -25949,7 +28310,7 @@
 </p:sld>
 </file>
 
-<file path=ppt/slides/slide5.xml><?xml version="1.0" encoding="utf-8"?>
+<file path=ppt/slides/slide6.xml><?xml version="1.0" encoding="utf-8"?>
 <p:sld xmlns:a="http://schemas.openxmlformats.org/drawingml/2006/main" xmlns:r="http://schemas.openxmlformats.org/officeDocument/2006/relationships" xmlns:p="http://schemas.openxmlformats.org/presentationml/2006/main">
   <p:cSld>
     <p:spTree>
@@ -26225,7 +28586,7 @@
               <a:pPr>
                 <a:defRPr/>
               </a:pPr>
-              <a:t>5</a:t>
+              <a:t>6</a:t>
             </a:fld>
             <a:endParaRPr lang="en-US" dirty="0"/>
           </a:p>
@@ -26722,7 +29083,140 @@
 </p:sld>
 </file>
 
-<file path=ppt/slides/slide6.xml><?xml version="1.0" encoding="utf-8"?>
+<file path=ppt/slides/slide7.xml><?xml version="1.0" encoding="utf-8"?>
+<p:sld xmlns:a="http://schemas.openxmlformats.org/drawingml/2006/main" xmlns:r="http://schemas.openxmlformats.org/officeDocument/2006/relationships" xmlns:p="http://schemas.openxmlformats.org/presentationml/2006/main">
+  <p:cSld>
+    <p:spTree>
+      <p:nvGrpSpPr>
+        <p:cNvPr id="1" name=""/>
+        <p:cNvGrpSpPr/>
+        <p:nvPr/>
+      </p:nvGrpSpPr>
+      <p:grpSpPr>
+        <a:xfrm>
+          <a:off x="0" y="0"/>
+          <a:ext cx="0" cy="0"/>
+          <a:chOff x="0" y="0"/>
+          <a:chExt cx="0" cy="0"/>
+        </a:xfrm>
+      </p:grpSpPr>
+      <p:sp>
+        <p:nvSpPr>
+          <p:cNvPr id="21506" name="Title 1">
+            <a:extLst>
+              <a:ext uri="{FF2B5EF4-FFF2-40B4-BE49-F238E27FC236}">
+                <a16:creationId xmlns:a16="http://schemas.microsoft.com/office/drawing/2014/main" id="{3CC3F597-36B4-280D-B451-3CC3CC21EF9D}"/>
+              </a:ext>
+            </a:extLst>
+          </p:cNvPr>
+          <p:cNvSpPr>
+            <a:spLocks noGrp="1" noChangeArrowheads="1"/>
+          </p:cNvSpPr>
+          <p:nvPr>
+            <p:ph type="ctrTitle"/>
+          </p:nvPr>
+        </p:nvSpPr>
+        <p:spPr>
+          <a:xfrm>
+            <a:off x="1158875" y="2235200"/>
+            <a:ext cx="6245225" cy="2387600"/>
+          </a:xfrm>
+        </p:spPr>
+        <p:txBody>
+          <a:bodyPr anchor="ctr"/>
+          <a:lstStyle/>
+          <a:p>
+            <a:r>
+              <a:rPr lang="en-US" altLang="en-US" dirty="0" err="1"/>
+              <a:t>Tabella</a:t>
+            </a:r>
+            <a:r>
+              <a:rPr lang="en-US" altLang="en-US" dirty="0"/>
+              <a:t> </a:t>
+            </a:r>
+            <a:r>
+              <a:rPr lang="en-US" altLang="en-US" dirty="0" err="1"/>
+              <a:t>Dati</a:t>
+            </a:r>
+            <a:endParaRPr lang="en-US" altLang="en-US" dirty="0"/>
+          </a:p>
+        </p:txBody>
+      </p:sp>
+      <p:sp>
+        <p:nvSpPr>
+          <p:cNvPr id="3" name="Title 1">
+            <a:extLst>
+              <a:ext uri="{FF2B5EF4-FFF2-40B4-BE49-F238E27FC236}">
+                <a16:creationId xmlns:a16="http://schemas.microsoft.com/office/drawing/2014/main" id="{F8854F0D-A554-2382-F5CC-7A3E5F6E5F52}"/>
+              </a:ext>
+            </a:extLst>
+          </p:cNvPr>
+          <p:cNvSpPr txBox="1">
+            <a:spLocks/>
+          </p:cNvSpPr>
+          <p:nvPr/>
+        </p:nvSpPr>
+        <p:spPr>
+          <a:xfrm>
+            <a:off x="10874375" y="0"/>
+            <a:ext cx="1317625" cy="1260475"/>
+          </a:xfrm>
+          <a:prstGeom prst="rect">
+            <a:avLst/>
+          </a:prstGeom>
+        </p:spPr>
+        <p:txBody>
+          <a:bodyPr anchor="ctr">
+            <a:normAutofit fontScale="92500" lnSpcReduction="20000"/>
+          </a:bodyPr>
+          <a:lstStyle>
+            <a:lvl1pPr algn="ctr" defTabSz="914400" rtl="0" eaLnBrk="1" latinLnBrk="0" hangingPunct="1">
+              <a:lnSpc>
+                <a:spcPct val="100000"/>
+              </a:lnSpc>
+              <a:spcBef>
+                <a:spcPct val="0"/>
+              </a:spcBef>
+              <a:buNone/>
+              <a:defRPr sz="4600" kern="1200">
+                <a:solidFill>
+                  <a:schemeClr val="bg1"/>
+                </a:solidFill>
+                <a:latin typeface="+mj-lt"/>
+                <a:ea typeface="+mj-ea"/>
+                <a:cs typeface="+mj-cs"/>
+              </a:defRPr>
+            </a:lvl1pPr>
+          </a:lstStyle>
+          <a:p>
+            <a:pPr fontAlgn="auto">
+              <a:spcAft>
+                <a:spcPts val="0"/>
+              </a:spcAft>
+              <a:defRPr/>
+            </a:pPr>
+            <a:r>
+              <a:rPr lang="en-US" sz="9600" b="1" dirty="0"/>
+              <a:t>6</a:t>
+            </a:r>
+            <a:endParaRPr lang="en-US" sz="5400" b="1" dirty="0"/>
+          </a:p>
+        </p:txBody>
+      </p:sp>
+    </p:spTree>
+    <p:extLst>
+      <p:ext uri="{BB962C8B-B14F-4D97-AF65-F5344CB8AC3E}">
+        <p14:creationId xmlns:p14="http://schemas.microsoft.com/office/powerpoint/2010/main" val="4207297520"/>
+      </p:ext>
+    </p:extLst>
+  </p:cSld>
+  <p:clrMapOvr>
+    <a:masterClrMapping/>
+  </p:clrMapOvr>
+</p:sld>
+</file>
+
+<file path=ppt/slides/slide8.xml><?xml version="1.0" encoding="utf-8"?>
 <p:sld xmlns:a="http://schemas.openxmlformats.org/drawingml/2006/main" xmlns:r="http://schemas.openxmlformats.org/officeDocument/2006/relationships" xmlns:p="http://schemas.openxmlformats.org/presentationml/2006/main">
   <p:cSld>
     <p:spTree>
@@ -26998,7 +29492,7 @@
               <a:pPr>
                 <a:defRPr/>
               </a:pPr>
-              <a:t>6</a:t>
+              <a:t>8</a:t>
             </a:fld>
             <a:endParaRPr lang="en-US" dirty="0"/>
           </a:p>
@@ -27334,7 +29828,7 @@
 </p:sld>
 </file>
 
-<file path=ppt/slides/slide7.xml><?xml version="1.0" encoding="utf-8"?>
+<file path=ppt/slides/slide9.xml><?xml version="1.0" encoding="utf-8"?>
 <p:sld xmlns:a="http://schemas.openxmlformats.org/drawingml/2006/main" xmlns:r="http://schemas.openxmlformats.org/officeDocument/2006/relationships" xmlns:p="http://schemas.openxmlformats.org/presentationml/2006/main">
   <p:cSld>
     <p:spTree>
@@ -27610,7 +30104,7 @@
               <a:pPr>
                 <a:defRPr/>
               </a:pPr>
-              <a:t>7</a:t>
+              <a:t>9</a:t>
             </a:fld>
             <a:endParaRPr lang="en-US" dirty="0"/>
           </a:p>
@@ -28306,715 +30800,196 @@
           <a:p>
             <a:pPr eaLnBrk="1" hangingPunct="1"/>
             <a:r>
-              <a:rPr lang="en-US" altLang="en-US" sz="2200" b="1">
-                <a:solidFill>
-                  <a:srgbClr val="141414"/>
-                </a:solidFill>
-                <a:latin typeface="Tenorite (Body)"/>
-                <a:cs typeface="Arial" panose="020B0604020202020204" pitchFamily="34" charset="0"/>
-              </a:rPr>
-              <a:t>La Tabella Dati si usa quando si hanno 1 oppure 2 variabili</a:t>
-            </a:r>
+              <a:rPr lang="en-US" altLang="en-US" sz="2200" b="1" dirty="0">
+                <a:solidFill>
+                  <a:srgbClr val="141414"/>
+                </a:solidFill>
+                <a:latin typeface="Tenorite (Body)"/>
+                <a:cs typeface="Arial" panose="020B0604020202020204" pitchFamily="34" charset="0"/>
+              </a:rPr>
+              <a:t>La </a:t>
+            </a:r>
+            <a:r>
+              <a:rPr lang="en-US" altLang="en-US" sz="2200" b="1" dirty="0" err="1">
+                <a:solidFill>
+                  <a:srgbClr val="141414"/>
+                </a:solidFill>
+                <a:latin typeface="Tenorite (Body)"/>
+                <a:cs typeface="Arial" panose="020B0604020202020204" pitchFamily="34" charset="0"/>
+              </a:rPr>
+              <a:t>Tabella</a:t>
+            </a:r>
+            <a:r>
+              <a:rPr lang="en-US" altLang="en-US" sz="2200" b="1" dirty="0">
+                <a:solidFill>
+                  <a:srgbClr val="141414"/>
+                </a:solidFill>
+                <a:latin typeface="Tenorite (Body)"/>
+                <a:cs typeface="Arial" panose="020B0604020202020204" pitchFamily="34" charset="0"/>
+              </a:rPr>
+              <a:t> </a:t>
+            </a:r>
+            <a:r>
+              <a:rPr lang="en-US" altLang="en-US" sz="2200" b="1" dirty="0" err="1">
+                <a:solidFill>
+                  <a:srgbClr val="141414"/>
+                </a:solidFill>
+                <a:latin typeface="Tenorite (Body)"/>
+                <a:cs typeface="Arial" panose="020B0604020202020204" pitchFamily="34" charset="0"/>
+              </a:rPr>
+              <a:t>Dati</a:t>
+            </a:r>
+            <a:r>
+              <a:rPr lang="en-US" altLang="en-US" sz="2200" b="1" dirty="0">
+                <a:solidFill>
+                  <a:srgbClr val="141414"/>
+                </a:solidFill>
+                <a:latin typeface="Tenorite (Body)"/>
+                <a:cs typeface="Arial" panose="020B0604020202020204" pitchFamily="34" charset="0"/>
+              </a:rPr>
+              <a:t> </a:t>
+            </a:r>
+            <a:r>
+              <a:rPr lang="en-US" altLang="en-US" sz="2200" b="1" dirty="0" err="1">
+                <a:solidFill>
+                  <a:srgbClr val="141414"/>
+                </a:solidFill>
+                <a:latin typeface="Tenorite (Body)"/>
+                <a:cs typeface="Arial" panose="020B0604020202020204" pitchFamily="34" charset="0"/>
+              </a:rPr>
+              <a:t>si</a:t>
+            </a:r>
+            <a:r>
+              <a:rPr lang="en-US" altLang="en-US" sz="2200" b="1" dirty="0">
+                <a:solidFill>
+                  <a:srgbClr val="141414"/>
+                </a:solidFill>
+                <a:latin typeface="Tenorite (Body)"/>
+                <a:cs typeface="Arial" panose="020B0604020202020204" pitchFamily="34" charset="0"/>
+              </a:rPr>
+              <a:t> </a:t>
+            </a:r>
+            <a:r>
+              <a:rPr lang="en-US" altLang="en-US" sz="2200" b="1" dirty="0" err="1">
+                <a:solidFill>
+                  <a:srgbClr val="141414"/>
+                </a:solidFill>
+                <a:latin typeface="Tenorite (Body)"/>
+                <a:cs typeface="Arial" panose="020B0604020202020204" pitchFamily="34" charset="0"/>
+              </a:rPr>
+              <a:t>usa</a:t>
+            </a:r>
+            <a:r>
+              <a:rPr lang="en-US" altLang="en-US" sz="2200" b="1" dirty="0">
+                <a:solidFill>
+                  <a:srgbClr val="141414"/>
+                </a:solidFill>
+                <a:latin typeface="Tenorite (Body)"/>
+                <a:cs typeface="Arial" panose="020B0604020202020204" pitchFamily="34" charset="0"/>
+              </a:rPr>
+              <a:t> </a:t>
+            </a:r>
+            <a:r>
+              <a:rPr lang="en-US" altLang="en-US" sz="2200" b="1" dirty="0" err="1">
+                <a:solidFill>
+                  <a:srgbClr val="141414"/>
+                </a:solidFill>
+                <a:latin typeface="Tenorite (Body)"/>
+                <a:cs typeface="Arial" panose="020B0604020202020204" pitchFamily="34" charset="0"/>
+              </a:rPr>
+              <a:t>quando</a:t>
+            </a:r>
+            <a:r>
+              <a:rPr lang="en-US" altLang="en-US" sz="2200" b="1" dirty="0">
+                <a:solidFill>
+                  <a:srgbClr val="141414"/>
+                </a:solidFill>
+                <a:latin typeface="Tenorite (Body)"/>
+                <a:cs typeface="Arial" panose="020B0604020202020204" pitchFamily="34" charset="0"/>
+              </a:rPr>
+              <a:t> </a:t>
+            </a:r>
+            <a:r>
+              <a:rPr lang="en-US" altLang="en-US" sz="2200" b="1" dirty="0" err="1">
+                <a:solidFill>
+                  <a:srgbClr val="141414"/>
+                </a:solidFill>
+                <a:latin typeface="Tenorite (Body)"/>
+                <a:cs typeface="Arial" panose="020B0604020202020204" pitchFamily="34" charset="0"/>
+              </a:rPr>
+              <a:t>si</a:t>
+            </a:r>
+            <a:r>
+              <a:rPr lang="en-US" altLang="en-US" sz="2200" b="1" dirty="0">
+                <a:solidFill>
+                  <a:srgbClr val="141414"/>
+                </a:solidFill>
+                <a:latin typeface="Tenorite (Body)"/>
+                <a:cs typeface="Arial" panose="020B0604020202020204" pitchFamily="34" charset="0"/>
+              </a:rPr>
+              <a:t> </a:t>
+            </a:r>
+            <a:r>
+              <a:rPr lang="en-US" altLang="en-US" sz="2200" b="1" dirty="0" err="1">
+                <a:solidFill>
+                  <a:srgbClr val="141414"/>
+                </a:solidFill>
+                <a:latin typeface="Tenorite (Body)"/>
+                <a:cs typeface="Arial" panose="020B0604020202020204" pitchFamily="34" charset="0"/>
+              </a:rPr>
+              <a:t>hanno</a:t>
+            </a:r>
+            <a:r>
+              <a:rPr lang="en-US" altLang="en-US" sz="2200" b="1" dirty="0">
+                <a:solidFill>
+                  <a:srgbClr val="141414"/>
+                </a:solidFill>
+                <a:latin typeface="Tenorite (Body)"/>
+                <a:cs typeface="Arial" panose="020B0604020202020204" pitchFamily="34" charset="0"/>
+              </a:rPr>
+              <a:t> 1 </a:t>
+            </a:r>
+            <a:r>
+              <a:rPr lang="en-US" altLang="en-US" sz="2200" b="1" dirty="0" err="1">
+                <a:solidFill>
+                  <a:srgbClr val="141414"/>
+                </a:solidFill>
+                <a:latin typeface="Tenorite (Body)"/>
+                <a:cs typeface="Arial" panose="020B0604020202020204" pitchFamily="34" charset="0"/>
+              </a:rPr>
+              <a:t>oppure</a:t>
+            </a:r>
+            <a:r>
+              <a:rPr lang="en-US" altLang="en-US" sz="2200" b="1" dirty="0">
+                <a:solidFill>
+                  <a:srgbClr val="141414"/>
+                </a:solidFill>
+                <a:latin typeface="Tenorite (Body)"/>
+                <a:cs typeface="Arial" panose="020B0604020202020204" pitchFamily="34" charset="0"/>
+              </a:rPr>
+              <a:t> 2 </a:t>
+            </a:r>
+            <a:r>
+              <a:rPr lang="en-US" altLang="en-US" sz="2200" b="1" dirty="0" err="1">
+                <a:solidFill>
+                  <a:srgbClr val="141414"/>
+                </a:solidFill>
+                <a:latin typeface="Tenorite (Body)"/>
+                <a:cs typeface="Arial" panose="020B0604020202020204" pitchFamily="34" charset="0"/>
+              </a:rPr>
+              <a:t>variabili</a:t>
+            </a:r>
+            <a:endParaRPr lang="en-US" altLang="en-US" sz="2200" b="1" dirty="0">
+              <a:solidFill>
+                <a:srgbClr val="141414"/>
+              </a:solidFill>
+              <a:latin typeface="Tenorite (Body)"/>
+              <a:cs typeface="Arial" panose="020B0604020202020204" pitchFamily="34" charset="0"/>
+            </a:endParaRPr>
           </a:p>
         </p:txBody>
       </p:sp>
     </p:spTree>
-  </p:cSld>
-  <p:clrMapOvr>
-    <a:masterClrMapping/>
-  </p:clrMapOvr>
-</p:sld>
-</file>
-
-<file path=ppt/slides/slide8.xml><?xml version="1.0" encoding="utf-8"?>
-<p:sld xmlns:a="http://schemas.openxmlformats.org/drawingml/2006/main" xmlns:r="http://schemas.openxmlformats.org/officeDocument/2006/relationships" xmlns:p="http://schemas.openxmlformats.org/presentationml/2006/main">
-  <p:cSld>
-    <p:spTree>
-      <p:nvGrpSpPr>
-        <p:cNvPr id="1" name=""/>
-        <p:cNvGrpSpPr/>
-        <p:nvPr/>
-      </p:nvGrpSpPr>
-      <p:grpSpPr>
-        <a:xfrm>
-          <a:off x="0" y="0"/>
-          <a:ext cx="0" cy="0"/>
-          <a:chOff x="0" y="0"/>
-          <a:chExt cx="0" cy="0"/>
-        </a:xfrm>
-      </p:grpSpPr>
-      <p:sp>
-        <p:nvSpPr>
-          <p:cNvPr id="207874" name="Title 1">
-            <a:extLst>
-              <a:ext uri="{FF2B5EF4-FFF2-40B4-BE49-F238E27FC236}">
-                <a16:creationId xmlns:a16="http://schemas.microsoft.com/office/drawing/2014/main" id="{A87B1DE6-45E0-96DA-A7D9-839B94D93867}"/>
-              </a:ext>
-            </a:extLst>
-          </p:cNvPr>
-          <p:cNvSpPr>
-            <a:spLocks noGrp="1" noChangeArrowheads="1"/>
-          </p:cNvSpPr>
-          <p:nvPr>
-            <p:ph type="title"/>
-          </p:nvPr>
-        </p:nvSpPr>
-        <p:spPr>
-          <a:xfrm>
-            <a:off x="1166813" y="381000"/>
-            <a:ext cx="9780587" cy="1325563"/>
-          </a:xfrm>
-        </p:spPr>
-        <p:txBody>
-          <a:bodyPr/>
-          <a:lstStyle/>
-          <a:p>
-            <a:r>
-              <a:rPr lang="en-US" altLang="en-US"/>
-              <a:t>Esercizio 6-1</a:t>
-            </a:r>
-          </a:p>
-        </p:txBody>
-      </p:sp>
-      <p:sp>
-        <p:nvSpPr>
-          <p:cNvPr id="207875" name="Content Placeholder 2">
-            <a:extLst>
-              <a:ext uri="{FF2B5EF4-FFF2-40B4-BE49-F238E27FC236}">
-                <a16:creationId xmlns:a16="http://schemas.microsoft.com/office/drawing/2014/main" id="{C9961190-019E-41A7-1718-8A8D67061AD6}"/>
-              </a:ext>
-            </a:extLst>
-          </p:cNvPr>
-          <p:cNvSpPr>
-            <a:spLocks noGrp="1" noChangeArrowheads="1"/>
-          </p:cNvSpPr>
-          <p:nvPr>
-            <p:ph type="body" idx="1"/>
-          </p:nvPr>
-        </p:nvSpPr>
-        <p:spPr>
-          <a:xfrm>
-            <a:off x="1166813" y="2652713"/>
-            <a:ext cx="9780587" cy="3703637"/>
-          </a:xfrm>
-        </p:spPr>
-        <p:txBody>
-          <a:bodyPr/>
-          <a:lstStyle/>
-          <a:p>
-            <a:r>
-              <a:rPr lang="en-US" altLang="en-US" b="1"/>
-              <a:t>Esercizio sulle Tabelle Dati</a:t>
-            </a:r>
-          </a:p>
-          <a:p>
-            <a:r>
-              <a:rPr lang="en-US" altLang="en-US" b="1"/>
-              <a:t>document28\AnalisiDati_1.xlsx</a:t>
-            </a:r>
-          </a:p>
-        </p:txBody>
-      </p:sp>
-      <p:sp>
-        <p:nvSpPr>
-          <p:cNvPr id="207876" name="Date Placeholder 3">
-            <a:extLst>
-              <a:ext uri="{FF2B5EF4-FFF2-40B4-BE49-F238E27FC236}">
-                <a16:creationId xmlns:a16="http://schemas.microsoft.com/office/drawing/2014/main" id="{34CCC29F-BC8A-3AC5-8F63-71777129F22A}"/>
-              </a:ext>
-            </a:extLst>
-          </p:cNvPr>
-          <p:cNvSpPr>
-            <a:spLocks noGrp="1" noChangeArrowheads="1"/>
-          </p:cNvSpPr>
-          <p:nvPr>
-            <p:ph type="dt" sz="quarter" idx="10"/>
-          </p:nvPr>
-        </p:nvSpPr>
-        <p:spPr bwMode="auto">
-          <a:xfrm>
-            <a:off x="166688" y="6356350"/>
-            <a:ext cx="2743200" cy="365125"/>
-          </a:xfrm>
-          <a:noFill/>
-          <a:extLst>
-            <a:ext uri="{909E8E84-426E-40DD-AFC4-6F175D3DCCD1}">
-              <a14:hiddenFill xmlns:a14="http://schemas.microsoft.com/office/drawing/2010/main">
-                <a:solidFill>
-                  <a:srgbClr val="FFFFFF"/>
-                </a:solidFill>
-              </a14:hiddenFill>
-            </a:ext>
-            <a:ext uri="{91240B29-F687-4F45-9708-019B960494DF}">
-              <a14:hiddenLine xmlns:a14="http://schemas.microsoft.com/office/drawing/2010/main" w="9525">
-                <a:solidFill>
-                  <a:srgbClr val="000000"/>
-                </a:solidFill>
-                <a:miter lim="800000"/>
-                <a:headEnd/>
-                <a:tailEnd/>
-              </a14:hiddenLine>
-            </a:ext>
-          </a:extLst>
-        </p:spPr>
-        <p:txBody>
-          <a:bodyPr wrap="square" numCol="1" anchorCtr="0" compatLnSpc="1">
-            <a:prstTxWarp prst="textNoShape">
-              <a:avLst/>
-            </a:prstTxWarp>
-          </a:bodyPr>
-          <a:lstStyle>
-            <a:lvl1pPr>
-              <a:defRPr>
-                <a:solidFill>
-                  <a:schemeClr val="tx1"/>
-                </a:solidFill>
-                <a:latin typeface="Tenorite" panose="00000500000000000000" pitchFamily="2" charset="0"/>
-              </a:defRPr>
-            </a:lvl1pPr>
-            <a:lvl2pPr marL="742950" indent="-285750">
-              <a:defRPr>
-                <a:solidFill>
-                  <a:schemeClr val="tx1"/>
-                </a:solidFill>
-                <a:latin typeface="Tenorite" panose="00000500000000000000" pitchFamily="2" charset="0"/>
-              </a:defRPr>
-            </a:lvl2pPr>
-            <a:lvl3pPr marL="1143000" indent="-228600">
-              <a:defRPr>
-                <a:solidFill>
-                  <a:schemeClr val="tx1"/>
-                </a:solidFill>
-                <a:latin typeface="Tenorite" panose="00000500000000000000" pitchFamily="2" charset="0"/>
-              </a:defRPr>
-            </a:lvl3pPr>
-            <a:lvl4pPr marL="1600200" indent="-228600">
-              <a:defRPr>
-                <a:solidFill>
-                  <a:schemeClr val="tx1"/>
-                </a:solidFill>
-                <a:latin typeface="Tenorite" panose="00000500000000000000" pitchFamily="2" charset="0"/>
-              </a:defRPr>
-            </a:lvl4pPr>
-            <a:lvl5pPr marL="2057400" indent="-228600">
-              <a:defRPr>
-                <a:solidFill>
-                  <a:schemeClr val="tx1"/>
-                </a:solidFill>
-                <a:latin typeface="Tenorite" panose="00000500000000000000" pitchFamily="2" charset="0"/>
-              </a:defRPr>
-            </a:lvl5pPr>
-            <a:lvl6pPr marL="2514600" indent="-228600" fontAlgn="base">
-              <a:spcBef>
-                <a:spcPct val="0"/>
-              </a:spcBef>
-              <a:spcAft>
-                <a:spcPct val="0"/>
-              </a:spcAft>
-              <a:defRPr>
-                <a:solidFill>
-                  <a:schemeClr val="tx1"/>
-                </a:solidFill>
-                <a:latin typeface="Tenorite" panose="00000500000000000000" pitchFamily="2" charset="0"/>
-              </a:defRPr>
-            </a:lvl6pPr>
-            <a:lvl7pPr marL="2971800" indent="-228600" fontAlgn="base">
-              <a:spcBef>
-                <a:spcPct val="0"/>
-              </a:spcBef>
-              <a:spcAft>
-                <a:spcPct val="0"/>
-              </a:spcAft>
-              <a:defRPr>
-                <a:solidFill>
-                  <a:schemeClr val="tx1"/>
-                </a:solidFill>
-                <a:latin typeface="Tenorite" panose="00000500000000000000" pitchFamily="2" charset="0"/>
-              </a:defRPr>
-            </a:lvl7pPr>
-            <a:lvl8pPr marL="3429000" indent="-228600" fontAlgn="base">
-              <a:spcBef>
-                <a:spcPct val="0"/>
-              </a:spcBef>
-              <a:spcAft>
-                <a:spcPct val="0"/>
-              </a:spcAft>
-              <a:defRPr>
-                <a:solidFill>
-                  <a:schemeClr val="tx1"/>
-                </a:solidFill>
-                <a:latin typeface="Tenorite" panose="00000500000000000000" pitchFamily="2" charset="0"/>
-              </a:defRPr>
-            </a:lvl8pPr>
-            <a:lvl9pPr marL="3886200" indent="-228600" fontAlgn="base">
-              <a:spcBef>
-                <a:spcPct val="0"/>
-              </a:spcBef>
-              <a:spcAft>
-                <a:spcPct val="0"/>
-              </a:spcAft>
-              <a:defRPr>
-                <a:solidFill>
-                  <a:schemeClr val="tx1"/>
-                </a:solidFill>
-                <a:latin typeface="Tenorite" panose="00000500000000000000" pitchFamily="2" charset="0"/>
-              </a:defRPr>
-            </a:lvl9pPr>
-          </a:lstStyle>
-          <a:p>
-            <a:pPr fontAlgn="base">
-              <a:spcBef>
-                <a:spcPct val="0"/>
-              </a:spcBef>
-              <a:spcAft>
-                <a:spcPct val="0"/>
-              </a:spcAft>
-            </a:pPr>
-            <a:r>
-              <a:rPr lang="en-US" altLang="en-US">
-                <a:solidFill>
-                  <a:schemeClr val="accent2"/>
-                </a:solidFill>
-              </a:rPr>
-              <a:t>GIUGNO-LUGLIO 2023</a:t>
-            </a:r>
-          </a:p>
-        </p:txBody>
-      </p:sp>
-      <p:sp>
-        <p:nvSpPr>
-          <p:cNvPr id="207877" name="Footer Placeholder 4">
-            <a:extLst>
-              <a:ext uri="{FF2B5EF4-FFF2-40B4-BE49-F238E27FC236}">
-                <a16:creationId xmlns:a16="http://schemas.microsoft.com/office/drawing/2014/main" id="{8DEF1ADB-E84E-BE41-EA14-E8D9483C0A54}"/>
-              </a:ext>
-            </a:extLst>
-          </p:cNvPr>
-          <p:cNvSpPr>
-            <a:spLocks noGrp="1" noChangeArrowheads="1"/>
-          </p:cNvSpPr>
-          <p:nvPr>
-            <p:ph type="ftr" sz="quarter" idx="11"/>
-          </p:nvPr>
-        </p:nvSpPr>
-        <p:spPr bwMode="auto">
-          <a:noFill/>
-          <a:extLst>
-            <a:ext uri="{909E8E84-426E-40DD-AFC4-6F175D3DCCD1}">
-              <a14:hiddenFill xmlns:a14="http://schemas.microsoft.com/office/drawing/2010/main">
-                <a:solidFill>
-                  <a:srgbClr val="FFFFFF"/>
-                </a:solidFill>
-              </a14:hiddenFill>
-            </a:ext>
-            <a:ext uri="{91240B29-F687-4F45-9708-019B960494DF}">
-              <a14:hiddenLine xmlns:a14="http://schemas.microsoft.com/office/drawing/2010/main" w="9525">
-                <a:solidFill>
-                  <a:srgbClr val="000000"/>
-                </a:solidFill>
-                <a:miter lim="800000"/>
-                <a:headEnd/>
-                <a:tailEnd/>
-              </a14:hiddenLine>
-            </a:ext>
-          </a:extLst>
-        </p:spPr>
-        <p:txBody>
-          <a:bodyPr wrap="square" numCol="1" anchorCtr="0" compatLnSpc="1">
-            <a:prstTxWarp prst="textNoShape">
-              <a:avLst/>
-            </a:prstTxWarp>
-          </a:bodyPr>
-          <a:lstStyle>
-            <a:lvl1pPr>
-              <a:defRPr>
-                <a:solidFill>
-                  <a:schemeClr val="tx1"/>
-                </a:solidFill>
-                <a:latin typeface="Tenorite" panose="00000500000000000000" pitchFamily="2" charset="0"/>
-              </a:defRPr>
-            </a:lvl1pPr>
-            <a:lvl2pPr marL="742950" indent="-285750">
-              <a:defRPr>
-                <a:solidFill>
-                  <a:schemeClr val="tx1"/>
-                </a:solidFill>
-                <a:latin typeface="Tenorite" panose="00000500000000000000" pitchFamily="2" charset="0"/>
-              </a:defRPr>
-            </a:lvl2pPr>
-            <a:lvl3pPr marL="1143000" indent="-228600">
-              <a:defRPr>
-                <a:solidFill>
-                  <a:schemeClr val="tx1"/>
-                </a:solidFill>
-                <a:latin typeface="Tenorite" panose="00000500000000000000" pitchFamily="2" charset="0"/>
-              </a:defRPr>
-            </a:lvl3pPr>
-            <a:lvl4pPr marL="1600200" indent="-228600">
-              <a:defRPr>
-                <a:solidFill>
-                  <a:schemeClr val="tx1"/>
-                </a:solidFill>
-                <a:latin typeface="Tenorite" panose="00000500000000000000" pitchFamily="2" charset="0"/>
-              </a:defRPr>
-            </a:lvl4pPr>
-            <a:lvl5pPr marL="2057400" indent="-228600">
-              <a:defRPr>
-                <a:solidFill>
-                  <a:schemeClr val="tx1"/>
-                </a:solidFill>
-                <a:latin typeface="Tenorite" panose="00000500000000000000" pitchFamily="2" charset="0"/>
-              </a:defRPr>
-            </a:lvl5pPr>
-            <a:lvl6pPr marL="2514600" indent="-228600" fontAlgn="base">
-              <a:spcBef>
-                <a:spcPct val="0"/>
-              </a:spcBef>
-              <a:spcAft>
-                <a:spcPct val="0"/>
-              </a:spcAft>
-              <a:defRPr>
-                <a:solidFill>
-                  <a:schemeClr val="tx1"/>
-                </a:solidFill>
-                <a:latin typeface="Tenorite" panose="00000500000000000000" pitchFamily="2" charset="0"/>
-              </a:defRPr>
-            </a:lvl6pPr>
-            <a:lvl7pPr marL="2971800" indent="-228600" fontAlgn="base">
-              <a:spcBef>
-                <a:spcPct val="0"/>
-              </a:spcBef>
-              <a:spcAft>
-                <a:spcPct val="0"/>
-              </a:spcAft>
-              <a:defRPr>
-                <a:solidFill>
-                  <a:schemeClr val="tx1"/>
-                </a:solidFill>
-                <a:latin typeface="Tenorite" panose="00000500000000000000" pitchFamily="2" charset="0"/>
-              </a:defRPr>
-            </a:lvl7pPr>
-            <a:lvl8pPr marL="3429000" indent="-228600" fontAlgn="base">
-              <a:spcBef>
-                <a:spcPct val="0"/>
-              </a:spcBef>
-              <a:spcAft>
-                <a:spcPct val="0"/>
-              </a:spcAft>
-              <a:defRPr>
-                <a:solidFill>
-                  <a:schemeClr val="tx1"/>
-                </a:solidFill>
-                <a:latin typeface="Tenorite" panose="00000500000000000000" pitchFamily="2" charset="0"/>
-              </a:defRPr>
-            </a:lvl8pPr>
-            <a:lvl9pPr marL="3886200" indent="-228600" fontAlgn="base">
-              <a:spcBef>
-                <a:spcPct val="0"/>
-              </a:spcBef>
-              <a:spcAft>
-                <a:spcPct val="0"/>
-              </a:spcAft>
-              <a:defRPr>
-                <a:solidFill>
-                  <a:schemeClr val="tx1"/>
-                </a:solidFill>
-                <a:latin typeface="Tenorite" panose="00000500000000000000" pitchFamily="2" charset="0"/>
-              </a:defRPr>
-            </a:lvl9pPr>
-          </a:lstStyle>
-          <a:p>
-            <a:pPr fontAlgn="base">
-              <a:spcBef>
-                <a:spcPct val="0"/>
-              </a:spcBef>
-              <a:spcAft>
-                <a:spcPct val="0"/>
-              </a:spcAft>
-            </a:pPr>
-            <a:r>
-              <a:rPr lang="en-US" altLang="en-US">
-                <a:solidFill>
-                  <a:schemeClr val="accent2"/>
-                </a:solidFill>
-              </a:rPr>
-              <a:t>MICROSOFT EXCEL – BASE e AVANZATO</a:t>
-            </a:r>
-          </a:p>
-        </p:txBody>
-      </p:sp>
-      <p:sp>
-        <p:nvSpPr>
-          <p:cNvPr id="6" name="Slide Number Placeholder 5">
-            <a:extLst>
-              <a:ext uri="{FF2B5EF4-FFF2-40B4-BE49-F238E27FC236}">
-                <a16:creationId xmlns:a16="http://schemas.microsoft.com/office/drawing/2014/main" id="{D0A72242-62C2-E851-B53C-A5E3C3FFAB3D}"/>
-              </a:ext>
-            </a:extLst>
-          </p:cNvPr>
-          <p:cNvSpPr>
-            <a:spLocks noGrp="1"/>
-          </p:cNvSpPr>
-          <p:nvPr>
-            <p:ph type="sldNum" sz="quarter" idx="12"/>
-          </p:nvPr>
-        </p:nvSpPr>
-        <p:spPr/>
-        <p:txBody>
-          <a:bodyPr/>
-          <a:lstStyle/>
-          <a:p>
-            <a:pPr>
-              <a:defRPr/>
-            </a:pPr>
-            <a:fld id="{7A4E114E-DD44-45DC-818B-363C39D48A38}" type="slidenum">
-              <a:rPr lang="en-US"/>
-              <a:pPr>
-                <a:defRPr/>
-              </a:pPr>
-              <a:t>8</a:t>
-            </a:fld>
-            <a:endParaRPr lang="en-US" dirty="0"/>
-          </a:p>
-        </p:txBody>
-      </p:sp>
-    </p:spTree>
-  </p:cSld>
-  <p:clrMapOvr>
-    <a:masterClrMapping/>
-  </p:clrMapOvr>
-</p:sld>
-</file>
-
-<file path=ppt/slides/slide9.xml><?xml version="1.0" encoding="utf-8"?>
-<p:sld xmlns:a="http://schemas.openxmlformats.org/drawingml/2006/main" xmlns:r="http://schemas.openxmlformats.org/officeDocument/2006/relationships" xmlns:p="http://schemas.openxmlformats.org/presentationml/2006/main">
-  <p:cSld>
-    <p:spTree>
-      <p:nvGrpSpPr>
-        <p:cNvPr id="1" name=""/>
-        <p:cNvGrpSpPr/>
-        <p:nvPr/>
-      </p:nvGrpSpPr>
-      <p:grpSpPr>
-        <a:xfrm>
-          <a:off x="0" y="0"/>
-          <a:ext cx="0" cy="0"/>
-          <a:chOff x="0" y="0"/>
-          <a:chExt cx="0" cy="0"/>
-        </a:xfrm>
-      </p:grpSpPr>
-      <p:sp>
-        <p:nvSpPr>
-          <p:cNvPr id="2" name="Title 1">
-            <a:extLst>
-              <a:ext uri="{FF2B5EF4-FFF2-40B4-BE49-F238E27FC236}">
-                <a16:creationId xmlns:a16="http://schemas.microsoft.com/office/drawing/2014/main" id="{8C543F67-9C70-4748-8C0C-3A7863422F99}"/>
-              </a:ext>
-            </a:extLst>
-          </p:cNvPr>
-          <p:cNvSpPr>
-            <a:spLocks noGrp="1"/>
-          </p:cNvSpPr>
-          <p:nvPr>
-            <p:ph type="title"/>
-          </p:nvPr>
-        </p:nvSpPr>
-        <p:spPr>
-          <a:xfrm>
-            <a:off x="1167492" y="381000"/>
-            <a:ext cx="9779183" cy="1325563"/>
-          </a:xfrm>
-        </p:spPr>
-        <p:txBody>
-          <a:bodyPr/>
-          <a:lstStyle/>
-          <a:p>
-            <a:r>
-              <a:rPr lang="en-US" dirty="0" err="1"/>
-              <a:t>Esercizio</a:t>
-            </a:r>
-            <a:r>
-              <a:rPr lang="en-US" dirty="0"/>
-              <a:t> 6-2</a:t>
-            </a:r>
-          </a:p>
-        </p:txBody>
-      </p:sp>
-      <p:sp>
-        <p:nvSpPr>
-          <p:cNvPr id="3" name="Content Placeholder 2">
-            <a:extLst>
-              <a:ext uri="{FF2B5EF4-FFF2-40B4-BE49-F238E27FC236}">
-                <a16:creationId xmlns:a16="http://schemas.microsoft.com/office/drawing/2014/main" id="{95B371F2-DBA5-415A-82C8-651F587B857A}"/>
-              </a:ext>
-            </a:extLst>
-          </p:cNvPr>
-          <p:cNvSpPr>
-            <a:spLocks noGrp="1"/>
-          </p:cNvSpPr>
-          <p:nvPr>
-            <p:ph type="body" idx="1"/>
-          </p:nvPr>
-        </p:nvSpPr>
-        <p:spPr>
-          <a:xfrm>
-            <a:off x="1167492" y="2653167"/>
-            <a:ext cx="9779183" cy="3703183"/>
-          </a:xfrm>
-        </p:spPr>
-        <p:txBody>
-          <a:bodyPr vert="horz" lIns="91440" tIns="45720" rIns="91440" bIns="45720" rtlCol="0" anchor="t">
-            <a:normAutofit/>
-          </a:bodyPr>
-          <a:lstStyle/>
-          <a:p>
-            <a:r>
-              <a:rPr lang="en-US" b="1" dirty="0" err="1"/>
-              <a:t>Esercizio</a:t>
-            </a:r>
-            <a:r>
-              <a:rPr lang="en-US" b="1" dirty="0"/>
-              <a:t> </a:t>
-            </a:r>
-            <a:r>
-              <a:rPr lang="en-US" b="1" dirty="0" err="1"/>
-              <a:t>sulla</a:t>
-            </a:r>
-            <a:r>
-              <a:rPr lang="en-US" b="1" dirty="0"/>
-              <a:t> </a:t>
-            </a:r>
-            <a:r>
-              <a:rPr lang="en-US" b="1" dirty="0" err="1"/>
-              <a:t>Gestione</a:t>
-            </a:r>
-            <a:r>
-              <a:rPr lang="en-US" b="1" dirty="0"/>
-              <a:t> Scenario</a:t>
-            </a:r>
-            <a:endParaRPr lang="en-US" sz="2400" b="1" dirty="0"/>
-          </a:p>
-          <a:p>
-            <a:r>
-              <a:rPr lang="en-US" b="1" dirty="0"/>
-              <a:t>document28\GestioneScenari_1.xlsx</a:t>
-            </a:r>
-          </a:p>
-          <a:p>
-            <a:r>
-              <a:rPr lang="en-US" b="1" dirty="0"/>
-              <a:t>document28\GestioneScenari_Esterno.xlsx</a:t>
-            </a:r>
-          </a:p>
-        </p:txBody>
-      </p:sp>
-      <p:sp>
-        <p:nvSpPr>
-          <p:cNvPr id="4" name="Date Placeholder 3">
-            <a:extLst>
-              <a:ext uri="{FF2B5EF4-FFF2-40B4-BE49-F238E27FC236}">
-                <a16:creationId xmlns:a16="http://schemas.microsoft.com/office/drawing/2014/main" id="{DB056174-CBC5-7B48-9681-7DDAC423337E}"/>
-              </a:ext>
-            </a:extLst>
-          </p:cNvPr>
-          <p:cNvSpPr>
-            <a:spLocks noGrp="1"/>
-          </p:cNvSpPr>
-          <p:nvPr>
-            <p:ph type="dt" sz="half" idx="10"/>
-          </p:nvPr>
-        </p:nvSpPr>
-        <p:spPr>
-          <a:xfrm>
-            <a:off x="166396" y="6356350"/>
-            <a:ext cx="2743200" cy="365125"/>
-          </a:xfrm>
-        </p:spPr>
-        <p:txBody>
-          <a:bodyPr/>
-          <a:lstStyle/>
-          <a:p>
-            <a:r>
-              <a:rPr lang="en-US" dirty="0"/>
-              <a:t>GIUGNO-LUGLIO 2023</a:t>
-            </a:r>
-          </a:p>
-        </p:txBody>
-      </p:sp>
-      <p:sp>
-        <p:nvSpPr>
-          <p:cNvPr id="5" name="Footer Placeholder 4">
-            <a:extLst>
-              <a:ext uri="{FF2B5EF4-FFF2-40B4-BE49-F238E27FC236}">
-                <a16:creationId xmlns:a16="http://schemas.microsoft.com/office/drawing/2014/main" id="{D593FA18-50D6-0344-B477-1D7C91CF4029}"/>
-              </a:ext>
-            </a:extLst>
-          </p:cNvPr>
-          <p:cNvSpPr>
-            <a:spLocks noGrp="1"/>
-          </p:cNvSpPr>
-          <p:nvPr>
-            <p:ph type="ftr" sz="quarter" idx="11"/>
-          </p:nvPr>
-        </p:nvSpPr>
-        <p:spPr>
-          <a:xfrm>
-            <a:off x="4038600" y="6356350"/>
-            <a:ext cx="4114800" cy="365125"/>
-          </a:xfrm>
-        </p:spPr>
-        <p:txBody>
-          <a:bodyPr/>
-          <a:lstStyle/>
-          <a:p>
-            <a:r>
-              <a:rPr lang="en-US" dirty="0"/>
-              <a:t>MICROSOFT EXCEL – BASE e AVANZATO</a:t>
-            </a:r>
-          </a:p>
-        </p:txBody>
-      </p:sp>
-      <p:sp>
-        <p:nvSpPr>
-          <p:cNvPr id="6" name="Slide Number Placeholder 5">
-            <a:extLst>
-              <a:ext uri="{FF2B5EF4-FFF2-40B4-BE49-F238E27FC236}">
-                <a16:creationId xmlns:a16="http://schemas.microsoft.com/office/drawing/2014/main" id="{134C72D2-EFDF-844A-8472-CB49A59B127B}"/>
-              </a:ext>
-            </a:extLst>
-          </p:cNvPr>
-          <p:cNvSpPr>
-            <a:spLocks noGrp="1"/>
-          </p:cNvSpPr>
-          <p:nvPr>
-            <p:ph type="sldNum" sz="quarter" idx="12"/>
-          </p:nvPr>
-        </p:nvSpPr>
-        <p:spPr>
-          <a:xfrm>
-            <a:off x="10206318" y="6356350"/>
-            <a:ext cx="1604682" cy="365125"/>
-          </a:xfrm>
-        </p:spPr>
-        <p:txBody>
-          <a:bodyPr/>
-          <a:lstStyle/>
-          <a:p>
-            <a:fld id="{294A09A9-5501-47C1-A89A-A340965A2BE2}" type="slidenum">
-              <a:rPr lang="en-US" smtClean="0"/>
-              <a:pPr/>
-              <a:t>9</a:t>
-            </a:fld>
-            <a:endParaRPr lang="en-US" dirty="0"/>
-          </a:p>
-        </p:txBody>
-      </p:sp>
-    </p:spTree>
-    <p:extLst>
-      <p:ext uri="{BB962C8B-B14F-4D97-AF65-F5344CB8AC3E}">
-        <p14:creationId xmlns:p14="http://schemas.microsoft.com/office/powerpoint/2010/main" val="3618465120"/>
-      </p:ext>
-    </p:extLst>
   </p:cSld>
   <p:clrMapOvr>
     <a:masterClrMapping/>
@@ -29519,6 +31494,25 @@
 </file>
 
 <file path=customXml/item1.xml><?xml version="1.0" encoding="utf-8"?>
+<p:properties xmlns:p="http://schemas.microsoft.com/office/2006/metadata/properties" xmlns:xsi="http://www.w3.org/2001/XMLSchema-instance" xmlns:pc="http://schemas.microsoft.com/office/infopath/2007/PartnerControls">
+  <documentManagement>
+    <_ip_UnifiedCompliancePolicyUIAction xmlns="http://schemas.microsoft.com/sharepoint/v3" xsi:nil="true"/>
+    <Image xmlns="71af3243-3dd4-4a8d-8c0d-dd76da1f02a5">
+      <Url xsi:nil="true"/>
+      <Description xsi:nil="true"/>
+    </Image>
+    <Status xmlns="71af3243-3dd4-4a8d-8c0d-dd76da1f02a5">Not started</Status>
+    <_ip_UnifiedCompliancePolicyProperties xmlns="http://schemas.microsoft.com/sharepoint/v3" xsi:nil="true"/>
+    <ImageTagsTaxHTField xmlns="71af3243-3dd4-4a8d-8c0d-dd76da1f02a5">
+      <Terms xmlns="http://schemas.microsoft.com/office/infopath/2007/PartnerControls"/>
+    </ImageTagsTaxHTField>
+    <TaxCatchAll xmlns="230e9df3-be65-4c73-a93b-d1236ebd677e"/>
+    <MediaServiceKeyPoints xmlns="71af3243-3dd4-4a8d-8c0d-dd76da1f02a5" xsi:nil="true"/>
+  </documentManagement>
+</p:properties>
+</file>
+
+<file path=customXml/item2.xml><?xml version="1.0" encoding="utf-8"?>
 <ct:contentTypeSchema xmlns:ct="http://schemas.microsoft.com/office/2006/metadata/contentType" xmlns:ma="http://schemas.microsoft.com/office/2006/metadata/properties/metaAttributes" ct:_="" ma:_="" ma:contentTypeName="Document" ma:contentTypeID="0x01010079F111ED35F8CC479449609E8A0923A6" ma:contentTypeVersion="21" ma:contentTypeDescription="Create a new document." ma:contentTypeScope="" ma:versionID="64dfb1555687e0874b4304b796b5b0c7">
   <xsd:schema xmlns:xsd="http://www.w3.org/2001/XMLSchema" xmlns:xs="http://www.w3.org/2001/XMLSchema" xmlns:p="http://schemas.microsoft.com/office/2006/metadata/properties" xmlns:ns1="http://schemas.microsoft.com/sharepoint/v3" xmlns:ns2="71af3243-3dd4-4a8d-8c0d-dd76da1f02a5" xmlns:ns3="16c05727-aa75-4e4a-9b5f-8a80a1165891" xmlns:ns4="230e9df3-be65-4c73-a93b-d1236ebd677e" targetNamespace="http://schemas.microsoft.com/office/2006/metadata/properties" ma:root="true" ma:fieldsID="e6e4c555b5e194d05b7203de9c4567b3" ns1:_="" ns2:_="" ns3:_="" ns4:_="">
     <xsd:import namespace="http://schemas.microsoft.com/sharepoint/v3"/>
@@ -29800,25 +31794,6 @@
 </ct:contentTypeSchema>
 </file>
 
-<file path=customXml/item2.xml><?xml version="1.0" encoding="utf-8"?>
-<p:properties xmlns:p="http://schemas.microsoft.com/office/2006/metadata/properties" xmlns:xsi="http://www.w3.org/2001/XMLSchema-instance" xmlns:pc="http://schemas.microsoft.com/office/infopath/2007/PartnerControls">
-  <documentManagement>
-    <_ip_UnifiedCompliancePolicyUIAction xmlns="http://schemas.microsoft.com/sharepoint/v3" xsi:nil="true"/>
-    <Image xmlns="71af3243-3dd4-4a8d-8c0d-dd76da1f02a5">
-      <Url xsi:nil="true"/>
-      <Description xsi:nil="true"/>
-    </Image>
-    <Status xmlns="71af3243-3dd4-4a8d-8c0d-dd76da1f02a5">Not started</Status>
-    <_ip_UnifiedCompliancePolicyProperties xmlns="http://schemas.microsoft.com/sharepoint/v3" xsi:nil="true"/>
-    <ImageTagsTaxHTField xmlns="71af3243-3dd4-4a8d-8c0d-dd76da1f02a5">
-      <Terms xmlns="http://schemas.microsoft.com/office/infopath/2007/PartnerControls"/>
-    </ImageTagsTaxHTField>
-    <TaxCatchAll xmlns="230e9df3-be65-4c73-a93b-d1236ebd677e"/>
-    <MediaServiceKeyPoints xmlns="71af3243-3dd4-4a8d-8c0d-dd76da1f02a5" xsi:nil="true"/>
-  </documentManagement>
-</p:properties>
-</file>
-
 <file path=customXml/item3.xml><?xml version="1.0" encoding="utf-8"?>
 <?mso-contentType ?>
 <FormTemplates xmlns="http://schemas.microsoft.com/sharepoint/v3/contenttype/forms">
@@ -29829,6 +31804,25 @@
 </file>
 
 <file path=customXml/itemProps1.xml><?xml version="1.0" encoding="utf-8"?>
+<ds:datastoreItem xmlns:ds="http://schemas.openxmlformats.org/officeDocument/2006/customXml" ds:itemID="{4D5BAB77-79E1-4739-AA51-10C9079186D6}">
+  <ds:schemaRefs>
+    <ds:schemaRef ds:uri="http://www.w3.org/XML/1998/namespace"/>
+    <ds:schemaRef ds:uri="http://purl.org/dc/elements/1.1/"/>
+    <ds:schemaRef ds:uri="http://purl.org/dc/dcmitype/"/>
+    <ds:schemaRef ds:uri="230e9df3-be65-4c73-a93b-d1236ebd677e"/>
+    <ds:schemaRef ds:uri="http://schemas.microsoft.com/office/2006/documentManagement/types"/>
+    <ds:schemaRef ds:uri="http://schemas.microsoft.com/sharepoint/v3"/>
+    <ds:schemaRef ds:uri="http://purl.org/dc/terms/"/>
+    <ds:schemaRef ds:uri="http://schemas.microsoft.com/office/infopath/2007/PartnerControls"/>
+    <ds:schemaRef ds:uri="16c05727-aa75-4e4a-9b5f-8a80a1165891"/>
+    <ds:schemaRef ds:uri="http://schemas.openxmlformats.org/package/2006/metadata/core-properties"/>
+    <ds:schemaRef ds:uri="71af3243-3dd4-4a8d-8c0d-dd76da1f02a5"/>
+    <ds:schemaRef ds:uri="http://schemas.microsoft.com/office/2006/metadata/properties"/>
+  </ds:schemaRefs>
+</ds:datastoreItem>
+</file>
+
+<file path=customXml/itemProps2.xml><?xml version="1.0" encoding="utf-8"?>
 <ds:datastoreItem xmlns:ds="http://schemas.openxmlformats.org/officeDocument/2006/customXml" ds:itemID="{4A615295-94F6-4CE2-A1B1-6B7E1DAA5AD6}">
   <ds:schemaRefs>
     <ds:schemaRef ds:uri="http://schemas.microsoft.com/office/2006/metadata/contentType"/>
@@ -29849,25 +31843,6 @@
 </ds:datastoreItem>
 </file>
 
-<file path=customXml/itemProps2.xml><?xml version="1.0" encoding="utf-8"?>
-<ds:datastoreItem xmlns:ds="http://schemas.openxmlformats.org/officeDocument/2006/customXml" ds:itemID="{4D5BAB77-79E1-4739-AA51-10C9079186D6}">
-  <ds:schemaRefs>
-    <ds:schemaRef ds:uri="http://www.w3.org/XML/1998/namespace"/>
-    <ds:schemaRef ds:uri="http://purl.org/dc/elements/1.1/"/>
-    <ds:schemaRef ds:uri="http://purl.org/dc/dcmitype/"/>
-    <ds:schemaRef ds:uri="230e9df3-be65-4c73-a93b-d1236ebd677e"/>
-    <ds:schemaRef ds:uri="http://schemas.microsoft.com/office/2006/documentManagement/types"/>
-    <ds:schemaRef ds:uri="http://schemas.microsoft.com/sharepoint/v3"/>
-    <ds:schemaRef ds:uri="http://purl.org/dc/terms/"/>
-    <ds:schemaRef ds:uri="http://schemas.microsoft.com/office/infopath/2007/PartnerControls"/>
-    <ds:schemaRef ds:uri="16c05727-aa75-4e4a-9b5f-8a80a1165891"/>
-    <ds:schemaRef ds:uri="http://schemas.openxmlformats.org/package/2006/metadata/core-properties"/>
-    <ds:schemaRef ds:uri="71af3243-3dd4-4a8d-8c0d-dd76da1f02a5"/>
-    <ds:schemaRef ds:uri="http://schemas.microsoft.com/office/2006/metadata/properties"/>
-  </ds:schemaRefs>
-</ds:datastoreItem>
-</file>
-
 <file path=customXml/itemProps3.xml><?xml version="1.0" encoding="utf-8"?>
 <ds:datastoreItem xmlns:ds="http://schemas.openxmlformats.org/officeDocument/2006/customXml" ds:itemID="{85334180-0405-413B-834A-44FA9E05ADB7}">
   <ds:schemaRefs>

--- a/ppt/Corso_Excel_Base_Avanzato_Parte6.pptx
+++ b/ppt/Corso_Excel_Base_Avanzato_Parte6.pptx
@@ -293,7 +293,7 @@
               <a:pPr>
                 <a:defRPr/>
               </a:pPr>
-              <a:t>11-Jul-23</a:t>
+              <a:t>12-Jul-23</a:t>
             </a:fld>
             <a:endParaRPr lang="en-US" dirty="0"/>
           </a:p>
@@ -2607,7 +2607,7 @@
               <a:pPr>
                 <a:defRPr/>
               </a:pPr>
-              <a:t>11-Jul-23</a:t>
+              <a:t>12-Jul-23</a:t>
             </a:fld>
             <a:endParaRPr lang="en-US" dirty="0"/>
           </a:p>
@@ -3766,7 +3766,7 @@
               <a:pPr>
                 <a:defRPr/>
               </a:pPr>
-              <a:t>11-Jul-23</a:t>
+              <a:t>12-Jul-23</a:t>
             </a:fld>
             <a:endParaRPr lang="en-US" dirty="0"/>
           </a:p>
@@ -5110,7 +5110,7 @@
               <a:pPr>
                 <a:defRPr/>
               </a:pPr>
-              <a:t>11-Jul-23</a:t>
+              <a:t>12-Jul-23</a:t>
             </a:fld>
             <a:endParaRPr lang="en-US" dirty="0"/>
           </a:p>
@@ -6734,7 +6734,7 @@
               <a:pPr>
                 <a:defRPr/>
               </a:pPr>
-              <a:t>11-Jul-23</a:t>
+              <a:t>12-Jul-23</a:t>
             </a:fld>
             <a:endParaRPr lang="en-US" dirty="0"/>
           </a:p>
@@ -7462,7 +7462,7 @@
               <a:pPr>
                 <a:defRPr/>
               </a:pPr>
-              <a:t>11-Jul-23</a:t>
+              <a:t>12-Jul-23</a:t>
             </a:fld>
             <a:endParaRPr lang="en-US" dirty="0"/>
           </a:p>
@@ -8714,7 +8714,7 @@
               <a:pPr>
                 <a:defRPr/>
               </a:pPr>
-              <a:t>11-Jul-23</a:t>
+              <a:t>12-Jul-23</a:t>
             </a:fld>
             <a:endParaRPr lang="en-US" dirty="0"/>
           </a:p>
@@ -9301,7 +9301,7 @@
               <a:pPr>
                 <a:defRPr/>
               </a:pPr>
-              <a:t>11-Jul-23</a:t>
+              <a:t>12-Jul-23</a:t>
             </a:fld>
             <a:endParaRPr lang="en-US" dirty="0"/>
           </a:p>
@@ -9746,7 +9746,7 @@
               <a:pPr>
                 <a:defRPr/>
               </a:pPr>
-              <a:t>11-Jul-23</a:t>
+              <a:t>12-Jul-23</a:t>
             </a:fld>
             <a:endParaRPr lang="en-US" dirty="0"/>
           </a:p>
@@ -11401,7 +11401,7 @@
               <a:pPr>
                 <a:defRPr/>
               </a:pPr>
-              <a:t>11-Jul-23</a:t>
+              <a:t>12-Jul-23</a:t>
             </a:fld>
             <a:endParaRPr lang="en-US" dirty="0"/>
           </a:p>
@@ -12669,7 +12669,7 @@
               <a:pPr>
                 <a:defRPr/>
               </a:pPr>
-              <a:t>11-Jul-23</a:t>
+              <a:t>12-Jul-23</a:t>
             </a:fld>
             <a:endParaRPr lang="en-US" dirty="0"/>
           </a:p>
@@ -13007,7 +13007,7 @@
               <a:pPr>
                 <a:defRPr/>
               </a:pPr>
-              <a:t>11-Jul-23</a:t>
+              <a:t>12-Jul-23</a:t>
             </a:fld>
             <a:endParaRPr lang="en-US" dirty="0"/>
           </a:p>
@@ -15332,7 +15332,7 @@
             <a:fld id="{7E7AB22C-8B7E-9B4A-8C65-396C3C874D86}" type="datetime1">
               <a:rPr lang="en-US" smtClean="0"/>
               <a:pPr/>
-              <a:t>11-Jul-23</a:t>
+              <a:t>12-Jul-23</a:t>
             </a:fld>
             <a:endParaRPr lang="en-US" dirty="0"/>
           </a:p>
@@ -17295,7 +17295,7 @@
             <a:fld id="{7E7AB22C-8B7E-9B4A-8C65-396C3C874D86}" type="datetime1">
               <a:rPr lang="en-US" smtClean="0"/>
               <a:pPr/>
-              <a:t>11-Jul-23</a:t>
+              <a:t>12-Jul-23</a:t>
             </a:fld>
             <a:endParaRPr lang="en-US" dirty="0"/>
           </a:p>
@@ -18859,7 +18859,7 @@
             <a:fld id="{7E7AB22C-8B7E-9B4A-8C65-396C3C874D86}" type="datetime1">
               <a:rPr lang="en-US" smtClean="0"/>
               <a:pPr/>
-              <a:t>11-Jul-23</a:t>
+              <a:t>12-Jul-23</a:t>
             </a:fld>
             <a:endParaRPr lang="en-US" dirty="0"/>
           </a:p>
@@ -20853,7 +20853,7 @@
             <a:fld id="{7E7AB22C-8B7E-9B4A-8C65-396C3C874D86}" type="datetime1">
               <a:rPr lang="en-US" smtClean="0"/>
               <a:pPr/>
-              <a:t>11-Jul-23</a:t>
+              <a:t>12-Jul-23</a:t>
             </a:fld>
             <a:endParaRPr lang="en-US" dirty="0"/>
           </a:p>
@@ -21855,7 +21855,7 @@
             <a:fld id="{7E7AB22C-8B7E-9B4A-8C65-396C3C874D86}" type="datetime1">
               <a:rPr lang="en-US" smtClean="0"/>
               <a:pPr/>
-              <a:t>11-Jul-23</a:t>
+              <a:t>12-Jul-23</a:t>
             </a:fld>
             <a:endParaRPr lang="en-US" dirty="0"/>
           </a:p>
@@ -23729,7 +23729,7 @@
             <a:fld id="{7E7AB22C-8B7E-9B4A-8C65-396C3C874D86}" type="datetime1">
               <a:rPr lang="en-US" smtClean="0"/>
               <a:pPr/>
-              <a:t>11-Jul-23</a:t>
+              <a:t>12-Jul-23</a:t>
             </a:fld>
             <a:endParaRPr lang="en-US" dirty="0"/>
           </a:p>
@@ -30577,7 +30577,7 @@
           <a:p>
             <a:pPr eaLnBrk="1" hangingPunct="1"/>
             <a:r>
-              <a:rPr lang="en-US" altLang="en-US" sz="2200" b="1">
+              <a:rPr lang="en-US" altLang="en-US" sz="2200" b="1" dirty="0">
                 <a:solidFill>
                   <a:srgbClr val="141414"/>
                 </a:solidFill>
@@ -30665,7 +30665,7 @@
         </p:nvSpPr>
         <p:spPr bwMode="auto">
           <a:xfrm>
-            <a:off x="2641600" y="5524500"/>
+            <a:off x="2641600" y="5694669"/>
             <a:ext cx="6908800" cy="769938"/>
           </a:xfrm>
           <a:prstGeom prst="rect">
@@ -30978,6 +30978,466 @@
                 <a:cs typeface="Arial" panose="020B0604020202020204" pitchFamily="34" charset="0"/>
               </a:rPr>
               <a:t>variabili</a:t>
+            </a:r>
+            <a:endParaRPr lang="en-US" altLang="en-US" sz="2200" b="1" dirty="0">
+              <a:solidFill>
+                <a:srgbClr val="141414"/>
+              </a:solidFill>
+              <a:latin typeface="Tenorite (Body)"/>
+              <a:cs typeface="Arial" panose="020B0604020202020204" pitchFamily="34" charset="0"/>
+            </a:endParaRPr>
+          </a:p>
+        </p:txBody>
+      </p:sp>
+      <p:sp>
+        <p:nvSpPr>
+          <p:cNvPr id="2" name="TextBox 10">
+            <a:extLst>
+              <a:ext uri="{FF2B5EF4-FFF2-40B4-BE49-F238E27FC236}">
+                <a16:creationId xmlns:a16="http://schemas.microsoft.com/office/drawing/2014/main" id="{B8EF6F02-B616-177D-73B0-04383DD8E9F3}"/>
+              </a:ext>
+            </a:extLst>
+          </p:cNvPr>
+          <p:cNvSpPr txBox="1">
+            <a:spLocks noChangeArrowheads="1"/>
+          </p:cNvSpPr>
+          <p:nvPr/>
+        </p:nvSpPr>
+        <p:spPr bwMode="auto">
+          <a:xfrm>
+            <a:off x="4445796" y="4152683"/>
+            <a:ext cx="6907212" cy="1446550"/>
+          </a:xfrm>
+          <a:prstGeom prst="rect">
+            <a:avLst/>
+          </a:prstGeom>
+          <a:noFill/>
+          <a:ln>
+            <a:noFill/>
+          </a:ln>
+          <a:extLst>
+            <a:ext uri="{909E8E84-426E-40DD-AFC4-6F175D3DCCD1}">
+              <a14:hiddenFill xmlns:a14="http://schemas.microsoft.com/office/drawing/2010/main">
+                <a:solidFill>
+                  <a:srgbClr val="FFFFFF"/>
+                </a:solidFill>
+              </a14:hiddenFill>
+            </a:ext>
+            <a:ext uri="{91240B29-F687-4F45-9708-019B960494DF}">
+              <a14:hiddenLine xmlns:a14="http://schemas.microsoft.com/office/drawing/2010/main" w="9525">
+                <a:solidFill>
+                  <a:srgbClr val="000000"/>
+                </a:solidFill>
+                <a:miter lim="800000"/>
+                <a:headEnd/>
+                <a:tailEnd/>
+              </a14:hiddenLine>
+            </a:ext>
+          </a:extLst>
+        </p:spPr>
+        <p:txBody>
+          <a:bodyPr>
+            <a:spAutoFit/>
+          </a:bodyPr>
+          <a:lstStyle>
+            <a:lvl1pPr>
+              <a:defRPr>
+                <a:solidFill>
+                  <a:schemeClr val="tx1"/>
+                </a:solidFill>
+                <a:latin typeface="Tenorite" panose="00000500000000000000" pitchFamily="2" charset="0"/>
+              </a:defRPr>
+            </a:lvl1pPr>
+            <a:lvl2pPr marL="742950" indent="-285750">
+              <a:defRPr>
+                <a:solidFill>
+                  <a:schemeClr val="tx1"/>
+                </a:solidFill>
+                <a:latin typeface="Tenorite" panose="00000500000000000000" pitchFamily="2" charset="0"/>
+              </a:defRPr>
+            </a:lvl2pPr>
+            <a:lvl3pPr marL="1143000" indent="-228600">
+              <a:defRPr>
+                <a:solidFill>
+                  <a:schemeClr val="tx1"/>
+                </a:solidFill>
+                <a:latin typeface="Tenorite" panose="00000500000000000000" pitchFamily="2" charset="0"/>
+              </a:defRPr>
+            </a:lvl3pPr>
+            <a:lvl4pPr marL="1600200" indent="-228600">
+              <a:defRPr>
+                <a:solidFill>
+                  <a:schemeClr val="tx1"/>
+                </a:solidFill>
+                <a:latin typeface="Tenorite" panose="00000500000000000000" pitchFamily="2" charset="0"/>
+              </a:defRPr>
+            </a:lvl4pPr>
+            <a:lvl5pPr marL="2057400" indent="-228600">
+              <a:defRPr>
+                <a:solidFill>
+                  <a:schemeClr val="tx1"/>
+                </a:solidFill>
+                <a:latin typeface="Tenorite" panose="00000500000000000000" pitchFamily="2" charset="0"/>
+              </a:defRPr>
+            </a:lvl5pPr>
+            <a:lvl6pPr marL="2514600" indent="-228600" fontAlgn="base">
+              <a:spcBef>
+                <a:spcPct val="0"/>
+              </a:spcBef>
+              <a:spcAft>
+                <a:spcPct val="0"/>
+              </a:spcAft>
+              <a:defRPr>
+                <a:solidFill>
+                  <a:schemeClr val="tx1"/>
+                </a:solidFill>
+                <a:latin typeface="Tenorite" panose="00000500000000000000" pitchFamily="2" charset="0"/>
+              </a:defRPr>
+            </a:lvl6pPr>
+            <a:lvl7pPr marL="2971800" indent="-228600" fontAlgn="base">
+              <a:spcBef>
+                <a:spcPct val="0"/>
+              </a:spcBef>
+              <a:spcAft>
+                <a:spcPct val="0"/>
+              </a:spcAft>
+              <a:defRPr>
+                <a:solidFill>
+                  <a:schemeClr val="tx1"/>
+                </a:solidFill>
+                <a:latin typeface="Tenorite" panose="00000500000000000000" pitchFamily="2" charset="0"/>
+              </a:defRPr>
+            </a:lvl7pPr>
+            <a:lvl8pPr marL="3429000" indent="-228600" fontAlgn="base">
+              <a:spcBef>
+                <a:spcPct val="0"/>
+              </a:spcBef>
+              <a:spcAft>
+                <a:spcPct val="0"/>
+              </a:spcAft>
+              <a:defRPr>
+                <a:solidFill>
+                  <a:schemeClr val="tx1"/>
+                </a:solidFill>
+                <a:latin typeface="Tenorite" panose="00000500000000000000" pitchFamily="2" charset="0"/>
+              </a:defRPr>
+            </a:lvl8pPr>
+            <a:lvl9pPr marL="3886200" indent="-228600" fontAlgn="base">
+              <a:spcBef>
+                <a:spcPct val="0"/>
+              </a:spcBef>
+              <a:spcAft>
+                <a:spcPct val="0"/>
+              </a:spcAft>
+              <a:defRPr>
+                <a:solidFill>
+                  <a:schemeClr val="tx1"/>
+                </a:solidFill>
+                <a:latin typeface="Tenorite" panose="00000500000000000000" pitchFamily="2" charset="0"/>
+              </a:defRPr>
+            </a:lvl9pPr>
+          </a:lstStyle>
+          <a:p>
+            <a:pPr eaLnBrk="1" hangingPunct="1"/>
+            <a:r>
+              <a:rPr lang="en-US" altLang="en-US" sz="2200" dirty="0" err="1">
+                <a:solidFill>
+                  <a:srgbClr val="141414"/>
+                </a:solidFill>
+                <a:latin typeface="Tenorite (Body)"/>
+                <a:cs typeface="Arial" panose="020B0604020202020204" pitchFamily="34" charset="0"/>
+              </a:rPr>
+              <a:t>Selezionando</a:t>
+            </a:r>
+            <a:r>
+              <a:rPr lang="en-US" altLang="en-US" sz="2200" dirty="0">
+                <a:solidFill>
+                  <a:srgbClr val="141414"/>
+                </a:solidFill>
+                <a:latin typeface="Tenorite (Body)"/>
+                <a:cs typeface="Arial" panose="020B0604020202020204" pitchFamily="34" charset="0"/>
+              </a:rPr>
+              <a:t> </a:t>
+            </a:r>
+            <a:r>
+              <a:rPr lang="en-US" altLang="en-US" sz="2200" dirty="0" err="1">
+                <a:solidFill>
+                  <a:srgbClr val="141414"/>
+                </a:solidFill>
+                <a:latin typeface="Tenorite (Body)"/>
+                <a:cs typeface="Arial" panose="020B0604020202020204" pitchFamily="34" charset="0"/>
+              </a:rPr>
+              <a:t>l’intero</a:t>
+            </a:r>
+            <a:r>
+              <a:rPr lang="en-US" altLang="en-US" sz="2200" dirty="0">
+                <a:solidFill>
+                  <a:srgbClr val="141414"/>
+                </a:solidFill>
+                <a:latin typeface="Tenorite (Body)"/>
+                <a:cs typeface="Arial" panose="020B0604020202020204" pitchFamily="34" charset="0"/>
+              </a:rPr>
+              <a:t> range e poi </a:t>
+            </a:r>
+            <a:r>
+              <a:rPr lang="en-US" altLang="en-US" sz="2200" dirty="0" err="1">
+                <a:solidFill>
+                  <a:srgbClr val="141414"/>
+                </a:solidFill>
+                <a:latin typeface="Tenorite (Body)"/>
+                <a:cs typeface="Arial" panose="020B0604020202020204" pitchFamily="34" charset="0"/>
+              </a:rPr>
+              <a:t>andando</a:t>
+            </a:r>
+            <a:r>
+              <a:rPr lang="en-US" altLang="en-US" sz="2200" dirty="0">
+                <a:solidFill>
+                  <a:srgbClr val="141414"/>
+                </a:solidFill>
+                <a:latin typeface="Tenorite (Body)"/>
+                <a:cs typeface="Arial" panose="020B0604020202020204" pitchFamily="34" charset="0"/>
+              </a:rPr>
+              <a:t> </a:t>
+            </a:r>
+            <a:r>
+              <a:rPr lang="en-US" altLang="en-US" sz="2200" dirty="0" err="1">
+                <a:solidFill>
+                  <a:srgbClr val="141414"/>
+                </a:solidFill>
+                <a:latin typeface="Tenorite (Body)"/>
+                <a:cs typeface="Arial" panose="020B0604020202020204" pitchFamily="34" charset="0"/>
+              </a:rPr>
+              <a:t>nel</a:t>
+            </a:r>
+            <a:r>
+              <a:rPr lang="en-US" altLang="en-US" sz="2200" dirty="0">
+                <a:solidFill>
+                  <a:srgbClr val="141414"/>
+                </a:solidFill>
+                <a:latin typeface="Tenorite (Body)"/>
+                <a:cs typeface="Arial" panose="020B0604020202020204" pitchFamily="34" charset="0"/>
+              </a:rPr>
+              <a:t> menu </a:t>
+            </a:r>
+            <a:r>
+              <a:rPr lang="en-US" altLang="en-US" sz="2200" b="1" dirty="0">
+                <a:solidFill>
+                  <a:srgbClr val="141414"/>
+                </a:solidFill>
+                <a:latin typeface="Tenorite (Body)"/>
+                <a:cs typeface="Arial" panose="020B0604020202020204" pitchFamily="34" charset="0"/>
+              </a:rPr>
+              <a:t>Data&gt;</a:t>
+            </a:r>
+            <a:r>
+              <a:rPr lang="en-US" altLang="en-US" sz="2200" b="1" dirty="0" err="1">
+                <a:solidFill>
+                  <a:srgbClr val="141414"/>
+                </a:solidFill>
+                <a:latin typeface="Tenorite (Body)"/>
+                <a:cs typeface="Arial" panose="020B0604020202020204" pitchFamily="34" charset="0"/>
+              </a:rPr>
+              <a:t>WhatIfAnalysis</a:t>
+            </a:r>
+            <a:r>
+              <a:rPr lang="en-US" altLang="en-US" sz="2200" b="1" dirty="0">
+                <a:solidFill>
+                  <a:srgbClr val="141414"/>
+                </a:solidFill>
+                <a:latin typeface="Tenorite (Body)"/>
+                <a:cs typeface="Arial" panose="020B0604020202020204" pitchFamily="34" charset="0"/>
+              </a:rPr>
+              <a:t>&gt;Data Table</a:t>
+            </a:r>
+            <a:r>
+              <a:rPr lang="en-US" altLang="en-US" sz="2200" dirty="0">
+                <a:solidFill>
+                  <a:srgbClr val="141414"/>
+                </a:solidFill>
+                <a:latin typeface="Tenorite (Body)"/>
+                <a:cs typeface="Arial" panose="020B0604020202020204" pitchFamily="34" charset="0"/>
+              </a:rPr>
+              <a:t>, </a:t>
+            </a:r>
+            <a:r>
+              <a:rPr lang="en-US" altLang="en-US" sz="2200" dirty="0" err="1">
+                <a:solidFill>
+                  <a:srgbClr val="141414"/>
+                </a:solidFill>
+                <a:latin typeface="Tenorite (Body)"/>
+                <a:cs typeface="Arial" panose="020B0604020202020204" pitchFamily="34" charset="0"/>
+              </a:rPr>
+              <a:t>si</a:t>
+            </a:r>
+            <a:r>
+              <a:rPr lang="en-US" altLang="en-US" sz="2200" dirty="0">
+                <a:solidFill>
+                  <a:srgbClr val="141414"/>
+                </a:solidFill>
+                <a:latin typeface="Tenorite (Body)"/>
+                <a:cs typeface="Arial" panose="020B0604020202020204" pitchFamily="34" charset="0"/>
+              </a:rPr>
+              <a:t> </a:t>
+            </a:r>
+            <a:r>
+              <a:rPr lang="en-US" altLang="en-US" sz="2200" dirty="0" err="1">
+                <a:solidFill>
+                  <a:srgbClr val="141414"/>
+                </a:solidFill>
+                <a:latin typeface="Tenorite (Body)"/>
+                <a:cs typeface="Arial" panose="020B0604020202020204" pitchFamily="34" charset="0"/>
+              </a:rPr>
+              <a:t>sceglie</a:t>
+            </a:r>
+            <a:r>
+              <a:rPr lang="en-US" altLang="en-US" sz="2200" dirty="0">
+                <a:solidFill>
+                  <a:srgbClr val="141414"/>
+                </a:solidFill>
+                <a:latin typeface="Tenorite (Body)"/>
+                <a:cs typeface="Arial" panose="020B0604020202020204" pitchFamily="34" charset="0"/>
+              </a:rPr>
+              <a:t> come Input di </a:t>
+            </a:r>
+            <a:r>
+              <a:rPr lang="en-US" altLang="en-US" sz="2200" dirty="0" err="1">
+                <a:solidFill>
+                  <a:srgbClr val="141414"/>
+                </a:solidFill>
+                <a:latin typeface="Tenorite (Body)"/>
+                <a:cs typeface="Arial" panose="020B0604020202020204" pitchFamily="34" charset="0"/>
+              </a:rPr>
+              <a:t>riga</a:t>
+            </a:r>
+            <a:r>
+              <a:rPr lang="en-US" altLang="en-US" sz="2200" dirty="0">
+                <a:solidFill>
+                  <a:srgbClr val="141414"/>
+                </a:solidFill>
+                <a:latin typeface="Tenorite (Body)"/>
+                <a:cs typeface="Arial" panose="020B0604020202020204" pitchFamily="34" charset="0"/>
+              </a:rPr>
+              <a:t> la </a:t>
+            </a:r>
+            <a:r>
+              <a:rPr lang="en-US" altLang="en-US" sz="2200" dirty="0" err="1">
+                <a:solidFill>
+                  <a:srgbClr val="141414"/>
+                </a:solidFill>
+                <a:latin typeface="Tenorite (Body)"/>
+                <a:cs typeface="Arial" panose="020B0604020202020204" pitchFamily="34" charset="0"/>
+              </a:rPr>
+              <a:t>cella</a:t>
+            </a:r>
+            <a:r>
+              <a:rPr lang="en-US" altLang="en-US" sz="2200" dirty="0">
+                <a:solidFill>
+                  <a:srgbClr val="141414"/>
+                </a:solidFill>
+                <a:latin typeface="Tenorite (Body)"/>
+                <a:cs typeface="Arial" panose="020B0604020202020204" pitchFamily="34" charset="0"/>
+              </a:rPr>
+              <a:t> </a:t>
+            </a:r>
+            <a:r>
+              <a:rPr lang="en-US" altLang="en-US" sz="2200" dirty="0" err="1">
+                <a:solidFill>
+                  <a:srgbClr val="141414"/>
+                </a:solidFill>
+                <a:latin typeface="Tenorite (Body)"/>
+                <a:cs typeface="Arial" panose="020B0604020202020204" pitchFamily="34" charset="0"/>
+              </a:rPr>
+              <a:t>che</a:t>
+            </a:r>
+            <a:r>
+              <a:rPr lang="en-US" altLang="en-US" sz="2200" dirty="0">
+                <a:solidFill>
+                  <a:srgbClr val="141414"/>
+                </a:solidFill>
+                <a:latin typeface="Tenorite (Body)"/>
+                <a:cs typeface="Arial" panose="020B0604020202020204" pitchFamily="34" charset="0"/>
+              </a:rPr>
+              <a:t> </a:t>
+            </a:r>
+            <a:r>
+              <a:rPr lang="en-US" altLang="en-US" sz="2200" dirty="0" err="1">
+                <a:solidFill>
+                  <a:srgbClr val="141414"/>
+                </a:solidFill>
+                <a:latin typeface="Tenorite (Body)"/>
+                <a:cs typeface="Arial" panose="020B0604020202020204" pitchFamily="34" charset="0"/>
+              </a:rPr>
+              <a:t>contiene</a:t>
+            </a:r>
+            <a:r>
+              <a:rPr lang="en-US" altLang="en-US" sz="2200" dirty="0">
+                <a:solidFill>
+                  <a:srgbClr val="141414"/>
+                </a:solidFill>
+                <a:latin typeface="Tenorite (Body)"/>
+                <a:cs typeface="Arial" panose="020B0604020202020204" pitchFamily="34" charset="0"/>
+              </a:rPr>
+              <a:t> la </a:t>
+            </a:r>
+            <a:r>
+              <a:rPr lang="en-US" altLang="en-US" sz="2200" dirty="0" err="1">
+                <a:solidFill>
+                  <a:srgbClr val="141414"/>
+                </a:solidFill>
+                <a:latin typeface="Tenorite (Body)"/>
+                <a:cs typeface="Arial" panose="020B0604020202020204" pitchFamily="34" charset="0"/>
+              </a:rPr>
+              <a:t>Durata</a:t>
+            </a:r>
+            <a:r>
+              <a:rPr lang="en-US" altLang="en-US" sz="2200" dirty="0">
+                <a:solidFill>
+                  <a:srgbClr val="141414"/>
+                </a:solidFill>
+                <a:latin typeface="Tenorite (Body)"/>
+                <a:cs typeface="Arial" panose="020B0604020202020204" pitchFamily="34" charset="0"/>
+              </a:rPr>
+              <a:t> (</a:t>
+            </a:r>
+            <a:r>
+              <a:rPr lang="en-US" altLang="en-US" sz="2200" dirty="0" err="1">
+                <a:solidFill>
+                  <a:srgbClr val="141414"/>
+                </a:solidFill>
+                <a:latin typeface="Tenorite (Body)"/>
+                <a:cs typeface="Arial" panose="020B0604020202020204" pitchFamily="34" charset="0"/>
+              </a:rPr>
+              <a:t>mesi</a:t>
+            </a:r>
+            <a:r>
+              <a:rPr lang="en-US" altLang="en-US" sz="2200" dirty="0">
+                <a:solidFill>
+                  <a:srgbClr val="141414"/>
+                </a:solidFill>
+                <a:latin typeface="Tenorite (Body)"/>
+                <a:cs typeface="Arial" panose="020B0604020202020204" pitchFamily="34" charset="0"/>
+              </a:rPr>
+              <a:t>), e come input di Colonna, il </a:t>
+            </a:r>
+            <a:r>
+              <a:rPr lang="en-US" altLang="en-US" sz="2200" dirty="0" err="1">
+                <a:solidFill>
+                  <a:srgbClr val="141414"/>
+                </a:solidFill>
+                <a:latin typeface="Tenorite (Body)"/>
+                <a:cs typeface="Arial" panose="020B0604020202020204" pitchFamily="34" charset="0"/>
+              </a:rPr>
+              <a:t>valore</a:t>
+            </a:r>
+            <a:r>
+              <a:rPr lang="en-US" altLang="en-US" sz="2200" dirty="0">
+                <a:solidFill>
+                  <a:srgbClr val="141414"/>
+                </a:solidFill>
+                <a:latin typeface="Tenorite (Body)"/>
+                <a:cs typeface="Arial" panose="020B0604020202020204" pitchFamily="34" charset="0"/>
+              </a:rPr>
+              <a:t> del Tasso di Interesse</a:t>
             </a:r>
             <a:endParaRPr lang="en-US" altLang="en-US" sz="2200" b="1" dirty="0">
               <a:solidFill>
@@ -31494,25 +31954,6 @@
 </file>
 
 <file path=customXml/item1.xml><?xml version="1.0" encoding="utf-8"?>
-<p:properties xmlns:p="http://schemas.microsoft.com/office/2006/metadata/properties" xmlns:xsi="http://www.w3.org/2001/XMLSchema-instance" xmlns:pc="http://schemas.microsoft.com/office/infopath/2007/PartnerControls">
-  <documentManagement>
-    <_ip_UnifiedCompliancePolicyUIAction xmlns="http://schemas.microsoft.com/sharepoint/v3" xsi:nil="true"/>
-    <Image xmlns="71af3243-3dd4-4a8d-8c0d-dd76da1f02a5">
-      <Url xsi:nil="true"/>
-      <Description xsi:nil="true"/>
-    </Image>
-    <Status xmlns="71af3243-3dd4-4a8d-8c0d-dd76da1f02a5">Not started</Status>
-    <_ip_UnifiedCompliancePolicyProperties xmlns="http://schemas.microsoft.com/sharepoint/v3" xsi:nil="true"/>
-    <ImageTagsTaxHTField xmlns="71af3243-3dd4-4a8d-8c0d-dd76da1f02a5">
-      <Terms xmlns="http://schemas.microsoft.com/office/infopath/2007/PartnerControls"/>
-    </ImageTagsTaxHTField>
-    <TaxCatchAll xmlns="230e9df3-be65-4c73-a93b-d1236ebd677e"/>
-    <MediaServiceKeyPoints xmlns="71af3243-3dd4-4a8d-8c0d-dd76da1f02a5" xsi:nil="true"/>
-  </documentManagement>
-</p:properties>
-</file>
-
-<file path=customXml/item2.xml><?xml version="1.0" encoding="utf-8"?>
 <ct:contentTypeSchema xmlns:ct="http://schemas.microsoft.com/office/2006/metadata/contentType" xmlns:ma="http://schemas.microsoft.com/office/2006/metadata/properties/metaAttributes" ct:_="" ma:_="" ma:contentTypeName="Document" ma:contentTypeID="0x01010079F111ED35F8CC479449609E8A0923A6" ma:contentTypeVersion="21" ma:contentTypeDescription="Create a new document." ma:contentTypeScope="" ma:versionID="64dfb1555687e0874b4304b796b5b0c7">
   <xsd:schema xmlns:xsd="http://www.w3.org/2001/XMLSchema" xmlns:xs="http://www.w3.org/2001/XMLSchema" xmlns:p="http://schemas.microsoft.com/office/2006/metadata/properties" xmlns:ns1="http://schemas.microsoft.com/sharepoint/v3" xmlns:ns2="71af3243-3dd4-4a8d-8c0d-dd76da1f02a5" xmlns:ns3="16c05727-aa75-4e4a-9b5f-8a80a1165891" xmlns:ns4="230e9df3-be65-4c73-a93b-d1236ebd677e" targetNamespace="http://schemas.microsoft.com/office/2006/metadata/properties" ma:root="true" ma:fieldsID="e6e4c555b5e194d05b7203de9c4567b3" ns1:_="" ns2:_="" ns3:_="" ns4:_="">
     <xsd:import namespace="http://schemas.microsoft.com/sharepoint/v3"/>
@@ -31794,6 +32235,25 @@
 </ct:contentTypeSchema>
 </file>
 
+<file path=customXml/item2.xml><?xml version="1.0" encoding="utf-8"?>
+<p:properties xmlns:p="http://schemas.microsoft.com/office/2006/metadata/properties" xmlns:xsi="http://www.w3.org/2001/XMLSchema-instance" xmlns:pc="http://schemas.microsoft.com/office/infopath/2007/PartnerControls">
+  <documentManagement>
+    <_ip_UnifiedCompliancePolicyUIAction xmlns="http://schemas.microsoft.com/sharepoint/v3" xsi:nil="true"/>
+    <Image xmlns="71af3243-3dd4-4a8d-8c0d-dd76da1f02a5">
+      <Url xsi:nil="true"/>
+      <Description xsi:nil="true"/>
+    </Image>
+    <Status xmlns="71af3243-3dd4-4a8d-8c0d-dd76da1f02a5">Not started</Status>
+    <_ip_UnifiedCompliancePolicyProperties xmlns="http://schemas.microsoft.com/sharepoint/v3" xsi:nil="true"/>
+    <ImageTagsTaxHTField xmlns="71af3243-3dd4-4a8d-8c0d-dd76da1f02a5">
+      <Terms xmlns="http://schemas.microsoft.com/office/infopath/2007/PartnerControls"/>
+    </ImageTagsTaxHTField>
+    <TaxCatchAll xmlns="230e9df3-be65-4c73-a93b-d1236ebd677e"/>
+    <MediaServiceKeyPoints xmlns="71af3243-3dd4-4a8d-8c0d-dd76da1f02a5" xsi:nil="true"/>
+  </documentManagement>
+</p:properties>
+</file>
+
 <file path=customXml/item3.xml><?xml version="1.0" encoding="utf-8"?>
 <?mso-contentType ?>
 <FormTemplates xmlns="http://schemas.microsoft.com/sharepoint/v3/contenttype/forms">
@@ -31804,25 +32264,6 @@
 </file>
 
 <file path=customXml/itemProps1.xml><?xml version="1.0" encoding="utf-8"?>
-<ds:datastoreItem xmlns:ds="http://schemas.openxmlformats.org/officeDocument/2006/customXml" ds:itemID="{4D5BAB77-79E1-4739-AA51-10C9079186D6}">
-  <ds:schemaRefs>
-    <ds:schemaRef ds:uri="http://www.w3.org/XML/1998/namespace"/>
-    <ds:schemaRef ds:uri="http://purl.org/dc/elements/1.1/"/>
-    <ds:schemaRef ds:uri="http://purl.org/dc/dcmitype/"/>
-    <ds:schemaRef ds:uri="230e9df3-be65-4c73-a93b-d1236ebd677e"/>
-    <ds:schemaRef ds:uri="http://schemas.microsoft.com/office/2006/documentManagement/types"/>
-    <ds:schemaRef ds:uri="http://schemas.microsoft.com/sharepoint/v3"/>
-    <ds:schemaRef ds:uri="http://purl.org/dc/terms/"/>
-    <ds:schemaRef ds:uri="http://schemas.microsoft.com/office/infopath/2007/PartnerControls"/>
-    <ds:schemaRef ds:uri="16c05727-aa75-4e4a-9b5f-8a80a1165891"/>
-    <ds:schemaRef ds:uri="http://schemas.openxmlformats.org/package/2006/metadata/core-properties"/>
-    <ds:schemaRef ds:uri="71af3243-3dd4-4a8d-8c0d-dd76da1f02a5"/>
-    <ds:schemaRef ds:uri="http://schemas.microsoft.com/office/2006/metadata/properties"/>
-  </ds:schemaRefs>
-</ds:datastoreItem>
-</file>
-
-<file path=customXml/itemProps2.xml><?xml version="1.0" encoding="utf-8"?>
 <ds:datastoreItem xmlns:ds="http://schemas.openxmlformats.org/officeDocument/2006/customXml" ds:itemID="{4A615295-94F6-4CE2-A1B1-6B7E1DAA5AD6}">
   <ds:schemaRefs>
     <ds:schemaRef ds:uri="http://schemas.microsoft.com/office/2006/metadata/contentType"/>
@@ -31843,6 +32284,25 @@
 </ds:datastoreItem>
 </file>
 
+<file path=customXml/itemProps2.xml><?xml version="1.0" encoding="utf-8"?>
+<ds:datastoreItem xmlns:ds="http://schemas.openxmlformats.org/officeDocument/2006/customXml" ds:itemID="{4D5BAB77-79E1-4739-AA51-10C9079186D6}">
+  <ds:schemaRefs>
+    <ds:schemaRef ds:uri="http://www.w3.org/XML/1998/namespace"/>
+    <ds:schemaRef ds:uri="http://purl.org/dc/elements/1.1/"/>
+    <ds:schemaRef ds:uri="http://purl.org/dc/dcmitype/"/>
+    <ds:schemaRef ds:uri="230e9df3-be65-4c73-a93b-d1236ebd677e"/>
+    <ds:schemaRef ds:uri="http://schemas.microsoft.com/office/2006/documentManagement/types"/>
+    <ds:schemaRef ds:uri="http://schemas.microsoft.com/sharepoint/v3"/>
+    <ds:schemaRef ds:uri="http://purl.org/dc/terms/"/>
+    <ds:schemaRef ds:uri="http://schemas.microsoft.com/office/infopath/2007/PartnerControls"/>
+    <ds:schemaRef ds:uri="16c05727-aa75-4e4a-9b5f-8a80a1165891"/>
+    <ds:schemaRef ds:uri="http://schemas.openxmlformats.org/package/2006/metadata/core-properties"/>
+    <ds:schemaRef ds:uri="71af3243-3dd4-4a8d-8c0d-dd76da1f02a5"/>
+    <ds:schemaRef ds:uri="http://schemas.microsoft.com/office/2006/metadata/properties"/>
+  </ds:schemaRefs>
+</ds:datastoreItem>
+</file>
+
 <file path=customXml/itemProps3.xml><?xml version="1.0" encoding="utf-8"?>
 <ds:datastoreItem xmlns:ds="http://schemas.openxmlformats.org/officeDocument/2006/customXml" ds:itemID="{85334180-0405-413B-834A-44FA9E05ADB7}">
   <ds:schemaRefs>
